--- a/docs/工具使用篇/绘图截图/PPT/工作总结.pptx
+++ b/docs/工具使用篇/绘图截图/PPT/工作总结.pptx
@@ -154,10 +154,6 @@
 </p:cmAuthorLst>
 </file>
 
-<file path=ppt/revisionInfo.xml><?xml version="1.0" encoding="utf-8"?>
-<p1510:revInfo xmlns:a="http://schemas.openxmlformats.org/drawingml/2006/main" xmlns:r="http://schemas.openxmlformats.org/officeDocument/2006/relationships" xmlns:p1510="http://schemas.microsoft.com/office/powerpoint/2015/10/main"/>
-</file>
-
 <file path=ppt/comments/comment1.xml><?xml version="1.0" encoding="utf-8"?>
 <p:cmLst xmlns:a="http://schemas.openxmlformats.org/drawingml/2006/main" xmlns:r="http://schemas.openxmlformats.org/officeDocument/2006/relationships" xmlns:p="http://schemas.openxmlformats.org/presentationml/2006/main">
   <p:cm authorId="1" dt="2021-10-08T14:24:57.942" idx="1">
@@ -254,7 +250,7 @@
           <a:p>
             <a:fld id="{B3061A59-E211-45AA-A9F0-2CB5442E46EC}" type="datetimeFigureOut">
               <a:rPr lang="zh-CN" altLang="en-US" smtClean="0"/>
-              <a:t>2021/10/12</a:t>
+              <a:t>2021/10/26</a:t>
             </a:fld>
             <a:endParaRPr lang="zh-CN" altLang="en-US"/>
           </a:p>
@@ -2246,7 +2242,7 @@
           <a:p>
             <a:fld id="{82F288E0-7875-42C4-84C8-98DBBD3BF4D2}" type="datetimeFigureOut">
               <a:rPr lang="zh-CN" altLang="en-US" smtClean="0"/>
-              <a:t>2021/10/12</a:t>
+              <a:t>2021/10/26</a:t>
             </a:fld>
             <a:endParaRPr lang="zh-CN" altLang="en-US"/>
           </a:p>
@@ -2404,7 +2400,7 @@
           <a:p>
             <a:fld id="{82F288E0-7875-42C4-84C8-98DBBD3BF4D2}" type="datetimeFigureOut">
               <a:rPr lang="zh-CN" altLang="en-US" smtClean="0"/>
-              <a:t>2021/10/12</a:t>
+              <a:t>2021/10/26</a:t>
             </a:fld>
             <a:endParaRPr lang="zh-CN" altLang="en-US"/>
           </a:p>
@@ -2579,7 +2575,7 @@
           <a:p>
             <a:fld id="{82F288E0-7875-42C4-84C8-98DBBD3BF4D2}" type="datetimeFigureOut">
               <a:rPr lang="zh-CN" altLang="en-US" smtClean="0"/>
-              <a:t>2021/10/12</a:t>
+              <a:t>2021/10/26</a:t>
             </a:fld>
             <a:endParaRPr lang="zh-CN" altLang="en-US"/>
           </a:p>
@@ -2831,7 +2827,7 @@
           <a:p>
             <a:fld id="{82F288E0-7875-42C4-84C8-98DBBD3BF4D2}" type="datetimeFigureOut">
               <a:rPr lang="zh-CN" altLang="en-US" smtClean="0"/>
-              <a:t>2021/10/12</a:t>
+              <a:t>2021/10/26</a:t>
             </a:fld>
             <a:endParaRPr lang="zh-CN" altLang="en-US"/>
           </a:p>
@@ -3067,7 +3063,7 @@
           <a:p>
             <a:fld id="{82F288E0-7875-42C4-84C8-98DBBD3BF4D2}" type="datetimeFigureOut">
               <a:rPr lang="zh-CN" altLang="en-US" smtClean="0"/>
-              <a:t>2021/10/12</a:t>
+              <a:t>2021/10/26</a:t>
             </a:fld>
             <a:endParaRPr lang="zh-CN" altLang="en-US"/>
           </a:p>
@@ -3438,7 +3434,7 @@
           <a:p>
             <a:fld id="{82F288E0-7875-42C4-84C8-98DBBD3BF4D2}" type="datetimeFigureOut">
               <a:rPr lang="zh-CN" altLang="en-US" smtClean="0"/>
-              <a:t>2021/10/12</a:t>
+              <a:t>2021/10/26</a:t>
             </a:fld>
             <a:endParaRPr lang="zh-CN" altLang="en-US"/>
           </a:p>
@@ -3562,7 +3558,7 @@
           <a:p>
             <a:fld id="{82F288E0-7875-42C4-84C8-98DBBD3BF4D2}" type="datetimeFigureOut">
               <a:rPr lang="zh-CN" altLang="en-US" smtClean="0"/>
-              <a:t>2021/10/12</a:t>
+              <a:t>2021/10/26</a:t>
             </a:fld>
             <a:endParaRPr lang="zh-CN" altLang="en-US"/>
           </a:p>
@@ -3689,7 +3685,7 @@
           <a:p>
             <a:fld id="{82F288E0-7875-42C4-84C8-98DBBD3BF4D2}" type="datetimeFigureOut">
               <a:rPr lang="zh-CN" altLang="en-US" smtClean="0"/>
-              <a:t>2021/10/12</a:t>
+              <a:t>2021/10/26</a:t>
             </a:fld>
             <a:endParaRPr lang="zh-CN" altLang="en-US"/>
           </a:p>
@@ -3973,7 +3969,7 @@
           <a:p>
             <a:fld id="{82F288E0-7875-42C4-84C8-98DBBD3BF4D2}" type="datetimeFigureOut">
               <a:rPr lang="zh-CN" altLang="en-US" smtClean="0"/>
-              <a:t>2021/10/12</a:t>
+              <a:t>2021/10/26</a:t>
             </a:fld>
             <a:endParaRPr lang="zh-CN" altLang="en-US"/>
           </a:p>
@@ -4158,7 +4154,7 @@
           <a:p>
             <a:fld id="{82F288E0-7875-42C4-84C8-98DBBD3BF4D2}" type="datetimeFigureOut">
               <a:rPr lang="zh-CN" altLang="en-US" smtClean="0"/>
-              <a:t>2021/10/12</a:t>
+              <a:t>2021/10/26</a:t>
             </a:fld>
             <a:endParaRPr lang="zh-CN" altLang="en-US"/>
           </a:p>
@@ -4376,7 +4372,7 @@
           <a:p>
             <a:fld id="{82F288E0-7875-42C4-84C8-98DBBD3BF4D2}" type="datetimeFigureOut">
               <a:rPr lang="zh-CN" altLang="en-US" smtClean="0"/>
-              <a:t>2021/10/12</a:t>
+              <a:t>2021/10/26</a:t>
             </a:fld>
             <a:endParaRPr lang="zh-CN" altLang="en-US"/>
           </a:p>
@@ -4836,7 +4832,7 @@
           <a:p>
             <a:pPr algn="ctr"/>
             <a:r>
-              <a:rPr lang="zh-CN" altLang="en-US" sz="6000" dirty="0" smtClean="0">
+              <a:rPr lang="zh-CN" altLang="en-US" sz="6000" dirty="0">
                 <a:solidFill>
                   <a:srgbClr val="765036"/>
                 </a:solidFill>
@@ -4845,13 +4841,6 @@
               </a:rPr>
               <a:t>工作总结</a:t>
             </a:r>
-            <a:endParaRPr lang="zh-CN" altLang="en-US" sz="6000" dirty="0">
-              <a:solidFill>
-                <a:srgbClr val="765036"/>
-              </a:solidFill>
-              <a:latin typeface="黑体" panose="02010609060101010101" pitchFamily="49" charset="-122"/>
-              <a:ea typeface="黑体" panose="02010609060101010101" pitchFamily="49" charset="-122"/>
-            </a:endParaRPr>
           </a:p>
         </p:txBody>
       </p:sp>
@@ -4960,7 +4949,7 @@
           <a:p>
             <a:pPr algn="ctr"/>
             <a:r>
-              <a:rPr lang="en-US" altLang="zh-CN" dirty="0" smtClean="0">
+              <a:rPr lang="en-US" altLang="zh-CN" dirty="0">
                 <a:solidFill>
                   <a:schemeClr val="bg1"/>
                 </a:solidFill>
@@ -4970,7 +4959,7 @@
               <a:t>2021</a:t>
             </a:r>
             <a:r>
-              <a:rPr lang="zh-CN" altLang="en-US" dirty="0" smtClean="0">
+              <a:rPr lang="zh-CN" altLang="en-US" dirty="0">
                 <a:solidFill>
                   <a:schemeClr val="bg1"/>
                 </a:solidFill>
@@ -4980,7 +4969,7 @@
               <a:t>年</a:t>
             </a:r>
             <a:r>
-              <a:rPr lang="en-US" altLang="zh-CN" dirty="0" smtClean="0">
+              <a:rPr lang="en-US" altLang="zh-CN" dirty="0">
                 <a:solidFill>
                   <a:schemeClr val="bg1"/>
                 </a:solidFill>
@@ -4990,7 +4979,7 @@
               <a:t>10</a:t>
             </a:r>
             <a:r>
-              <a:rPr lang="zh-CN" altLang="en-US" dirty="0" smtClean="0">
+              <a:rPr lang="zh-CN" altLang="en-US" dirty="0">
                 <a:solidFill>
                   <a:schemeClr val="bg1"/>
                 </a:solidFill>
@@ -5000,7 +4989,7 @@
               <a:t>月</a:t>
             </a:r>
             <a:r>
-              <a:rPr lang="en-US" altLang="zh-CN" dirty="0" smtClean="0">
+              <a:rPr lang="en-US" altLang="zh-CN" dirty="0">
                 <a:solidFill>
                   <a:schemeClr val="bg1"/>
                 </a:solidFill>
@@ -5010,7 +4999,7 @@
               <a:t>12</a:t>
             </a:r>
             <a:r>
-              <a:rPr lang="zh-CN" altLang="en-US" dirty="0" smtClean="0">
+              <a:rPr lang="zh-CN" altLang="en-US" dirty="0">
                 <a:solidFill>
                   <a:schemeClr val="bg1"/>
                 </a:solidFill>
@@ -5019,13 +5008,6 @@
               </a:rPr>
               <a:t>日</a:t>
             </a:r>
-            <a:endParaRPr lang="zh-CN" altLang="en-US" dirty="0">
-              <a:solidFill>
-                <a:schemeClr val="bg1"/>
-              </a:solidFill>
-              <a:latin typeface="黑体" panose="02010609060101010101" pitchFamily="49" charset="-122"/>
-              <a:ea typeface="黑体" panose="02010609060101010101" pitchFamily="49" charset="-122"/>
-            </a:endParaRPr>
           </a:p>
         </p:txBody>
       </p:sp>
@@ -5318,13 +5300,6 @@
       </p:transition>
     </mc:Fallback>
   </mc:AlternateContent>
-  <p:timing>
-    <p:tnLst>
-      <p:par>
-        <p:cTn id="1" dur="indefinite" restart="never" nodeType="tmRoot"/>
-      </p:par>
-    </p:tnLst>
-  </p:timing>
 </p:sld>
 </file>
 
@@ -5479,25 +5454,8 @@
                 <a:latin typeface="黑体" panose="02010609060101010101" pitchFamily="49" charset="-122"/>
                 <a:ea typeface="黑体" panose="02010609060101010101" pitchFamily="49" charset="-122"/>
               </a:rPr>
-              <a:t>创建术语</a:t>
+              <a:t>创建术语库、文档网站</a:t>
             </a:r>
-            <a:r>
-              <a:rPr lang="zh-CN" altLang="en-US" sz="3200" dirty="0" smtClean="0">
-                <a:solidFill>
-                  <a:srgbClr val="765036"/>
-                </a:solidFill>
-                <a:latin typeface="黑体" panose="02010609060101010101" pitchFamily="49" charset="-122"/>
-                <a:ea typeface="黑体" panose="02010609060101010101" pitchFamily="49" charset="-122"/>
-              </a:rPr>
-              <a:t>库、文档网站</a:t>
-            </a:r>
-            <a:endParaRPr lang="zh-CN" altLang="en-US" sz="3200" dirty="0">
-              <a:solidFill>
-                <a:srgbClr val="765036"/>
-              </a:solidFill>
-              <a:latin typeface="黑体" panose="02010609060101010101" pitchFamily="49" charset="-122"/>
-              <a:ea typeface="黑体" panose="02010609060101010101" pitchFamily="49" charset="-122"/>
-            </a:endParaRPr>
           </a:p>
         </p:txBody>
       </p:sp>
@@ -5594,13 +5552,6 @@
       </p:transition>
     </mc:Fallback>
   </mc:AlternateContent>
-  <p:timing>
-    <p:tnLst>
-      <p:par>
-        <p:cTn id="1" dur="indefinite" restart="never" nodeType="tmRoot"/>
-      </p:par>
-    </p:tnLst>
-  </p:timing>
 </p:sld>
 </file>
 
@@ -5933,7 +5884,7 @@
           <a:lstStyle/>
           <a:p>
             <a:r>
-              <a:rPr lang="en-US" altLang="zh-CN" dirty="0" smtClean="0"/>
+              <a:rPr lang="en-US" altLang="zh-CN" dirty="0"/>
               <a:t>SDL MultiTerm 2017 Desktop</a:t>
             </a:r>
             <a:endParaRPr lang="zh-CN" altLang="en-US" dirty="0"/>
@@ -5962,13 +5913,6 @@
       </p:transition>
     </mc:Fallback>
   </mc:AlternateContent>
-  <p:timing>
-    <p:tnLst>
-      <p:par>
-        <p:cTn id="1" dur="indefinite" restart="never" nodeType="tmRoot"/>
-      </p:par>
-    </p:tnLst>
-  </p:timing>
 </p:sld>
 </file>
 
@@ -9379,7 +9323,7 @@
           <a:p>
             <a:pPr algn="l"/>
             <a:r>
-              <a:rPr lang="zh-CN" altLang="en-US" sz="2000" b="1" dirty="0" smtClean="0">
+              <a:rPr lang="zh-CN" altLang="en-US" sz="2000" b="1" dirty="0">
                 <a:solidFill>
                   <a:srgbClr val="765036"/>
                 </a:solidFill>
@@ -9388,13 +9332,6 @@
               </a:rPr>
               <a:t>术语在线</a:t>
             </a:r>
-            <a:endParaRPr lang="zh-CN" altLang="en-US" sz="2000" b="1" dirty="0">
-              <a:solidFill>
-                <a:srgbClr val="765036"/>
-              </a:solidFill>
-              <a:latin typeface="微软雅黑" panose="020B0503020204020204" charset="-122"/>
-              <a:ea typeface="微软雅黑" panose="020B0503020204020204" charset="-122"/>
-            </a:endParaRPr>
           </a:p>
         </p:txBody>
       </p:sp>
@@ -9458,7 +9395,7 @@
           <a:p>
             <a:pPr algn="l"/>
             <a:r>
-              <a:rPr lang="zh-CN" altLang="en-US" sz="2000" b="1" dirty="0" smtClean="0">
+              <a:rPr lang="zh-CN" altLang="en-US" sz="2000" b="1" dirty="0">
                 <a:solidFill>
                   <a:srgbClr val="765036"/>
                 </a:solidFill>
@@ -9467,13 +9404,6 @@
               </a:rPr>
               <a:t>金山词霸</a:t>
             </a:r>
-            <a:endParaRPr lang="zh-CN" altLang="en-US" sz="2000" b="1" dirty="0">
-              <a:solidFill>
-                <a:srgbClr val="765036"/>
-              </a:solidFill>
-              <a:latin typeface="微软雅黑" panose="020B0503020204020204" charset="-122"/>
-              <a:ea typeface="微软雅黑" panose="020B0503020204020204" charset="-122"/>
-            </a:endParaRPr>
           </a:p>
         </p:txBody>
       </p:sp>
@@ -9556,7 +9486,7 @@
             <a:p>
               <a:pPr algn="l"/>
               <a:r>
-                <a:rPr lang="zh-CN" altLang="en-US" sz="2000" b="1" dirty="0" smtClean="0">
+                <a:rPr lang="zh-CN" altLang="en-US" sz="2000" b="1" dirty="0">
                   <a:solidFill>
                     <a:srgbClr val="765036"/>
                   </a:solidFill>
@@ -9565,13 +9495,6 @@
                 </a:rPr>
                 <a:t>灵格斯</a:t>
               </a:r>
-              <a:endParaRPr lang="zh-CN" altLang="en-US" sz="2000" b="1" dirty="0">
-                <a:solidFill>
-                  <a:srgbClr val="765036"/>
-                </a:solidFill>
-                <a:latin typeface="微软雅黑" panose="020B0503020204020204" charset="-122"/>
-                <a:ea typeface="微软雅黑" panose="020B0503020204020204" charset="-122"/>
-              </a:endParaRPr>
             </a:p>
           </p:txBody>
         </p:sp>
@@ -9593,13 +9516,6 @@
       </p:transition>
     </mc:Fallback>
   </mc:AlternateContent>
-  <p:timing>
-    <p:tnLst>
-      <p:par>
-        <p:cTn id="1" dur="indefinite" restart="never" nodeType="tmRoot"/>
-      </p:par>
-    </p:tnLst>
-  </p:timing>
 </p:sld>
 </file>
 
@@ -9886,7 +9802,7 @@
               <a:buNone/>
             </a:pPr>
             <a:r>
-              <a:rPr lang="zh-CN" altLang="en-US" sz="2800" b="1" dirty="0" smtClean="0">
+              <a:rPr lang="zh-CN" altLang="en-US" sz="2800" b="1" dirty="0">
                 <a:solidFill>
                   <a:srgbClr val="765036"/>
                 </a:solidFill>
@@ -9895,13 +9811,6 @@
               </a:rPr>
               <a:t>文档网站</a:t>
             </a:r>
-            <a:endParaRPr lang="zh-CN" altLang="en-US" sz="2800" b="1" dirty="0">
-              <a:solidFill>
-                <a:srgbClr val="765036"/>
-              </a:solidFill>
-              <a:latin typeface="微软雅黑" panose="020B0503020204020204" charset="-122"/>
-              <a:ea typeface="微软雅黑" panose="020B0503020204020204" charset="-122"/>
-            </a:endParaRPr>
           </a:p>
         </p:txBody>
       </p:sp>
@@ -13046,35 +12955,7 @@
                   <a:ea typeface="微软雅黑" panose="020B0503020204020204" charset="-122"/>
                   <a:sym typeface="宋体" panose="02010600030101010101" pitchFamily="2" charset="-122"/>
                 </a:rPr>
-                <a:t>便于分享，高效传播。将长期积累起来的</a:t>
-              </a:r>
-              <a:r>
-                <a:rPr lang="zh-CN" altLang="en-US" sz="1400" dirty="0" smtClean="0">
-                  <a:solidFill>
-                    <a:schemeClr val="tx1">
-                      <a:lumMod val="85000"/>
-                      <a:lumOff val="15000"/>
-                    </a:schemeClr>
-                  </a:solidFill>
-                  <a:latin typeface="微软雅黑" panose="020B0503020204020204" charset="-122"/>
-                  <a:ea typeface="微软雅黑" panose="020B0503020204020204" charset="-122"/>
-                  <a:sym typeface="宋体" panose="02010600030101010101" pitchFamily="2" charset="-122"/>
-                </a:rPr>
-                <a:t>经验、资料</a:t>
-              </a:r>
-              <a:r>
-                <a:rPr lang="zh-CN" altLang="en-US" sz="1400" dirty="0">
-                  <a:solidFill>
-                    <a:schemeClr val="tx1">
-                      <a:lumMod val="85000"/>
-                      <a:lumOff val="15000"/>
-                    </a:schemeClr>
-                  </a:solidFill>
-                  <a:latin typeface="微软雅黑" panose="020B0503020204020204" charset="-122"/>
-                  <a:ea typeface="微软雅黑" panose="020B0503020204020204" charset="-122"/>
-                  <a:sym typeface="宋体" panose="02010600030101010101" pitchFamily="2" charset="-122"/>
-                </a:rPr>
-                <a:t>以更好的方式呈现出来。</a:t>
+                <a:t>便于分享，高效传播。将长期积累起来的经验、资料以更好的方式呈现出来。</a:t>
               </a:r>
             </a:p>
           </p:txBody>
@@ -13103,7 +12984,7 @@
             <a:p>
               <a:pPr algn="l"/>
               <a:r>
-                <a:rPr lang="zh-CN" altLang="en-US" sz="2000" b="1" dirty="0" smtClean="0">
+                <a:rPr lang="zh-CN" altLang="en-US" sz="2000" b="1" dirty="0">
                   <a:solidFill>
                     <a:srgbClr val="765036"/>
                   </a:solidFill>
@@ -13112,13 +12993,6 @@
                 </a:rPr>
                 <a:t>便于分享</a:t>
               </a:r>
-              <a:endParaRPr lang="zh-CN" altLang="en-US" sz="2000" b="1" dirty="0">
-                <a:solidFill>
-                  <a:srgbClr val="765036"/>
-                </a:solidFill>
-                <a:latin typeface="微软雅黑" panose="020B0503020204020204" charset="-122"/>
-                <a:ea typeface="微软雅黑" panose="020B0503020204020204" charset="-122"/>
-              </a:endParaRPr>
             </a:p>
           </p:txBody>
         </p:sp>
@@ -13176,33 +13050,8 @@
                   <a:ea typeface="微软雅黑" panose="020B0503020204020204" charset="-122"/>
                   <a:sym typeface="宋体" panose="02010600030101010101" pitchFamily="2" charset="-122"/>
                 </a:rPr>
-                <a:t>对工作经验一个深入总结整理，以前的记录不成体系，查找起来也不</a:t>
+                <a:t>对工作经验一个深入总结整理，以前的记录不成体系，查找起来也不方便。</a:t>
               </a:r>
-              <a:r>
-                <a:rPr lang="zh-CN" altLang="en-US" sz="1400" dirty="0" smtClean="0">
-                  <a:solidFill>
-                    <a:schemeClr val="tx1">
-                      <a:lumMod val="85000"/>
-                      <a:lumOff val="15000"/>
-                    </a:schemeClr>
-                  </a:solidFill>
-                  <a:latin typeface="微软雅黑" panose="020B0503020204020204" charset="-122"/>
-                  <a:ea typeface="微软雅黑" panose="020B0503020204020204" charset="-122"/>
-                  <a:sym typeface="宋体" panose="02010600030101010101" pitchFamily="2" charset="-122"/>
-                </a:rPr>
-                <a:t>方便。</a:t>
-              </a:r>
-              <a:endParaRPr lang="zh-CN" altLang="en-US" sz="1400" dirty="0">
-                <a:solidFill>
-                  <a:schemeClr val="tx1">
-                    <a:lumMod val="85000"/>
-                    <a:lumOff val="15000"/>
-                  </a:schemeClr>
-                </a:solidFill>
-                <a:latin typeface="微软雅黑" panose="020B0503020204020204" charset="-122"/>
-                <a:ea typeface="微软雅黑" panose="020B0503020204020204" charset="-122"/>
-                <a:sym typeface="宋体" panose="02010600030101010101" pitchFamily="2" charset="-122"/>
-              </a:endParaRPr>
             </a:p>
           </p:txBody>
         </p:sp>
@@ -13230,7 +13079,7 @@
             <a:p>
               <a:pPr algn="l"/>
               <a:r>
-                <a:rPr lang="zh-CN" altLang="en-US" sz="2000" b="1" dirty="0" smtClean="0">
+                <a:rPr lang="zh-CN" altLang="en-US" sz="2000" b="1" dirty="0">
                   <a:solidFill>
                     <a:srgbClr val="765036"/>
                   </a:solidFill>
@@ -13239,13 +13088,6 @@
                 </a:rPr>
                 <a:t>深入总结</a:t>
               </a:r>
-              <a:endParaRPr lang="zh-CN" altLang="en-US" sz="2000" b="1" dirty="0">
-                <a:solidFill>
-                  <a:srgbClr val="765036"/>
-                </a:solidFill>
-                <a:latin typeface="微软雅黑" panose="020B0503020204020204" charset="-122"/>
-                <a:ea typeface="微软雅黑" panose="020B0503020204020204" charset="-122"/>
-              </a:endParaRPr>
             </a:p>
           </p:txBody>
         </p:sp>
@@ -13292,20 +13134,6 @@
                 </a:lnSpc>
               </a:pPr>
               <a:r>
-                <a:rPr lang="zh-CN" altLang="en-US" sz="1400" dirty="0" smtClean="0">
-                  <a:solidFill>
-                    <a:schemeClr val="tx1">
-                      <a:lumMod val="85000"/>
-                      <a:lumOff val="15000"/>
-                    </a:schemeClr>
-                  </a:solidFill>
-                  <a:latin typeface="微软雅黑" panose="020B0503020204020204" charset="-122"/>
-                  <a:ea typeface="微软雅黑" panose="020B0503020204020204" charset="-122"/>
-                  <a:sym typeface="宋体" panose="02010600030101010101" pitchFamily="2" charset="-122"/>
-                </a:rPr>
-                <a:t>爱</a:t>
-              </a:r>
-              <a:r>
                 <a:rPr lang="zh-CN" altLang="en-US" sz="1400" dirty="0">
                   <a:solidFill>
                     <a:schemeClr val="tx1">
@@ -13317,61 +13145,8 @@
                   <a:ea typeface="微软雅黑" panose="020B0503020204020204" charset="-122"/>
                   <a:sym typeface="宋体" panose="02010600030101010101" pitchFamily="2" charset="-122"/>
                 </a:rPr>
-                <a:t>立</a:t>
+                <a:t>爱立信构建起架构清晰地文档网站，方便内外部用户进行查阅。</a:t>
               </a:r>
-              <a:r>
-                <a:rPr lang="zh-CN" altLang="en-US" sz="1400" dirty="0" smtClean="0">
-                  <a:solidFill>
-                    <a:schemeClr val="tx1">
-                      <a:lumMod val="85000"/>
-                      <a:lumOff val="15000"/>
-                    </a:schemeClr>
-                  </a:solidFill>
-                  <a:latin typeface="微软雅黑" panose="020B0503020204020204" charset="-122"/>
-                  <a:ea typeface="微软雅黑" panose="020B0503020204020204" charset="-122"/>
-                  <a:sym typeface="宋体" panose="02010600030101010101" pitchFamily="2" charset="-122"/>
-                </a:rPr>
-                <a:t>信构建</a:t>
-              </a:r>
-              <a:r>
-                <a:rPr lang="zh-CN" altLang="en-US" sz="1400" dirty="0">
-                  <a:solidFill>
-                    <a:schemeClr val="tx1">
-                      <a:lumMod val="85000"/>
-                      <a:lumOff val="15000"/>
-                    </a:schemeClr>
-                  </a:solidFill>
-                  <a:latin typeface="微软雅黑" panose="020B0503020204020204" charset="-122"/>
-                  <a:ea typeface="微软雅黑" panose="020B0503020204020204" charset="-122"/>
-                  <a:sym typeface="宋体" panose="02010600030101010101" pitchFamily="2" charset="-122"/>
-                </a:rPr>
-                <a:t>起架构清晰地文档网站</a:t>
-              </a:r>
-              <a:r>
-                <a:rPr lang="zh-CN" altLang="en-US" sz="1400" dirty="0" smtClean="0">
-                  <a:solidFill>
-                    <a:schemeClr val="tx1">
-                      <a:lumMod val="85000"/>
-                      <a:lumOff val="15000"/>
-                    </a:schemeClr>
-                  </a:solidFill>
-                  <a:latin typeface="微软雅黑" panose="020B0503020204020204" charset="-122"/>
-                  <a:ea typeface="微软雅黑" panose="020B0503020204020204" charset="-122"/>
-                  <a:sym typeface="宋体" panose="02010600030101010101" pitchFamily="2" charset="-122"/>
-                </a:rPr>
-                <a:t>，方便内外部用户进行查阅。</a:t>
-              </a:r>
-              <a:endParaRPr lang="zh-CN" altLang="en-US" sz="1400" dirty="0">
-                <a:solidFill>
-                  <a:schemeClr val="tx1">
-                    <a:lumMod val="85000"/>
-                    <a:lumOff val="15000"/>
-                  </a:schemeClr>
-                </a:solidFill>
-                <a:latin typeface="微软雅黑" panose="020B0503020204020204" charset="-122"/>
-                <a:ea typeface="微软雅黑" panose="020B0503020204020204" charset="-122"/>
-                <a:sym typeface="宋体" panose="02010600030101010101" pitchFamily="2" charset="-122"/>
-              </a:endParaRPr>
             </a:p>
           </p:txBody>
         </p:sp>
@@ -13470,16 +13245,12 @@
           <a:lstStyle/>
           <a:p>
             <a:r>
-              <a:rPr lang="zh-CN" altLang="en-US" sz="1400" dirty="0" smtClean="0">
+              <a:rPr lang="zh-CN" altLang="en-US" sz="1400" dirty="0">
                 <a:latin typeface="微软雅黑" panose="020B0503020204020204" pitchFamily="34" charset="-122"/>
                 <a:ea typeface="微软雅黑" panose="020B0503020204020204" pitchFamily="34" charset="-122"/>
               </a:rPr>
               <a:t>找资料，尝试，出现问题、解决问题</a:t>
             </a:r>
-            <a:endParaRPr lang="zh-CN" altLang="en-US" sz="1400" dirty="0">
-              <a:latin typeface="微软雅黑" panose="020B0503020204020204" pitchFamily="34" charset="-122"/>
-              <a:ea typeface="微软雅黑" panose="020B0503020204020204" pitchFamily="34" charset="-122"/>
-            </a:endParaRPr>
           </a:p>
         </p:txBody>
       </p:sp>
@@ -13506,32 +13277,18 @@
           <a:lstStyle/>
           <a:p>
             <a:r>
-              <a:rPr lang="zh-CN" altLang="en-US" dirty="0" smtClean="0">
+              <a:rPr lang="zh-CN" altLang="en-US" dirty="0">
                 <a:latin typeface="微软雅黑" panose="020B0503020204020204" pitchFamily="34" charset="-122"/>
                 <a:ea typeface="微软雅黑" panose="020B0503020204020204" pitchFamily="34" charset="-122"/>
               </a:rPr>
               <a:t>网址：</a:t>
             </a:r>
             <a:r>
-              <a:rPr lang="en-US" altLang="zh-CN" dirty="0" smtClean="0">
-                <a:latin typeface="微软雅黑" panose="020B0503020204020204" pitchFamily="34" charset="-122"/>
-                <a:ea typeface="微软雅黑" panose="020B0503020204020204" pitchFamily="34" charset="-122"/>
-              </a:rPr>
-              <a:t>https</a:t>
-            </a:r>
-            <a:r>
               <a:rPr lang="en-US" altLang="zh-CN" dirty="0">
                 <a:latin typeface="微软雅黑" panose="020B0503020204020204" pitchFamily="34" charset="-122"/>
                 <a:ea typeface="微软雅黑" panose="020B0503020204020204" pitchFamily="34" charset="-122"/>
               </a:rPr>
-              <a:t>://yaoyaodu.github.io/materials</a:t>
-            </a:r>
-            <a:r>
-              <a:rPr lang="en-US" altLang="zh-CN" dirty="0" smtClean="0">
-                <a:latin typeface="微软雅黑" panose="020B0503020204020204" pitchFamily="34" charset="-122"/>
-                <a:ea typeface="微软雅黑" panose="020B0503020204020204" pitchFamily="34" charset="-122"/>
-              </a:rPr>
-              <a:t>/#/</a:t>
+              <a:t>https://yaoyaodu.github.io/materials/#/</a:t>
             </a:r>
             <a:endParaRPr lang="zh-CN" altLang="en-US" dirty="0">
               <a:latin typeface="微软雅黑" panose="020B0503020204020204" pitchFamily="34" charset="-122"/>
@@ -13562,13 +13319,6 @@
       </p:transition>
     </mc:Fallback>
   </mc:AlternateContent>
-  <p:timing>
-    <p:tnLst>
-      <p:par>
-        <p:cTn id="1" dur="indefinite" restart="never" nodeType="tmRoot"/>
-      </p:par>
-    </p:tnLst>
-  </p:timing>
 </p:sld>
 </file>
 
@@ -13719,16 +13469,6 @@
               <a:buNone/>
             </a:pPr>
             <a:r>
-              <a:rPr lang="zh-CN" altLang="en-US" sz="3200" dirty="0" smtClean="0">
-                <a:solidFill>
-                  <a:srgbClr val="765036"/>
-                </a:solidFill>
-                <a:latin typeface="微软雅黑" panose="020B0503020204020204" pitchFamily="34" charset="-122"/>
-                <a:ea typeface="微软雅黑" panose="020B0503020204020204" pitchFamily="34" charset="-122"/>
-              </a:rPr>
-              <a:t>编写</a:t>
-            </a:r>
-            <a:r>
               <a:rPr lang="zh-CN" altLang="en-US" sz="3200" dirty="0">
                 <a:solidFill>
                   <a:srgbClr val="765036"/>
@@ -13736,29 +13476,9 @@
                 <a:latin typeface="微软雅黑" panose="020B0503020204020204" pitchFamily="34" charset="-122"/>
                 <a:ea typeface="微软雅黑" panose="020B0503020204020204" pitchFamily="34" charset="-122"/>
               </a:rPr>
-              <a:t>技术写作</a:t>
+              <a:t>编写技术写作规范、</a:t>
             </a:r>
-            <a:r>
-              <a:rPr lang="zh-CN" altLang="en-US" sz="3200" dirty="0" smtClean="0">
-                <a:solidFill>
-                  <a:srgbClr val="765036"/>
-                </a:solidFill>
-                <a:latin typeface="微软雅黑" panose="020B0503020204020204" pitchFamily="34" charset="-122"/>
-                <a:ea typeface="微软雅黑" panose="020B0503020204020204" pitchFamily="34" charset="-122"/>
-              </a:rPr>
-              <a:t>规范</a:t>
-            </a:r>
-            <a:r>
-              <a:rPr lang="zh-CN" altLang="en-US" sz="3200" dirty="0">
-                <a:solidFill>
-                  <a:srgbClr val="765036"/>
-                </a:solidFill>
-                <a:latin typeface="微软雅黑" panose="020B0503020204020204" pitchFamily="34" charset="-122"/>
-                <a:ea typeface="微软雅黑" panose="020B0503020204020204" pitchFamily="34" charset="-122"/>
-              </a:rPr>
-              <a:t>、</a:t>
-            </a:r>
-            <a:endParaRPr lang="en-US" altLang="zh-CN" sz="3200" dirty="0" smtClean="0">
+            <a:endParaRPr lang="en-US" altLang="zh-CN" sz="3200" dirty="0">
               <a:solidFill>
                 <a:srgbClr val="765036"/>
               </a:solidFill>
@@ -13775,16 +13495,6 @@
               <a:buNone/>
             </a:pPr>
             <a:r>
-              <a:rPr lang="zh-CN" altLang="en-US" sz="3200" dirty="0" smtClean="0">
-                <a:solidFill>
-                  <a:srgbClr val="765036"/>
-                </a:solidFill>
-                <a:latin typeface="微软雅黑" panose="020B0503020204020204" pitchFamily="34" charset="-122"/>
-                <a:ea typeface="微软雅黑" panose="020B0503020204020204" pitchFamily="34" charset="-122"/>
-              </a:rPr>
-              <a:t>制定</a:t>
-            </a:r>
-            <a:r>
               <a:rPr lang="zh-CN" altLang="en-US" sz="3200" dirty="0">
                 <a:solidFill>
                   <a:srgbClr val="765036"/>
@@ -13792,25 +13502,8 @@
                 <a:latin typeface="微软雅黑" panose="020B0503020204020204" pitchFamily="34" charset="-122"/>
                 <a:ea typeface="微软雅黑" panose="020B0503020204020204" pitchFamily="34" charset="-122"/>
               </a:rPr>
-              <a:t>文档</a:t>
+              <a:t>制定文档模板</a:t>
             </a:r>
-            <a:r>
-              <a:rPr lang="zh-CN" altLang="en-US" sz="3200" dirty="0" smtClean="0">
-                <a:solidFill>
-                  <a:srgbClr val="765036"/>
-                </a:solidFill>
-                <a:latin typeface="微软雅黑" panose="020B0503020204020204" pitchFamily="34" charset="-122"/>
-                <a:ea typeface="微软雅黑" panose="020B0503020204020204" pitchFamily="34" charset="-122"/>
-              </a:rPr>
-              <a:t>模板</a:t>
-            </a:r>
-            <a:endParaRPr lang="zh-CN" altLang="en-US" sz="3200" dirty="0">
-              <a:solidFill>
-                <a:srgbClr val="765036"/>
-              </a:solidFill>
-              <a:latin typeface="微软雅黑" panose="020B0503020204020204" pitchFamily="34" charset="-122"/>
-              <a:ea typeface="微软雅黑" panose="020B0503020204020204" pitchFamily="34" charset="-122"/>
-            </a:endParaRPr>
           </a:p>
           <a:p>
             <a:pPr>
@@ -13920,13 +13613,6 @@
       </p:transition>
     </mc:Fallback>
   </mc:AlternateContent>
-  <p:timing>
-    <p:tnLst>
-      <p:par>
-        <p:cTn id="1" dur="indefinite" restart="never" nodeType="tmRoot"/>
-      </p:par>
-    </p:tnLst>
-  </p:timing>
 </p:sld>
 </file>
 
@@ -14213,7 +13899,7 @@
               <a:buNone/>
             </a:pPr>
             <a:r>
-              <a:rPr lang="zh-CN" altLang="en-US" sz="2800" b="1" dirty="0" smtClean="0">
+              <a:rPr lang="zh-CN" altLang="en-US" sz="2800" b="1" dirty="0">
                 <a:solidFill>
                   <a:srgbClr val="765036"/>
                 </a:solidFill>
@@ -14222,13 +13908,6 @@
               </a:rPr>
               <a:t>参考规范</a:t>
             </a:r>
-            <a:endParaRPr lang="zh-CN" altLang="en-US" sz="2800" b="1" dirty="0">
-              <a:solidFill>
-                <a:srgbClr val="765036"/>
-              </a:solidFill>
-              <a:latin typeface="微软雅黑" panose="020B0503020204020204" charset="-122"/>
-              <a:ea typeface="微软雅黑" panose="020B0503020204020204" charset="-122"/>
-            </a:endParaRPr>
           </a:p>
         </p:txBody>
       </p:sp>
@@ -17473,7 +17152,7 @@
             <a:p>
               <a:pPr algn="ctr"/>
               <a:r>
-                <a:rPr lang="en-US" altLang="zh-CN" sz="2000" b="1" dirty="0" smtClean="0">
+                <a:rPr lang="en-US" altLang="zh-CN" sz="2000" b="1" dirty="0">
                   <a:solidFill>
                     <a:srgbClr val="765036"/>
                   </a:solidFill>
@@ -17579,17 +17258,7 @@
                   <a:latin typeface="微软雅黑" panose="020B0503020204020204" charset="-122"/>
                   <a:ea typeface="微软雅黑" panose="020B0503020204020204" charset="-122"/>
                 </a:rPr>
-                <a:t>Simplified Technical English </a:t>
-              </a:r>
-              <a:r>
-                <a:rPr lang="en-US" altLang="zh-CN" sz="2000" b="1" dirty="0" smtClean="0">
-                  <a:solidFill>
-                    <a:srgbClr val="765036"/>
-                  </a:solidFill>
-                  <a:latin typeface="微软雅黑" panose="020B0503020204020204" charset="-122"/>
-                  <a:ea typeface="微软雅黑" panose="020B0503020204020204" charset="-122"/>
-                </a:rPr>
-                <a:t>(STE)</a:t>
+                <a:t>Simplified Technical English (STE)</a:t>
               </a:r>
               <a:endParaRPr lang="zh-CN" altLang="en-US" sz="2000" b="1" dirty="0">
                 <a:solidFill>
@@ -17681,7 +17350,7 @@
             <a:p>
               <a:pPr algn="ctr"/>
               <a:r>
-                <a:rPr lang="en-US" altLang="zh-CN" sz="2000" b="1" dirty="0" smtClean="0">
+                <a:rPr lang="en-US" altLang="zh-CN" sz="2000" b="1" dirty="0">
                   <a:solidFill>
                     <a:srgbClr val="765036"/>
                   </a:solidFill>
@@ -19001,7 +18670,7 @@
               <a:buNone/>
             </a:pPr>
             <a:r>
-              <a:rPr lang="zh-CN" altLang="en-US" sz="2800" b="1" dirty="0" smtClean="0">
+              <a:rPr lang="zh-CN" altLang="en-US" sz="2800" b="1" dirty="0">
                 <a:solidFill>
                   <a:srgbClr val="765036"/>
                 </a:solidFill>
@@ -19010,13 +18679,6 @@
               </a:rPr>
               <a:t>描述类信息</a:t>
             </a:r>
-            <a:endParaRPr lang="zh-CN" altLang="en-US" sz="2800" b="1" dirty="0">
-              <a:solidFill>
-                <a:srgbClr val="765036"/>
-              </a:solidFill>
-              <a:latin typeface="微软雅黑" panose="020B0503020204020204" charset="-122"/>
-              <a:ea typeface="微软雅黑" panose="020B0503020204020204" charset="-122"/>
-            </a:endParaRPr>
           </a:p>
         </p:txBody>
       </p:sp>
@@ -19245,17 +18907,6 @@
               <a:buChar char="•"/>
             </a:pPr>
             <a:r>
-              <a:rPr lang="zh-CN" altLang="en-US" sz="1600" dirty="0" smtClean="0">
-                <a:solidFill>
-                  <a:schemeClr val="bg1"/>
-                </a:solidFill>
-                <a:latin typeface="微软雅黑" panose="020B0503020204020204" charset="-122"/>
-                <a:ea typeface="微软雅黑" panose="020B0503020204020204" charset="-122"/>
-                <a:sym typeface="宋体" panose="02010600030101010101" pitchFamily="2" charset="-122"/>
-              </a:rPr>
-              <a:t>每个段落一</a:t>
-            </a:r>
-            <a:r>
               <a:rPr lang="zh-CN" altLang="en-US" sz="1600" dirty="0">
                 <a:solidFill>
                   <a:schemeClr val="bg1"/>
@@ -19264,70 +18915,9 @@
                 <a:ea typeface="微软雅黑" panose="020B0503020204020204" charset="-122"/>
                 <a:sym typeface="宋体" panose="02010600030101010101" pitchFamily="2" charset="-122"/>
               </a:rPr>
-              <a:t>个主题</a:t>
+              <a:t>每个段落一个主题，最多六句话。</a:t>
             </a:r>
-            <a:r>
-              <a:rPr lang="zh-CN" altLang="en-US" sz="1600" dirty="0" smtClean="0">
-                <a:solidFill>
-                  <a:schemeClr val="bg1"/>
-                </a:solidFill>
-                <a:latin typeface="微软雅黑" panose="020B0503020204020204" charset="-122"/>
-                <a:ea typeface="微软雅黑" panose="020B0503020204020204" charset="-122"/>
-                <a:sym typeface="宋体" panose="02010600030101010101" pitchFamily="2" charset="-122"/>
-              </a:rPr>
-              <a:t>，最多六</a:t>
-            </a:r>
-            <a:r>
-              <a:rPr lang="zh-CN" altLang="en-US" sz="1600" dirty="0">
-                <a:solidFill>
-                  <a:schemeClr val="bg1"/>
-                </a:solidFill>
-                <a:latin typeface="微软雅黑" panose="020B0503020204020204" charset="-122"/>
-                <a:ea typeface="微软雅黑" panose="020B0503020204020204" charset="-122"/>
-                <a:sym typeface="宋体" panose="02010600030101010101" pitchFamily="2" charset="-122"/>
-              </a:rPr>
-              <a:t>句</a:t>
-            </a:r>
-            <a:r>
-              <a:rPr lang="zh-CN" altLang="en-US" sz="1600" dirty="0" smtClean="0">
-                <a:solidFill>
-                  <a:schemeClr val="bg1"/>
-                </a:solidFill>
-                <a:latin typeface="微软雅黑" panose="020B0503020204020204" charset="-122"/>
-                <a:ea typeface="微软雅黑" panose="020B0503020204020204" charset="-122"/>
-                <a:sym typeface="宋体" panose="02010600030101010101" pitchFamily="2" charset="-122"/>
-              </a:rPr>
-              <a:t>话。</a:t>
-            </a:r>
-            <a:endParaRPr lang="en-US" altLang="zh-CN" sz="1600" dirty="0" smtClean="0">
-              <a:solidFill>
-                <a:schemeClr val="bg1"/>
-              </a:solidFill>
-              <a:latin typeface="微软雅黑" panose="020B0503020204020204" charset="-122"/>
-              <a:ea typeface="微软雅黑" panose="020B0503020204020204" charset="-122"/>
-              <a:sym typeface="宋体" panose="02010600030101010101" pitchFamily="2" charset="-122"/>
-            </a:endParaRPr>
-          </a:p>
-          <a:p>
-            <a:pPr marL="285750" indent="-285750">
-              <a:lnSpc>
-                <a:spcPct val="170000"/>
-              </a:lnSpc>
-              <a:buFont typeface="Arial" panose="020B0604020202020204" pitchFamily="34" charset="0"/>
-              <a:buChar char="•"/>
-            </a:pPr>
-            <a:r>
-              <a:rPr lang="zh-CN" altLang="en-US" sz="1600" dirty="0" smtClean="0">
-                <a:solidFill>
-                  <a:schemeClr val="bg1"/>
-                </a:solidFill>
-                <a:latin typeface="微软雅黑" panose="020B0503020204020204" charset="-122"/>
-                <a:ea typeface="微软雅黑" panose="020B0503020204020204" charset="-122"/>
-                <a:sym typeface="宋体" panose="02010600030101010101" pitchFamily="2" charset="-122"/>
-              </a:rPr>
-              <a:t>每个句子只有一个主题，逐渐给出信息，便于用于理解。</a:t>
-            </a:r>
-            <a:endParaRPr lang="en-US" altLang="zh-CN" sz="1600" dirty="0" smtClean="0">
+            <a:endParaRPr lang="en-US" altLang="zh-CN" sz="1600" dirty="0">
               <a:solidFill>
                 <a:schemeClr val="bg1"/>
               </a:solidFill>
@@ -19353,10 +18943,10 @@
                 <a:ea typeface="微软雅黑" panose="020B0503020204020204" charset="-122"/>
                 <a:sym typeface="宋体" panose="02010600030101010101" pitchFamily="2" charset="-122"/>
               </a:rPr>
-              <a:t>避免使用长</a:t>
+              <a:t>每个句子只有一个主题，逐渐给出信息</a:t>
             </a:r>
             <a:r>
-              <a:rPr lang="zh-CN" altLang="en-US" sz="1600" dirty="0" smtClean="0">
+              <a:rPr lang="zh-CN" altLang="en-US" sz="1600">
                 <a:solidFill>
                   <a:schemeClr val="bg1"/>
                 </a:solidFill>
@@ -19364,9 +18954,20 @@
                 <a:ea typeface="微软雅黑" panose="020B0503020204020204" charset="-122"/>
                 <a:sym typeface="宋体" panose="02010600030101010101" pitchFamily="2" charset="-122"/>
               </a:rPr>
-              <a:t>句：</a:t>
+              <a:t>，便于用户理解</a:t>
             </a:r>
-            <a:endParaRPr lang="zh-CN" altLang="en-US" sz="1600" dirty="0">
+            <a:r>
+              <a:rPr lang="zh-CN" altLang="en-US" sz="1600" dirty="0">
+                <a:solidFill>
+                  <a:schemeClr val="bg1"/>
+                </a:solidFill>
+                <a:latin typeface="微软雅黑" panose="020B0503020204020204" charset="-122"/>
+                <a:ea typeface="微软雅黑" panose="020B0503020204020204" charset="-122"/>
+                <a:sym typeface="宋体" panose="02010600030101010101" pitchFamily="2" charset="-122"/>
+              </a:rPr>
+              <a:t>。</a:t>
+            </a:r>
+            <a:endParaRPr lang="en-US" altLang="zh-CN" sz="1600" dirty="0">
               <a:solidFill>
                 <a:schemeClr val="bg1"/>
               </a:solidFill>
@@ -19374,6 +18975,26 @@
               <a:ea typeface="微软雅黑" panose="020B0503020204020204" charset="-122"/>
               <a:sym typeface="宋体" panose="02010600030101010101" pitchFamily="2" charset="-122"/>
             </a:endParaRPr>
+          </a:p>
+          <a:p>
+            <a:pPr marL="285750" indent="-285750">
+              <a:lnSpc>
+                <a:spcPct val="170000"/>
+              </a:lnSpc>
+              <a:buFont typeface="Arial" panose="020B0604020202020204" pitchFamily="34" charset="0"/>
+              <a:buChar char="•"/>
+            </a:pPr>
+            <a:r>
+              <a:rPr lang="zh-CN" altLang="en-US" sz="1600" dirty="0">
+                <a:solidFill>
+                  <a:schemeClr val="bg1"/>
+                </a:solidFill>
+                <a:latin typeface="微软雅黑" panose="020B0503020204020204" charset="-122"/>
+                <a:ea typeface="微软雅黑" panose="020B0503020204020204" charset="-122"/>
+                <a:sym typeface="宋体" panose="02010600030101010101" pitchFamily="2" charset="-122"/>
+              </a:rPr>
+              <a:t>避免使用长句：</a:t>
+            </a:r>
           </a:p>
           <a:p>
             <a:pPr marL="742950" lvl="1" indent="-285750">
@@ -19384,17 +19005,6 @@
               <a:buChar char="•"/>
             </a:pPr>
             <a:r>
-              <a:rPr lang="zh-CN" altLang="en-US" sz="1600" dirty="0" smtClean="0">
-                <a:solidFill>
-                  <a:schemeClr val="bg1"/>
-                </a:solidFill>
-                <a:latin typeface="微软雅黑" panose="020B0503020204020204" charset="-122"/>
-                <a:ea typeface="微软雅黑" panose="020B0503020204020204" charset="-122"/>
-                <a:sym typeface="宋体" panose="02010600030101010101" pitchFamily="2" charset="-122"/>
-              </a:rPr>
-              <a:t>不</a:t>
-            </a:r>
-            <a:r>
               <a:rPr lang="zh-CN" altLang="en-US" sz="1600" dirty="0">
                 <a:solidFill>
                   <a:schemeClr val="bg1"/>
@@ -19403,20 +19013,9 @@
                 <a:ea typeface="微软雅黑" panose="020B0503020204020204" charset="-122"/>
                 <a:sym typeface="宋体" panose="02010600030101010101" pitchFamily="2" charset="-122"/>
               </a:rPr>
-              <a:t>包含任何标点符号的单个句子，或者以逗号分隔的句子</a:t>
+              <a:t>不包含任何标点符号的单个句子，或者以逗号分隔的句子构件：</a:t>
             </a:r>
-            <a:r>
-              <a:rPr lang="zh-CN" altLang="en-US" sz="1600" dirty="0" smtClean="0">
-                <a:solidFill>
-                  <a:schemeClr val="bg1"/>
-                </a:solidFill>
-                <a:latin typeface="微软雅黑" panose="020B0503020204020204" charset="-122"/>
-                <a:ea typeface="微软雅黑" panose="020B0503020204020204" charset="-122"/>
-                <a:sym typeface="宋体" panose="02010600030101010101" pitchFamily="2" charset="-122"/>
-              </a:rPr>
-              <a:t>构件：</a:t>
-            </a:r>
-            <a:endParaRPr lang="en-US" altLang="zh-CN" sz="1600" dirty="0" smtClean="0">
+            <a:endParaRPr lang="en-US" altLang="zh-CN" sz="1600" dirty="0">
               <a:solidFill>
                 <a:schemeClr val="bg1"/>
               </a:solidFill>
@@ -19434,17 +19033,6 @@
               <a:buChar char="•"/>
             </a:pPr>
             <a:r>
-              <a:rPr lang="zh-CN" altLang="en-US" sz="1600" dirty="0" smtClean="0">
-                <a:solidFill>
-                  <a:schemeClr val="bg1"/>
-                </a:solidFill>
-                <a:latin typeface="微软雅黑" panose="020B0503020204020204" charset="-122"/>
-                <a:ea typeface="微软雅黑" panose="020B0503020204020204" charset="-122"/>
-                <a:sym typeface="宋体" panose="02010600030101010101" pitchFamily="2" charset="-122"/>
-              </a:rPr>
-              <a:t>长度</a:t>
-            </a:r>
-            <a:r>
               <a:rPr lang="zh-CN" altLang="en-US" sz="1600" dirty="0">
                 <a:solidFill>
                   <a:schemeClr val="bg1"/>
@@ -19453,7 +19041,7 @@
                 <a:ea typeface="微软雅黑" panose="020B0503020204020204" charset="-122"/>
                 <a:sym typeface="宋体" panose="02010600030101010101" pitchFamily="2" charset="-122"/>
               </a:rPr>
-              <a:t>尽量保持在 </a:t>
+              <a:t>长度尽量保持在 </a:t>
             </a:r>
             <a:r>
               <a:rPr lang="en-US" altLang="zh-CN" sz="1600" dirty="0">
@@ -19475,20 +19063,9 @@
                 <a:ea typeface="微软雅黑" panose="020B0503020204020204" charset="-122"/>
                 <a:sym typeface="宋体" panose="02010600030101010101" pitchFamily="2" charset="-122"/>
               </a:rPr>
-              <a:t>个字以内</a:t>
+              <a:t>个字以内；</a:t>
             </a:r>
-            <a:r>
-              <a:rPr lang="zh-CN" altLang="en-US" sz="1600" dirty="0" smtClean="0">
-                <a:solidFill>
-                  <a:schemeClr val="bg1"/>
-                </a:solidFill>
-                <a:latin typeface="微软雅黑" panose="020B0503020204020204" charset="-122"/>
-                <a:ea typeface="微软雅黑" panose="020B0503020204020204" charset="-122"/>
-                <a:sym typeface="宋体" panose="02010600030101010101" pitchFamily="2" charset="-122"/>
-              </a:rPr>
-              <a:t>；</a:t>
-            </a:r>
-            <a:endParaRPr lang="en-US" altLang="zh-CN" sz="1600" dirty="0" smtClean="0">
+            <a:endParaRPr lang="en-US" altLang="zh-CN" sz="1600" dirty="0">
               <a:solidFill>
                 <a:schemeClr val="bg1"/>
               </a:solidFill>
@@ -19506,7 +19083,7 @@
               <a:buChar char="•"/>
             </a:pPr>
             <a:r>
-              <a:rPr lang="en-US" altLang="zh-CN" sz="1600" dirty="0" smtClean="0">
+              <a:rPr lang="en-US" altLang="zh-CN" sz="1600" dirty="0">
                 <a:solidFill>
                   <a:schemeClr val="bg1"/>
                 </a:solidFill>
@@ -19547,20 +19124,9 @@
                 <a:ea typeface="微软雅黑" panose="020B0503020204020204" charset="-122"/>
                 <a:sym typeface="宋体" panose="02010600030101010101" pitchFamily="2" charset="-122"/>
               </a:rPr>
-              <a:t>个字的句子，可以接受</a:t>
+              <a:t>个字的句子，可以接受；</a:t>
             </a:r>
-            <a:r>
-              <a:rPr lang="zh-CN" altLang="en-US" sz="1600" dirty="0" smtClean="0">
-                <a:solidFill>
-                  <a:schemeClr val="bg1"/>
-                </a:solidFill>
-                <a:latin typeface="微软雅黑" panose="020B0503020204020204" charset="-122"/>
-                <a:ea typeface="微软雅黑" panose="020B0503020204020204" charset="-122"/>
-                <a:sym typeface="宋体" panose="02010600030101010101" pitchFamily="2" charset="-122"/>
-              </a:rPr>
-              <a:t>；</a:t>
-            </a:r>
-            <a:endParaRPr lang="en-US" altLang="zh-CN" sz="1600" dirty="0" smtClean="0">
+            <a:endParaRPr lang="en-US" altLang="zh-CN" sz="1600" dirty="0">
               <a:solidFill>
                 <a:schemeClr val="bg1"/>
               </a:solidFill>
@@ -19578,7 +19144,7 @@
               <a:buChar char="•"/>
             </a:pPr>
             <a:r>
-              <a:rPr lang="en-US" altLang="zh-CN" sz="1600" dirty="0" smtClean="0">
+              <a:rPr lang="en-US" altLang="zh-CN" sz="1600" dirty="0">
                 <a:solidFill>
                   <a:schemeClr val="bg1"/>
                 </a:solidFill>
@@ -19619,20 +19185,9 @@
                 <a:ea typeface="微软雅黑" panose="020B0503020204020204" charset="-122"/>
                 <a:sym typeface="宋体" panose="02010600030101010101" pitchFamily="2" charset="-122"/>
               </a:rPr>
-              <a:t>个字的句子，语义必须明确，才能接受</a:t>
+              <a:t>个字的句子，语义必须明确，才能接受；</a:t>
             </a:r>
-            <a:r>
-              <a:rPr lang="zh-CN" altLang="en-US" sz="1600" dirty="0" smtClean="0">
-                <a:solidFill>
-                  <a:schemeClr val="bg1"/>
-                </a:solidFill>
-                <a:latin typeface="微软雅黑" panose="020B0503020204020204" charset="-122"/>
-                <a:ea typeface="微软雅黑" panose="020B0503020204020204" charset="-122"/>
-                <a:sym typeface="宋体" panose="02010600030101010101" pitchFamily="2" charset="-122"/>
-              </a:rPr>
-              <a:t>；</a:t>
-            </a:r>
-            <a:endParaRPr lang="en-US" altLang="zh-CN" sz="1600" dirty="0" smtClean="0">
+            <a:endParaRPr lang="en-US" altLang="zh-CN" sz="1600" dirty="0">
               <a:solidFill>
                 <a:schemeClr val="bg1"/>
               </a:solidFill>
@@ -19650,7 +19205,7 @@
               <a:buChar char="•"/>
             </a:pPr>
             <a:r>
-              <a:rPr lang="zh-CN" altLang="en-US" sz="1600" dirty="0" smtClean="0">
+              <a:rPr lang="zh-CN" altLang="en-US" sz="1600" dirty="0">
                 <a:solidFill>
                   <a:schemeClr val="bg1"/>
                 </a:solidFill>
@@ -19714,7 +19269,7 @@
               <a:t>100 </a:t>
             </a:r>
             <a:r>
-              <a:rPr lang="zh-CN" altLang="en-US" sz="1600" dirty="0" smtClean="0">
+              <a:rPr lang="zh-CN" altLang="en-US" sz="1600" dirty="0">
                 <a:solidFill>
                   <a:schemeClr val="bg1"/>
                 </a:solidFill>
@@ -19724,42 +19279,6 @@
               </a:rPr>
               <a:t>字。</a:t>
             </a:r>
-            <a:endParaRPr lang="zh-CN" altLang="en-US" sz="1600" dirty="0">
-              <a:solidFill>
-                <a:schemeClr val="bg1"/>
-              </a:solidFill>
-              <a:latin typeface="微软雅黑" panose="020B0503020204020204" charset="-122"/>
-              <a:ea typeface="微软雅黑" panose="020B0503020204020204" charset="-122"/>
-              <a:sym typeface="宋体" panose="02010600030101010101" pitchFamily="2" charset="-122"/>
-            </a:endParaRPr>
-          </a:p>
-          <a:p>
-            <a:pPr marL="285750" indent="-285750">
-              <a:lnSpc>
-                <a:spcPct val="170000"/>
-              </a:lnSpc>
-              <a:buFont typeface="Arial" panose="020B0604020202020204" pitchFamily="34" charset="0"/>
-              <a:buChar char="•"/>
-            </a:pPr>
-            <a:r>
-              <a:rPr lang="zh-CN" altLang="en-US" sz="1600" dirty="0" smtClean="0">
-                <a:solidFill>
-                  <a:schemeClr val="bg1"/>
-                </a:solidFill>
-                <a:latin typeface="微软雅黑" panose="020B0503020204020204" charset="-122"/>
-                <a:ea typeface="微软雅黑" panose="020B0503020204020204" charset="-122"/>
-                <a:sym typeface="宋体" panose="02010600030101010101" pitchFamily="2" charset="-122"/>
-              </a:rPr>
-              <a:t>借助列表、表格、图形呈现信息。</a:t>
-            </a:r>
-            <a:endParaRPr lang="zh-CN" altLang="en-US" sz="1600" dirty="0">
-              <a:solidFill>
-                <a:schemeClr val="bg1"/>
-              </a:solidFill>
-              <a:latin typeface="微软雅黑" panose="020B0503020204020204" charset="-122"/>
-              <a:ea typeface="微软雅黑" panose="020B0503020204020204" charset="-122"/>
-              <a:sym typeface="宋体" panose="02010600030101010101" pitchFamily="2" charset="-122"/>
-            </a:endParaRPr>
           </a:p>
           <a:p>
             <a:pPr marL="285750" indent="-285750">
@@ -19778,27 +19297,8 @@
                 <a:ea typeface="微软雅黑" panose="020B0503020204020204" charset="-122"/>
                 <a:sym typeface="宋体" panose="02010600030101010101" pitchFamily="2" charset="-122"/>
               </a:rPr>
-              <a:t>同样一个意思，尽量使用肯定句表达</a:t>
+              <a:t>借助列表、表格、图形呈现信息。</a:t>
             </a:r>
-            <a:r>
-              <a:rPr lang="zh-CN" altLang="en-US" sz="1600" dirty="0" smtClean="0">
-                <a:solidFill>
-                  <a:schemeClr val="bg1"/>
-                </a:solidFill>
-                <a:latin typeface="微软雅黑" panose="020B0503020204020204" charset="-122"/>
-                <a:ea typeface="微软雅黑" panose="020B0503020204020204" charset="-122"/>
-                <a:sym typeface="宋体" panose="02010600030101010101" pitchFamily="2" charset="-122"/>
-              </a:rPr>
-              <a:t>，尽量使用主动语态。</a:t>
-            </a:r>
-            <a:endParaRPr lang="zh-CN" altLang="en-US" sz="1600" dirty="0">
-              <a:solidFill>
-                <a:schemeClr val="bg1"/>
-              </a:solidFill>
-              <a:latin typeface="微软雅黑" panose="020B0503020204020204" charset="-122"/>
-              <a:ea typeface="微软雅黑" panose="020B0503020204020204" charset="-122"/>
-              <a:sym typeface="宋体" panose="02010600030101010101" pitchFamily="2" charset="-122"/>
-            </a:endParaRPr>
           </a:p>
           <a:p>
             <a:pPr marL="285750" indent="-285750">
@@ -19809,7 +19309,7 @@
               <a:buChar char="•"/>
             </a:pPr>
             <a:r>
-              <a:rPr lang="zh-CN" altLang="en-US" sz="1600" dirty="0" smtClean="0">
+              <a:rPr lang="zh-CN" altLang="en-US" sz="1600" dirty="0">
                 <a:solidFill>
                   <a:schemeClr val="bg1"/>
                 </a:solidFill>
@@ -19817,8 +19317,17 @@
                 <a:ea typeface="微软雅黑" panose="020B0503020204020204" charset="-122"/>
                 <a:sym typeface="宋体" panose="02010600030101010101" pitchFamily="2" charset="-122"/>
               </a:rPr>
-              <a:t>避免口语化，不</a:t>
+              <a:t>同样一个意思，尽量使用肯定句表达，尽量使用主动语态。</a:t>
             </a:r>
+          </a:p>
+          <a:p>
+            <a:pPr marL="285750" indent="-285750">
+              <a:lnSpc>
+                <a:spcPct val="170000"/>
+              </a:lnSpc>
+              <a:buFont typeface="Arial" panose="020B0604020202020204" pitchFamily="34" charset="0"/>
+              <a:buChar char="•"/>
+            </a:pPr>
             <a:r>
               <a:rPr lang="zh-CN" altLang="en-US" sz="1600" dirty="0">
                 <a:solidFill>
@@ -19828,7 +19337,7 @@
                 <a:ea typeface="微软雅黑" panose="020B0503020204020204" charset="-122"/>
                 <a:sym typeface="宋体" panose="02010600030101010101" pitchFamily="2" charset="-122"/>
               </a:rPr>
-              <a:t>使用非正式的语言风格。</a:t>
+              <a:t>避免口语化，不使用非正式的语言。</a:t>
             </a:r>
           </a:p>
         </p:txBody>
@@ -19860,63 +19369,7 @@
                 <a:latin typeface="微软雅黑" panose="020B0503020204020204" pitchFamily="34" charset="-122"/>
                 <a:ea typeface="微软雅黑" panose="020B0503020204020204" pitchFamily="34" charset="-122"/>
               </a:rPr>
-              <a:t>回答“是什么”的问题，</a:t>
-            </a:r>
-            <a:r>
-              <a:rPr lang="zh-CN" altLang="en-US" dirty="0" smtClean="0">
-                <a:latin typeface="微软雅黑" panose="020B0503020204020204" pitchFamily="34" charset="-122"/>
-                <a:ea typeface="微软雅黑" panose="020B0503020204020204" pitchFamily="34" charset="-122"/>
-              </a:rPr>
-              <a:t>提供</a:t>
-            </a:r>
-            <a:r>
-              <a:rPr lang="zh-CN" altLang="en-US" dirty="0">
-                <a:latin typeface="微软雅黑" panose="020B0503020204020204" pitchFamily="34" charset="-122"/>
-                <a:ea typeface="微软雅黑" panose="020B0503020204020204" pitchFamily="34" charset="-122"/>
-              </a:rPr>
-              <a:t>用户</a:t>
-            </a:r>
-            <a:r>
-              <a:rPr lang="zh-CN" altLang="en-US" dirty="0" smtClean="0">
-                <a:latin typeface="微软雅黑" panose="020B0503020204020204" pitchFamily="34" charset="-122"/>
-                <a:ea typeface="微软雅黑" panose="020B0503020204020204" pitchFamily="34" charset="-122"/>
-              </a:rPr>
-              <a:t>能</a:t>
-            </a:r>
-            <a:r>
-              <a:rPr lang="zh-CN" altLang="en-US" dirty="0">
-                <a:latin typeface="微软雅黑" panose="020B0503020204020204" pitchFamily="34" charset="-122"/>
-                <a:ea typeface="微软雅黑" panose="020B0503020204020204" pitchFamily="34" charset="-122"/>
-              </a:rPr>
-              <a:t>成功操作、维护、使用一个产品或者界面</a:t>
-            </a:r>
-            <a:r>
-              <a:rPr lang="zh-CN" altLang="en-US" dirty="0" smtClean="0">
-                <a:latin typeface="微软雅黑" panose="020B0503020204020204" pitchFamily="34" charset="-122"/>
-                <a:ea typeface="微软雅黑" panose="020B0503020204020204" pitchFamily="34" charset="-122"/>
-              </a:rPr>
-              <a:t>所</a:t>
-            </a:r>
-            <a:r>
-              <a:rPr lang="zh-CN" altLang="en-US" dirty="0">
-                <a:latin typeface="微软雅黑" panose="020B0503020204020204" pitchFamily="34" charset="-122"/>
-                <a:ea typeface="微软雅黑" panose="020B0503020204020204" pitchFamily="34" charset="-122"/>
-              </a:rPr>
-              <a:t>必须</a:t>
-            </a:r>
-            <a:r>
-              <a:rPr lang="zh-CN" altLang="en-US" dirty="0" smtClean="0">
-                <a:latin typeface="微软雅黑" panose="020B0503020204020204" pitchFamily="34" charset="-122"/>
-                <a:ea typeface="微软雅黑" panose="020B0503020204020204" pitchFamily="34" charset="-122"/>
-              </a:rPr>
-              <a:t>知道</a:t>
-            </a:r>
-            <a:r>
-              <a:rPr lang="zh-CN" altLang="en-US" dirty="0">
-                <a:latin typeface="微软雅黑" panose="020B0503020204020204" pitchFamily="34" charset="-122"/>
-                <a:ea typeface="微软雅黑" panose="020B0503020204020204" pitchFamily="34" charset="-122"/>
-              </a:rPr>
-              <a:t>的背景信息。</a:t>
+              <a:t>回答“是什么”的问题，提供用户能成功操作、维护、使用一个产品或者界面所必须知道的背景信息。</a:t>
             </a:r>
           </a:p>
         </p:txBody>
@@ -19938,13 +19391,6 @@
       </p:transition>
     </mc:Fallback>
   </mc:AlternateContent>
-  <p:timing>
-    <p:tnLst>
-      <p:par>
-        <p:cTn id="1" dur="indefinite" restart="never" nodeType="tmRoot"/>
-      </p:par>
-    </p:tnLst>
-  </p:timing>
 </p:sld>
 </file>
 
@@ -20277,7 +19723,7 @@
               <a:buNone/>
             </a:pPr>
             <a:r>
-              <a:rPr lang="zh-CN" altLang="en-US" sz="2800" b="1" dirty="0" smtClean="0">
+              <a:rPr lang="zh-CN" altLang="en-US" sz="2800" b="1" dirty="0">
                 <a:solidFill>
                   <a:srgbClr val="765036"/>
                 </a:solidFill>
@@ -20286,13 +19732,6 @@
               </a:rPr>
               <a:t>操作类信息</a:t>
             </a:r>
-            <a:endParaRPr lang="zh-CN" altLang="en-US" sz="2800" b="1" dirty="0">
-              <a:solidFill>
-                <a:srgbClr val="765036"/>
-              </a:solidFill>
-              <a:latin typeface="微软雅黑" panose="020B0503020204020204" charset="-122"/>
-              <a:ea typeface="微软雅黑" panose="020B0503020204020204" charset="-122"/>
-            </a:endParaRPr>
           </a:p>
         </p:txBody>
       </p:sp>
@@ -20521,17 +19960,6 @@
               <a:buChar char="•"/>
             </a:pPr>
             <a:r>
-              <a:rPr lang="zh-CN" altLang="en-US" sz="1600" dirty="0" smtClean="0">
-                <a:solidFill>
-                  <a:schemeClr val="bg1"/>
-                </a:solidFill>
-                <a:latin typeface="微软雅黑" panose="020B0503020204020204" charset="-122"/>
-                <a:ea typeface="微软雅黑" panose="020B0503020204020204" charset="-122"/>
-                <a:sym typeface="宋体" panose="02010600030101010101" pitchFamily="2" charset="-122"/>
-              </a:rPr>
-              <a:t>标题使用动</a:t>
-            </a:r>
-            <a:r>
               <a:rPr lang="zh-CN" altLang="en-US" sz="1600" dirty="0">
                 <a:solidFill>
                   <a:schemeClr val="bg1"/>
@@ -20540,20 +19968,9 @@
                 <a:ea typeface="微软雅黑" panose="020B0503020204020204" charset="-122"/>
                 <a:sym typeface="宋体" panose="02010600030101010101" pitchFamily="2" charset="-122"/>
               </a:rPr>
-              <a:t>宾结构。如：安装电视机；处理手机黑屏</a:t>
+              <a:t>标题使用动宾结构。如：安装电视机；处理手机黑屏故障。</a:t>
             </a:r>
-            <a:r>
-              <a:rPr lang="zh-CN" altLang="en-US" sz="1600" dirty="0" smtClean="0">
-                <a:solidFill>
-                  <a:schemeClr val="bg1"/>
-                </a:solidFill>
-                <a:latin typeface="微软雅黑" panose="020B0503020204020204" charset="-122"/>
-                <a:ea typeface="微软雅黑" panose="020B0503020204020204" charset="-122"/>
-                <a:sym typeface="宋体" panose="02010600030101010101" pitchFamily="2" charset="-122"/>
-              </a:rPr>
-              <a:t>故障。</a:t>
-            </a:r>
-            <a:endParaRPr lang="en-US" altLang="zh-CN" sz="1600" dirty="0" smtClean="0">
+            <a:endParaRPr lang="en-US" altLang="zh-CN" sz="1600" dirty="0">
               <a:solidFill>
                 <a:schemeClr val="bg1"/>
               </a:solidFill>
@@ -20571,17 +19988,6 @@
               <a:buChar char="•"/>
             </a:pPr>
             <a:r>
-              <a:rPr lang="zh-CN" altLang="en-US" sz="1600" dirty="0" smtClean="0">
-                <a:solidFill>
-                  <a:schemeClr val="bg1"/>
-                </a:solidFill>
-                <a:latin typeface="微软雅黑" panose="020B0503020204020204" charset="-122"/>
-                <a:ea typeface="微软雅黑" panose="020B0503020204020204" charset="-122"/>
-                <a:sym typeface="宋体" panose="02010600030101010101" pitchFamily="2" charset="-122"/>
-              </a:rPr>
-              <a:t>步骤采用</a:t>
-            </a:r>
-            <a:r>
               <a:rPr lang="zh-CN" altLang="en-US" sz="1600" dirty="0">
                 <a:solidFill>
                   <a:schemeClr val="bg1"/>
@@ -20590,86 +19996,9 @@
                 <a:ea typeface="微软雅黑" panose="020B0503020204020204" charset="-122"/>
                 <a:sym typeface="宋体" panose="02010600030101010101" pitchFamily="2" charset="-122"/>
               </a:rPr>
-              <a:t>有序列表的</a:t>
+              <a:t>步骤采用有序列表的形式。一个操作流程尽量不超过七步，尽量在同一界面上。</a:t>
             </a:r>
-            <a:r>
-              <a:rPr lang="zh-CN" altLang="en-US" sz="1600" dirty="0" smtClean="0">
-                <a:solidFill>
-                  <a:schemeClr val="bg1"/>
-                </a:solidFill>
-                <a:latin typeface="微软雅黑" panose="020B0503020204020204" charset="-122"/>
-                <a:ea typeface="微软雅黑" panose="020B0503020204020204" charset="-122"/>
-                <a:sym typeface="宋体" panose="02010600030101010101" pitchFamily="2" charset="-122"/>
-              </a:rPr>
-              <a:t>形式。</a:t>
-            </a:r>
-            <a:r>
-              <a:rPr lang="zh-CN" altLang="en-US" sz="1600" dirty="0">
-                <a:solidFill>
-                  <a:schemeClr val="bg1"/>
-                </a:solidFill>
-                <a:latin typeface="微软雅黑" panose="020B0503020204020204" charset="-122"/>
-                <a:ea typeface="微软雅黑" panose="020B0503020204020204" charset="-122"/>
-                <a:sym typeface="宋体" panose="02010600030101010101" pitchFamily="2" charset="-122"/>
-              </a:rPr>
-              <a:t>一个操作流程尽量</a:t>
-            </a:r>
-            <a:r>
-              <a:rPr lang="zh-CN" altLang="en-US" sz="1600" dirty="0" smtClean="0">
-                <a:solidFill>
-                  <a:schemeClr val="bg1"/>
-                </a:solidFill>
-                <a:latin typeface="微软雅黑" panose="020B0503020204020204" charset="-122"/>
-                <a:ea typeface="微软雅黑" panose="020B0503020204020204" charset="-122"/>
-                <a:sym typeface="宋体" panose="02010600030101010101" pitchFamily="2" charset="-122"/>
-              </a:rPr>
-              <a:t>不</a:t>
-            </a:r>
-            <a:r>
-              <a:rPr lang="zh-CN" altLang="en-US" sz="1600" dirty="0">
-                <a:solidFill>
-                  <a:schemeClr val="bg1"/>
-                </a:solidFill>
-                <a:latin typeface="微软雅黑" panose="020B0503020204020204" charset="-122"/>
-                <a:ea typeface="微软雅黑" panose="020B0503020204020204" charset="-122"/>
-                <a:sym typeface="宋体" panose="02010600030101010101" pitchFamily="2" charset="-122"/>
-              </a:rPr>
-              <a:t>超过</a:t>
-            </a:r>
-            <a:r>
-              <a:rPr lang="zh-CN" altLang="en-US" sz="1600" dirty="0" smtClean="0">
-                <a:solidFill>
-                  <a:schemeClr val="bg1"/>
-                </a:solidFill>
-                <a:latin typeface="微软雅黑" panose="020B0503020204020204" charset="-122"/>
-                <a:ea typeface="微软雅黑" panose="020B0503020204020204" charset="-122"/>
-                <a:sym typeface="宋体" panose="02010600030101010101" pitchFamily="2" charset="-122"/>
-              </a:rPr>
-              <a:t>七</a:t>
-            </a:r>
-            <a:r>
-              <a:rPr lang="zh-CN" altLang="en-US" sz="1600" dirty="0">
-                <a:solidFill>
-                  <a:schemeClr val="bg1"/>
-                </a:solidFill>
-                <a:latin typeface="微软雅黑" panose="020B0503020204020204" charset="-122"/>
-                <a:ea typeface="微软雅黑" panose="020B0503020204020204" charset="-122"/>
-                <a:sym typeface="宋体" panose="02010600030101010101" pitchFamily="2" charset="-122"/>
-              </a:rPr>
-              <a:t>步，尽量在同一界面上</a:t>
-            </a:r>
-            <a:r>
-              <a:rPr lang="zh-CN" altLang="en-US" sz="1600" dirty="0" smtClean="0">
-                <a:solidFill>
-                  <a:schemeClr val="bg1"/>
-                </a:solidFill>
-                <a:latin typeface="微软雅黑" panose="020B0503020204020204" charset="-122"/>
-                <a:ea typeface="微软雅黑" panose="020B0503020204020204" charset="-122"/>
-                <a:sym typeface="宋体" panose="02010600030101010101" pitchFamily="2" charset="-122"/>
-              </a:rPr>
-              <a:t>。</a:t>
-            </a:r>
-            <a:endParaRPr lang="en-US" altLang="zh-CN" sz="1600" dirty="0" smtClean="0">
+            <a:endParaRPr lang="en-US" altLang="zh-CN" sz="1600" dirty="0">
               <a:solidFill>
                 <a:schemeClr val="bg1"/>
               </a:solidFill>
@@ -20687,7 +20016,7 @@
               <a:buChar char="•"/>
             </a:pPr>
             <a:r>
-              <a:rPr lang="zh-CN" altLang="en-US" sz="1600" dirty="0" smtClean="0">
+              <a:rPr lang="zh-CN" altLang="en-US" sz="1600" dirty="0">
                 <a:solidFill>
                   <a:schemeClr val="bg1"/>
                 </a:solidFill>
@@ -20698,7 +20027,7 @@
               <a:t>每个步骤仅包含一步操作，使用祈使句，每个句子不超过</a:t>
             </a:r>
             <a:r>
-              <a:rPr lang="en-US" altLang="zh-CN" sz="1600" dirty="0" smtClean="0">
+              <a:rPr lang="en-US" altLang="zh-CN" sz="1600" dirty="0">
                 <a:solidFill>
                   <a:schemeClr val="bg1"/>
                 </a:solidFill>
@@ -20709,7 +20038,7 @@
               <a:t>20</a:t>
             </a:r>
             <a:r>
-              <a:rPr lang="zh-CN" altLang="en-US" sz="1600" dirty="0" smtClean="0">
+              <a:rPr lang="zh-CN" altLang="en-US" sz="1600" dirty="0">
                 <a:solidFill>
                   <a:schemeClr val="bg1"/>
                 </a:solidFill>
@@ -20719,7 +20048,7 @@
               </a:rPr>
               <a:t>个单词。操作结果紧跟操作步骤，结果不能作为一个单独的步骤。</a:t>
             </a:r>
-            <a:endParaRPr lang="en-US" altLang="zh-CN" sz="1600" dirty="0" smtClean="0">
+            <a:endParaRPr lang="en-US" altLang="zh-CN" sz="1600" dirty="0">
               <a:solidFill>
                 <a:schemeClr val="bg1"/>
               </a:solidFill>
@@ -20737,7 +20066,7 @@
               <a:buChar char="•"/>
             </a:pPr>
             <a:r>
-              <a:rPr lang="zh-CN" altLang="en-US" sz="1600" dirty="0" smtClean="0">
+              <a:rPr lang="zh-CN" altLang="en-US" sz="1600" dirty="0">
                 <a:solidFill>
                   <a:schemeClr val="bg1"/>
                 </a:solidFill>
@@ -20759,7 +20088,7 @@
               <a:t> Note </a:t>
             </a:r>
             <a:r>
-              <a:rPr lang="zh-CN" altLang="en-US" sz="1600" dirty="0" smtClean="0">
+              <a:rPr lang="zh-CN" altLang="en-US" sz="1600" dirty="0">
                 <a:solidFill>
                   <a:schemeClr val="bg1"/>
                 </a:solidFill>
@@ -20769,7 +20098,7 @@
               </a:rPr>
               <a:t>）里。说明仅仅是用来提供说明信息的。</a:t>
             </a:r>
-            <a:endParaRPr lang="en-US" altLang="zh-CN" sz="1600" dirty="0" smtClean="0">
+            <a:endParaRPr lang="en-US" altLang="zh-CN" sz="1600" dirty="0">
               <a:solidFill>
                 <a:schemeClr val="bg1"/>
               </a:solidFill>
@@ -20787,7 +20116,7 @@
               <a:buChar char="•"/>
             </a:pPr>
             <a:r>
-              <a:rPr lang="zh-CN" altLang="en-US" sz="1600" dirty="0" smtClean="0">
+              <a:rPr lang="zh-CN" altLang="en-US" sz="1600" dirty="0">
                 <a:solidFill>
                   <a:schemeClr val="bg1"/>
                 </a:solidFill>
@@ -20797,7 +20126,7 @@
               </a:rPr>
               <a:t>若果某个操作步骤可选的，在最前面标明（可选）。</a:t>
             </a:r>
-            <a:endParaRPr lang="en-US" altLang="zh-CN" sz="1600" dirty="0" smtClean="0">
+            <a:endParaRPr lang="en-US" altLang="zh-CN" sz="1600" dirty="0">
               <a:solidFill>
                 <a:schemeClr val="bg1"/>
               </a:solidFill>
@@ -20814,7 +20143,7 @@
               <a:buFont typeface="Arial" panose="020B0604020202020204" pitchFamily="34" charset="0"/>
               <a:buChar char="•"/>
             </a:pPr>
-            <a:endParaRPr lang="en-US" altLang="zh-CN" sz="1600" dirty="0" smtClean="0">
+            <a:endParaRPr lang="en-US" altLang="zh-CN" sz="1600" dirty="0">
               <a:solidFill>
                 <a:schemeClr val="bg1"/>
               </a:solidFill>
@@ -20831,7 +20160,7 @@
               <a:buFont typeface="Arial" panose="020B0604020202020204" pitchFamily="34" charset="0"/>
               <a:buChar char="•"/>
             </a:pPr>
-            <a:endParaRPr lang="en-US" altLang="zh-CN" sz="1600" dirty="0" smtClean="0">
+            <a:endParaRPr lang="en-US" altLang="zh-CN" sz="1600" dirty="0">
               <a:solidFill>
                 <a:schemeClr val="bg1"/>
               </a:solidFill>
@@ -20848,7 +20177,7 @@
               <a:buFont typeface="Arial" panose="020B0604020202020204" pitchFamily="34" charset="0"/>
               <a:buChar char="•"/>
             </a:pPr>
-            <a:endParaRPr lang="en-US" altLang="zh-CN" sz="1600" dirty="0" smtClean="0">
+            <a:endParaRPr lang="en-US" altLang="zh-CN" sz="1600" dirty="0">
               <a:solidFill>
                 <a:schemeClr val="bg1"/>
               </a:solidFill>
@@ -20865,7 +20194,7 @@
               <a:buFont typeface="Arial" panose="020B0604020202020204" pitchFamily="34" charset="0"/>
               <a:buChar char="•"/>
             </a:pPr>
-            <a:endParaRPr lang="en-US" altLang="zh-CN" sz="1600" dirty="0" smtClean="0">
+            <a:endParaRPr lang="en-US" altLang="zh-CN" sz="1600" dirty="0">
               <a:solidFill>
                 <a:schemeClr val="bg1"/>
               </a:solidFill>
@@ -20908,15 +20237,7 @@
             </a:r>
             <a:r>
               <a:rPr lang="zh-CN" altLang="en-US" dirty="0"/>
-              <a:t>的方式描述完成一个特定任务所需</a:t>
-            </a:r>
-            <a:r>
-              <a:rPr lang="zh-CN" altLang="en-US" dirty="0" smtClean="0"/>
-              <a:t>的步骤</a:t>
-            </a:r>
-            <a:r>
-              <a:rPr lang="zh-CN" altLang="en-US" dirty="0"/>
-              <a:t>。</a:t>
+              <a:t>的方式描述完成一个特定任务所需的步骤。</a:t>
             </a:r>
           </a:p>
         </p:txBody>
@@ -20943,13 +20264,6 @@
       </p:transition>
     </mc:Fallback>
   </mc:AlternateContent>
-  <p:timing>
-    <p:tnLst>
-      <p:par>
-        <p:cTn id="1" dur="indefinite" restart="never" nodeType="tmRoot"/>
-      </p:par>
-    </p:tnLst>
-  </p:timing>
 </p:sld>
 </file>
 
@@ -21100,57 +20414,7 @@
                 <a:latin typeface="黑体" panose="02010609060101010101" pitchFamily="49" charset="-122"/>
                 <a:ea typeface="黑体" panose="02010609060101010101" pitchFamily="49" charset="-122"/>
               </a:rPr>
-              <a:t>培训新</a:t>
-            </a:r>
-            <a:r>
-              <a:rPr lang="zh-CN" altLang="en-US" sz="3200" dirty="0" smtClean="0">
-                <a:solidFill>
-                  <a:sysClr val="windowText" lastClr="000000"/>
-                </a:solidFill>
-                <a:latin typeface="黑体" panose="02010609060101010101" pitchFamily="49" charset="-122"/>
-                <a:ea typeface="黑体" panose="02010609060101010101" pitchFamily="49" charset="-122"/>
-              </a:rPr>
-              <a:t>员工</a:t>
-            </a:r>
-            <a:r>
-              <a:rPr lang="zh-CN" altLang="en-US" sz="3200" dirty="0">
-                <a:solidFill>
-                  <a:sysClr val="windowText" lastClr="000000"/>
-                </a:solidFill>
-                <a:latin typeface="黑体" panose="02010609060101010101" pitchFamily="49" charset="-122"/>
-                <a:ea typeface="黑体" panose="02010609060101010101" pitchFamily="49" charset="-122"/>
-              </a:rPr>
-              <a:t>、</a:t>
-            </a:r>
-            <a:r>
-              <a:rPr lang="zh-CN" altLang="en-US" sz="3200" dirty="0" smtClean="0">
-                <a:solidFill>
-                  <a:sysClr val="windowText" lastClr="000000"/>
-                </a:solidFill>
-                <a:latin typeface="黑体" panose="02010609060101010101" pitchFamily="49" charset="-122"/>
-                <a:ea typeface="黑体" panose="02010609060101010101" pitchFamily="49" charset="-122"/>
-              </a:rPr>
-              <a:t>分享</a:t>
-            </a:r>
-            <a:r>
-              <a:rPr lang="zh-CN" altLang="en-US" sz="3200" dirty="0">
-                <a:solidFill>
-                  <a:sysClr val="windowText" lastClr="000000"/>
-                </a:solidFill>
-                <a:latin typeface="黑体" panose="02010609060101010101" pitchFamily="49" charset="-122"/>
-                <a:ea typeface="黑体" panose="02010609060101010101" pitchFamily="49" charset="-122"/>
-              </a:rPr>
-              <a:t>技能</a:t>
-            </a:r>
-            <a:r>
-              <a:rPr lang="zh-CN" altLang="en-US" sz="3200" dirty="0" smtClean="0">
-                <a:solidFill>
-                  <a:sysClr val="windowText" lastClr="000000"/>
-                </a:solidFill>
-                <a:latin typeface="黑体" panose="02010609060101010101" pitchFamily="49" charset="-122"/>
-                <a:ea typeface="黑体" panose="02010609060101010101" pitchFamily="49" charset="-122"/>
-              </a:rPr>
-              <a:t>知识</a:t>
+              <a:t>培训新员工、分享技能知识</a:t>
             </a:r>
             <a:endParaRPr lang="en-US" altLang="zh-CN" sz="3200" dirty="0">
               <a:solidFill>
@@ -21554,7 +20818,7 @@
               <a:buNone/>
             </a:pPr>
             <a:r>
-              <a:rPr lang="zh-CN" altLang="en-US" sz="2800" b="1" dirty="0" smtClean="0">
+              <a:rPr lang="zh-CN" altLang="en-US" sz="2800" b="1" dirty="0">
                 <a:solidFill>
                   <a:srgbClr val="765036"/>
                 </a:solidFill>
@@ -21563,13 +20827,6 @@
               </a:rPr>
               <a:t>培训新员工</a:t>
             </a:r>
-            <a:endParaRPr lang="zh-CN" altLang="en-US" sz="2800" b="1" dirty="0">
-              <a:solidFill>
-                <a:srgbClr val="765036"/>
-              </a:solidFill>
-              <a:latin typeface="微软雅黑" panose="020B0503020204020204" charset="-122"/>
-              <a:ea typeface="微软雅黑" panose="020B0503020204020204" charset="-122"/>
-            </a:endParaRPr>
           </a:p>
         </p:txBody>
       </p:sp>
@@ -24814,7 +24071,7 @@
             <a:p>
               <a:pPr algn="ctr"/>
               <a:r>
-                <a:rPr lang="zh-CN" altLang="en-US" sz="2000" b="1" dirty="0" smtClean="0">
+                <a:rPr lang="zh-CN" altLang="en-US" sz="2000" b="1" dirty="0">
                   <a:solidFill>
                     <a:srgbClr val="765036"/>
                   </a:solidFill>
@@ -24823,13 +24080,6 @@
                 </a:rPr>
                 <a:t>带领新员工完成最初的几个写作任务</a:t>
               </a:r>
-              <a:endParaRPr lang="zh-CN" altLang="en-US" sz="2000" b="1" dirty="0">
-                <a:solidFill>
-                  <a:srgbClr val="765036"/>
-                </a:solidFill>
-                <a:latin typeface="微软雅黑" panose="020B0503020204020204" charset="-122"/>
-                <a:ea typeface="微软雅黑" panose="020B0503020204020204" charset="-122"/>
-              </a:endParaRPr>
             </a:p>
           </p:txBody>
         </p:sp>
@@ -24913,7 +24163,7 @@
             <a:p>
               <a:pPr algn="ctr"/>
               <a:r>
-                <a:rPr lang="zh-CN" altLang="en-US" sz="2000" b="1" dirty="0" smtClean="0">
+                <a:rPr lang="zh-CN" altLang="en-US" sz="2000" b="1" dirty="0">
                   <a:solidFill>
                     <a:srgbClr val="765036"/>
                   </a:solidFill>
@@ -24922,13 +24172,6 @@
                 </a:rPr>
                 <a:t>技术知识</a:t>
               </a:r>
-              <a:endParaRPr lang="zh-CN" altLang="en-US" sz="2000" b="1" dirty="0">
-                <a:solidFill>
-                  <a:srgbClr val="765036"/>
-                </a:solidFill>
-                <a:latin typeface="微软雅黑" panose="020B0503020204020204" charset="-122"/>
-                <a:ea typeface="微软雅黑" panose="020B0503020204020204" charset="-122"/>
-              </a:endParaRPr>
             </a:p>
           </p:txBody>
         </p:sp>
@@ -25012,7 +24255,7 @@
             <a:p>
               <a:pPr algn="ctr"/>
               <a:r>
-                <a:rPr lang="zh-CN" altLang="en-US" sz="2000" b="1" dirty="0" smtClean="0">
+                <a:rPr lang="zh-CN" altLang="en-US" sz="2000" b="1" dirty="0">
                   <a:solidFill>
                     <a:srgbClr val="765036"/>
                   </a:solidFill>
@@ -25021,13 +24264,6 @@
                 </a:rPr>
                 <a:t>工作流程</a:t>
               </a:r>
-              <a:endParaRPr lang="zh-CN" altLang="en-US" sz="2000" b="1" dirty="0">
-                <a:solidFill>
-                  <a:srgbClr val="765036"/>
-                </a:solidFill>
-                <a:latin typeface="微软雅黑" panose="020B0503020204020204" charset="-122"/>
-                <a:ea typeface="微软雅黑" panose="020B0503020204020204" charset="-122"/>
-              </a:endParaRPr>
             </a:p>
           </p:txBody>
         </p:sp>
@@ -25097,7 +24333,7 @@
           <a:p>
             <a:pPr algn="ctr"/>
             <a:r>
-              <a:rPr lang="zh-CN" altLang="en-US" sz="2000" b="1" dirty="0" smtClean="0">
+              <a:rPr lang="zh-CN" altLang="en-US" sz="2000" b="1" dirty="0">
                 <a:solidFill>
                   <a:srgbClr val="765036"/>
                 </a:solidFill>
@@ -25106,13 +24342,6 @@
               </a:rPr>
               <a:t>常用工具</a:t>
             </a:r>
-            <a:endParaRPr lang="zh-CN" altLang="en-US" sz="2000" b="1" dirty="0">
-              <a:solidFill>
-                <a:srgbClr val="765036"/>
-              </a:solidFill>
-              <a:latin typeface="微软雅黑" panose="020B0503020204020204" charset="-122"/>
-              <a:ea typeface="微软雅黑" panose="020B0503020204020204" charset="-122"/>
-            </a:endParaRPr>
           </a:p>
         </p:txBody>
       </p:sp>
@@ -26086,7 +25315,7 @@
               <a:buNone/>
             </a:pPr>
             <a:r>
-              <a:rPr lang="zh-CN" altLang="en-US" sz="2000" dirty="0" smtClean="0">
+              <a:rPr lang="zh-CN" altLang="en-US" sz="2000" dirty="0">
                 <a:solidFill>
                   <a:sysClr val="windowText" lastClr="000000"/>
                 </a:solidFill>
@@ -26239,37 +25468,7 @@
                 <a:latin typeface="微软雅黑" panose="020B0503020204020204" charset="-122"/>
                 <a:ea typeface="微软雅黑" panose="020B0503020204020204" charset="-122"/>
               </a:rPr>
-              <a:t>编写技术写作</a:t>
-            </a:r>
-            <a:r>
-              <a:rPr lang="zh-CN" altLang="en-US" sz="2000" dirty="0" smtClean="0">
-                <a:solidFill>
-                  <a:sysClr val="windowText" lastClr="000000"/>
-                </a:solidFill>
-                <a:latin typeface="微软雅黑" panose="020B0503020204020204" charset="-122"/>
-                <a:ea typeface="微软雅黑" panose="020B0503020204020204" charset="-122"/>
-              </a:rPr>
-              <a:t>规范、制定</a:t>
-            </a:r>
-            <a:r>
-              <a:rPr lang="zh-CN" altLang="en-US" sz="2000" dirty="0">
-                <a:solidFill>
-                  <a:sysClr val="windowText" lastClr="000000"/>
-                </a:solidFill>
-                <a:latin typeface="微软雅黑" panose="020B0503020204020204" charset="-122"/>
-                <a:ea typeface="微软雅黑" panose="020B0503020204020204" charset="-122"/>
-              </a:rPr>
-              <a:t>文档</a:t>
-            </a:r>
-            <a:r>
-              <a:rPr lang="zh-CN" altLang="en-US" sz="2000" dirty="0" smtClean="0">
-                <a:solidFill>
-                  <a:sysClr val="windowText" lastClr="000000"/>
-                </a:solidFill>
-                <a:latin typeface="微软雅黑" panose="020B0503020204020204" charset="-122"/>
-                <a:ea typeface="微软雅黑" panose="020B0503020204020204" charset="-122"/>
-              </a:rPr>
-              <a:t>模板</a:t>
+              <a:t>编写技术写作规范、制定文档模板</a:t>
             </a:r>
             <a:endParaRPr lang="en-US" altLang="zh-CN" sz="2000" dirty="0">
               <a:solidFill>
@@ -26415,17 +25614,7 @@
                 <a:latin typeface="微软雅黑" panose="020B0503020204020204" charset="-122"/>
                 <a:ea typeface="微软雅黑" panose="020B0503020204020204" charset="-122"/>
               </a:rPr>
-              <a:t>创建术语</a:t>
-            </a:r>
-            <a:r>
-              <a:rPr lang="zh-CN" altLang="en-US" sz="2000" dirty="0" smtClean="0">
-                <a:solidFill>
-                  <a:sysClr val="windowText" lastClr="000000"/>
-                </a:solidFill>
-                <a:latin typeface="微软雅黑" panose="020B0503020204020204" charset="-122"/>
-                <a:ea typeface="微软雅黑" panose="020B0503020204020204" charset="-122"/>
-              </a:rPr>
-              <a:t>库、文档网站</a:t>
+              <a:t>创建术语库、文档网站</a:t>
             </a:r>
             <a:endParaRPr lang="en-US" altLang="zh-CN" sz="2000" dirty="0">
               <a:solidFill>
@@ -26571,37 +25760,7 @@
                 <a:latin typeface="微软雅黑" panose="020B0503020204020204" charset="-122"/>
                 <a:ea typeface="微软雅黑" panose="020B0503020204020204" charset="-122"/>
               </a:rPr>
-              <a:t>培训新</a:t>
-            </a:r>
-            <a:r>
-              <a:rPr lang="zh-CN" altLang="en-US" sz="2000" dirty="0" smtClean="0">
-                <a:solidFill>
-                  <a:sysClr val="windowText" lastClr="000000"/>
-                </a:solidFill>
-                <a:latin typeface="微软雅黑" panose="020B0503020204020204" charset="-122"/>
-                <a:ea typeface="微软雅黑" panose="020B0503020204020204" charset="-122"/>
-              </a:rPr>
-              <a:t>员工、分享</a:t>
-            </a:r>
-            <a:r>
-              <a:rPr lang="zh-CN" altLang="en-US" sz="2000" dirty="0">
-                <a:solidFill>
-                  <a:sysClr val="windowText" lastClr="000000"/>
-                </a:solidFill>
-                <a:latin typeface="微软雅黑" panose="020B0503020204020204" charset="-122"/>
-                <a:ea typeface="微软雅黑" panose="020B0503020204020204" charset="-122"/>
-              </a:rPr>
-              <a:t>技能</a:t>
-            </a:r>
-            <a:r>
-              <a:rPr lang="zh-CN" altLang="en-US" sz="2000" dirty="0" smtClean="0">
-                <a:solidFill>
-                  <a:sysClr val="windowText" lastClr="000000"/>
-                </a:solidFill>
-                <a:latin typeface="微软雅黑" panose="020B0503020204020204" charset="-122"/>
-                <a:ea typeface="微软雅黑" panose="020B0503020204020204" charset="-122"/>
-              </a:rPr>
-              <a:t>知识</a:t>
+              <a:t>培训新员工、分享技能知识</a:t>
             </a:r>
             <a:endParaRPr lang="en-US" altLang="zh-CN" sz="2000" dirty="0">
               <a:solidFill>
@@ -26703,7 +25862,7 @@
           <a:p>
             <a:pPr algn="ctr"/>
             <a:r>
-              <a:rPr lang="zh-CN" altLang="en-US" sz="6000" dirty="0" smtClean="0">
+              <a:rPr lang="zh-CN" altLang="en-US" sz="6000" dirty="0">
                 <a:solidFill>
                   <a:srgbClr val="765036"/>
                 </a:solidFill>
@@ -27070,13 +26229,6 @@
       </p:transition>
     </mc:Fallback>
   </mc:AlternateContent>
-  <p:timing>
-    <p:tnLst>
-      <p:par>
-        <p:cTn id="1" dur="indefinite" restart="never" nodeType="tmRoot"/>
-      </p:par>
-    </p:tnLst>
-  </p:timing>
 </p:sld>
 </file>
 
@@ -27363,7 +26515,7 @@
               <a:buNone/>
             </a:pPr>
             <a:r>
-              <a:rPr lang="zh-CN" altLang="en-US" sz="2800" b="1" dirty="0" smtClean="0">
+              <a:rPr lang="zh-CN" altLang="en-US" sz="2800" b="1" dirty="0">
                 <a:solidFill>
                   <a:srgbClr val="765036"/>
                 </a:solidFill>
@@ -27372,13 +26524,6 @@
               </a:rPr>
               <a:t>分享技能、技术知识</a:t>
             </a:r>
-            <a:endParaRPr lang="zh-CN" altLang="en-US" sz="2800" b="1" dirty="0">
-              <a:solidFill>
-                <a:srgbClr val="765036"/>
-              </a:solidFill>
-              <a:latin typeface="微软雅黑" panose="020B0503020204020204" charset="-122"/>
-              <a:ea typeface="微软雅黑" panose="020B0503020204020204" charset="-122"/>
-            </a:endParaRPr>
           </a:p>
         </p:txBody>
       </p:sp>
@@ -27588,7 +26733,7 @@
               <a:buChar char="•"/>
             </a:pPr>
             <a:r>
-              <a:rPr lang="en-US" altLang="zh-CN" sz="1600" dirty="0" smtClean="0">
+              <a:rPr lang="en-US" altLang="zh-CN" sz="1600" dirty="0">
                 <a:solidFill>
                   <a:schemeClr val="bg1"/>
                 </a:solidFill>
@@ -27599,7 +26744,7 @@
               <a:t>Markdown</a:t>
             </a:r>
             <a:r>
-              <a:rPr lang="zh-CN" altLang="en-US" sz="1600" dirty="0" smtClean="0">
+              <a:rPr lang="zh-CN" altLang="en-US" sz="1600" dirty="0">
                 <a:solidFill>
                   <a:schemeClr val="bg1"/>
                 </a:solidFill>
@@ -27609,7 +26754,7 @@
               </a:rPr>
               <a:t>技巧</a:t>
             </a:r>
-            <a:endParaRPr lang="en-US" altLang="zh-CN" sz="1600" dirty="0" smtClean="0">
+            <a:endParaRPr lang="en-US" altLang="zh-CN" sz="1600" dirty="0">
               <a:solidFill>
                 <a:schemeClr val="bg1"/>
               </a:solidFill>
@@ -27627,7 +26772,7 @@
               <a:buChar char="•"/>
             </a:pPr>
             <a:r>
-              <a:rPr lang="en-US" altLang="zh-CN" sz="1600" dirty="0" err="1" smtClean="0">
+              <a:rPr lang="en-US" altLang="zh-CN" sz="1600" dirty="0" err="1">
                 <a:solidFill>
                   <a:schemeClr val="bg1"/>
                 </a:solidFill>
@@ -27637,7 +26782,7 @@
               </a:rPr>
               <a:t>Pandoc</a:t>
             </a:r>
-            <a:endParaRPr lang="en-US" altLang="zh-CN" sz="1600" dirty="0" smtClean="0">
+            <a:endParaRPr lang="en-US" altLang="zh-CN" sz="1600" dirty="0">
               <a:solidFill>
                 <a:schemeClr val="bg1"/>
               </a:solidFill>
@@ -27655,7 +26800,7 @@
               <a:buChar char="•"/>
             </a:pPr>
             <a:r>
-              <a:rPr lang="zh-CN" altLang="en-US" sz="1600" dirty="0" smtClean="0">
+              <a:rPr lang="zh-CN" altLang="en-US" sz="1600" dirty="0">
                 <a:solidFill>
                   <a:schemeClr val="bg1"/>
                 </a:solidFill>
@@ -27665,14 +26810,6 @@
               </a:rPr>
               <a:t>技术知识</a:t>
             </a:r>
-            <a:endParaRPr lang="zh-CN" altLang="en-US" sz="1600" dirty="0">
-              <a:solidFill>
-                <a:schemeClr val="bg1"/>
-              </a:solidFill>
-              <a:latin typeface="微软雅黑" panose="020B0503020204020204" charset="-122"/>
-              <a:ea typeface="微软雅黑" panose="020B0503020204020204" charset="-122"/>
-              <a:sym typeface="宋体" panose="02010600030101010101" pitchFamily="2" charset="-122"/>
-            </a:endParaRPr>
           </a:p>
         </p:txBody>
       </p:sp>
@@ -28525,18 +27662,17 @@
           <a:p>
             <a:pPr algn="ctr"/>
             <a:r>
-              <a:rPr lang="zh-CN" altLang="en-US" dirty="0" smtClean="0"/>
+              <a:rPr lang="zh-CN" altLang="en-US" dirty="0"/>
               <a:t>公司鼓励我们多分享、多参加培训</a:t>
             </a:r>
-            <a:endParaRPr lang="en-US" altLang="zh-CN" dirty="0" smtClean="0"/>
+            <a:endParaRPr lang="en-US" altLang="zh-CN" dirty="0"/>
           </a:p>
           <a:p>
             <a:pPr algn="ctr"/>
             <a:r>
-              <a:rPr lang="zh-CN" altLang="en-US" dirty="0" smtClean="0"/>
+              <a:rPr lang="zh-CN" altLang="en-US" dirty="0"/>
               <a:t>技术写作、技术知识、沟通技巧、工具使用等培训和分享</a:t>
             </a:r>
-            <a:endParaRPr lang="zh-CN" altLang="en-US" dirty="0"/>
           </a:p>
         </p:txBody>
       </p:sp>
@@ -28929,7 +28065,7 @@
               <a:buNone/>
             </a:pPr>
             <a:r>
-              <a:rPr lang="en-US" altLang="zh-CN" sz="6000" dirty="0" smtClean="0">
+              <a:rPr lang="en-US" altLang="zh-CN" sz="6000" dirty="0">
                 <a:solidFill>
                   <a:srgbClr val="765036"/>
                 </a:solidFill>
@@ -28938,13 +28074,6 @@
               </a:rPr>
               <a:t>05</a:t>
             </a:r>
-            <a:endParaRPr lang="en-US" altLang="zh-CN" sz="6000" dirty="0">
-              <a:solidFill>
-                <a:srgbClr val="765036"/>
-              </a:solidFill>
-              <a:latin typeface="Impact" panose="020B0806030902050204" pitchFamily="34" charset="0"/>
-              <a:ea typeface="微软雅黑" panose="020B0503020204020204" charset="-122"/>
-            </a:endParaRPr>
           </a:p>
         </p:txBody>
       </p:sp>
@@ -29005,7 +28134,7 @@
           <a:lstStyle/>
           <a:p>
             <a:r>
-              <a:rPr lang="zh-CN" altLang="en-US" sz="3200" dirty="0" smtClean="0">
+              <a:rPr lang="zh-CN" altLang="en-US" sz="3200" dirty="0">
                 <a:solidFill>
                   <a:sysClr val="windowText" lastClr="000000"/>
                 </a:solidFill>
@@ -29025,7 +28154,7 @@
               <a:t>MAKA</a:t>
             </a:r>
             <a:r>
-              <a:rPr lang="zh-CN" altLang="en-US" sz="3200" dirty="0" smtClean="0">
+              <a:rPr lang="zh-CN" altLang="en-US" sz="3200" dirty="0">
                 <a:solidFill>
                   <a:sysClr val="windowText" lastClr="000000"/>
                 </a:solidFill>
@@ -29035,7 +28164,7 @@
               <a:t>平台</a:t>
             </a:r>
             <a:r>
-              <a:rPr lang="zh-CN" altLang="en-US" sz="3600" dirty="0" smtClean="0">
+              <a:rPr lang="zh-CN" altLang="en-US" sz="3600" dirty="0">
                 <a:solidFill>
                   <a:sysClr val="windowText" lastClr="000000"/>
                 </a:solidFill>
@@ -29238,25 +28367,8 @@
                 <a:latin typeface="幼圆" panose="02010509060101010101" charset="-122"/>
                 <a:ea typeface="幼圆" panose="02010509060101010101" charset="-122"/>
               </a:rPr>
-              <a:t>T</a:t>
+              <a:t>Thanks</a:t>
             </a:r>
-            <a:r>
-              <a:rPr lang="en-US" altLang="zh-CN" sz="4400" dirty="0" smtClean="0">
-                <a:solidFill>
-                  <a:srgbClr val="765036"/>
-                </a:solidFill>
-                <a:latin typeface="幼圆" panose="02010509060101010101" charset="-122"/>
-                <a:ea typeface="幼圆" panose="02010509060101010101" charset="-122"/>
-              </a:rPr>
-              <a:t>hanks</a:t>
-            </a:r>
-            <a:endParaRPr lang="en-US" altLang="zh-CN" sz="4400" dirty="0">
-              <a:solidFill>
-                <a:srgbClr val="765036"/>
-              </a:solidFill>
-              <a:latin typeface="幼圆" panose="02010509060101010101" charset="-122"/>
-              <a:ea typeface="幼圆" panose="02010509060101010101" charset="-122"/>
-            </a:endParaRPr>
           </a:p>
         </p:txBody>
       </p:sp>
@@ -29365,7 +28477,7 @@
           <a:p>
             <a:pPr algn="ctr"/>
             <a:r>
-              <a:rPr lang="en-US" altLang="zh-CN" dirty="0" smtClean="0">
+              <a:rPr lang="en-US" altLang="zh-CN" dirty="0">
                 <a:solidFill>
                   <a:schemeClr val="bg1"/>
                 </a:solidFill>
@@ -29375,7 +28487,7 @@
               <a:t>2021</a:t>
             </a:r>
             <a:r>
-              <a:rPr lang="zh-CN" altLang="en-US" dirty="0" smtClean="0">
+              <a:rPr lang="zh-CN" altLang="en-US" dirty="0">
                 <a:solidFill>
                   <a:schemeClr val="bg1"/>
                 </a:solidFill>
@@ -29385,7 +28497,7 @@
               <a:t>年</a:t>
             </a:r>
             <a:r>
-              <a:rPr lang="en-US" altLang="zh-CN" dirty="0" smtClean="0">
+              <a:rPr lang="en-US" altLang="zh-CN" dirty="0">
                 <a:solidFill>
                   <a:schemeClr val="bg1"/>
                 </a:solidFill>
@@ -29395,7 +28507,7 @@
               <a:t>10</a:t>
             </a:r>
             <a:r>
-              <a:rPr lang="zh-CN" altLang="en-US" dirty="0" smtClean="0">
+              <a:rPr lang="zh-CN" altLang="en-US" dirty="0">
                 <a:solidFill>
                   <a:schemeClr val="bg1"/>
                 </a:solidFill>
@@ -29405,7 +28517,7 @@
               <a:t>月</a:t>
             </a:r>
             <a:r>
-              <a:rPr lang="en-US" altLang="zh-CN" dirty="0" smtClean="0">
+              <a:rPr lang="en-US" altLang="zh-CN" dirty="0">
                 <a:solidFill>
                   <a:schemeClr val="bg1"/>
                 </a:solidFill>
@@ -29415,7 +28527,7 @@
               <a:t>12</a:t>
             </a:r>
             <a:r>
-              <a:rPr lang="zh-CN" altLang="en-US" dirty="0" smtClean="0">
+              <a:rPr lang="zh-CN" altLang="en-US" dirty="0">
                 <a:solidFill>
                   <a:schemeClr val="bg1"/>
                 </a:solidFill>
@@ -29424,13 +28536,6 @@
               </a:rPr>
               <a:t>日</a:t>
             </a:r>
-            <a:endParaRPr lang="zh-CN" altLang="en-US" dirty="0">
-              <a:solidFill>
-                <a:schemeClr val="bg1"/>
-              </a:solidFill>
-              <a:latin typeface="幼圆" panose="02010509060101010101" charset="-122"/>
-              <a:ea typeface="幼圆" panose="02010509060101010101" charset="-122"/>
-            </a:endParaRPr>
           </a:p>
         </p:txBody>
       </p:sp>
@@ -29723,13 +28828,6 @@
       </p:transition>
     </mc:Fallback>
   </mc:AlternateContent>
-  <p:timing>
-    <p:tnLst>
-      <p:par>
-        <p:cTn id="1" dur="indefinite" restart="never" nodeType="tmRoot"/>
-      </p:par>
-    </p:tnLst>
-  </p:timing>
 </p:sld>
 </file>
 
@@ -29772,46 +28870,29 @@
           </a:bodyPr>
           <a:lstStyle/>
           <a:p>
-            <a:endParaRPr lang="en-US" altLang="zh-CN" sz="3600" b="1" dirty="0" smtClean="0"/>
+            <a:endParaRPr lang="en-US" altLang="zh-CN" sz="3600" b="1" dirty="0"/>
           </a:p>
           <a:p>
             <a:endParaRPr lang="zh-CN" altLang="en-US" sz="3600" b="1" dirty="0"/>
           </a:p>
           <a:p>
             <a:r>
-              <a:rPr lang="zh-CN" altLang="en-US" dirty="0" smtClean="0"/>
+              <a:rPr lang="zh-CN" altLang="en-US" dirty="0"/>
               <a:t>行业：</a:t>
             </a:r>
-            <a:endParaRPr lang="en-US" altLang="zh-CN" dirty="0" smtClean="0"/>
+            <a:endParaRPr lang="en-US" altLang="zh-CN" dirty="0"/>
           </a:p>
           <a:p>
             <a:r>
-              <a:rPr lang="zh-CN" altLang="en-US" dirty="0" smtClean="0"/>
-              <a:t>快速</a:t>
+              <a:rPr lang="zh-CN" altLang="en-US" dirty="0"/>
+              <a:t>快速发展的行业。芯片行业处于高速发展期，整个行业蓬勃发展，风头正劲。</a:t>
             </a:r>
-            <a:r>
-              <a:rPr lang="zh-CN" altLang="en-US" dirty="0"/>
-              <a:t>发展的行业。芯片</a:t>
-            </a:r>
-            <a:r>
-              <a:rPr lang="zh-CN" altLang="en-US" dirty="0" smtClean="0"/>
-              <a:t>行业处于</a:t>
-            </a:r>
-            <a:r>
-              <a:rPr lang="zh-CN" altLang="en-US" dirty="0"/>
-              <a:t>高速发展期，整个行业蓬勃发展，风头正劲</a:t>
-            </a:r>
-            <a:r>
-              <a:rPr lang="zh-CN" altLang="en-US" dirty="0" smtClean="0"/>
-              <a:t>。</a:t>
-            </a:r>
-            <a:endParaRPr lang="zh-CN" altLang="en-US" dirty="0"/>
           </a:p>
           <a:p>
             <a:endParaRPr lang="zh-CN" altLang="en-US" dirty="0"/>
           </a:p>
           <a:p>
-            <a:endParaRPr lang="en-US" altLang="zh-CN" dirty="0" smtClean="0"/>
+            <a:endParaRPr lang="en-US" altLang="zh-CN" dirty="0"/>
           </a:p>
           <a:p>
             <a:pPr>
@@ -29820,10 +28901,9 @@
               </a:lnSpc>
             </a:pPr>
             <a:r>
-              <a:rPr lang="zh-CN" altLang="en-US" dirty="0" smtClean="0"/>
+              <a:rPr lang="zh-CN" altLang="en-US" dirty="0"/>
               <a:t>公司：</a:t>
             </a:r>
-            <a:endParaRPr lang="zh-CN" altLang="en-US" dirty="0"/>
           </a:p>
           <a:p>
             <a:pPr marL="285750" indent="-285750">
@@ -29831,10 +28911,10 @@
               <a:buChar char="•"/>
             </a:pPr>
             <a:r>
-              <a:rPr lang="zh-CN" altLang="en-US" dirty="0" smtClean="0"/>
+              <a:rPr lang="zh-CN" altLang="en-US" dirty="0"/>
               <a:t>发展：</a:t>
             </a:r>
-            <a:endParaRPr lang="en-US" altLang="zh-CN" dirty="0" smtClean="0"/>
+            <a:endParaRPr lang="en-US" altLang="zh-CN" dirty="0"/>
           </a:p>
           <a:p>
             <a:pPr marL="742950" lvl="1" indent="-285750">
@@ -29842,18 +28922,10 @@
               <a:buChar char="•"/>
             </a:pPr>
             <a:r>
-              <a:rPr lang="zh-CN" altLang="en-US" dirty="0" smtClean="0"/>
-              <a:t>有自己专注的领域，并在</a:t>
+              <a:rPr lang="zh-CN" altLang="en-US" dirty="0"/>
+              <a:t>有自己专注的领域，并在自己所在的领域不断前进不断积累和发展。</a:t>
             </a:r>
-            <a:r>
-              <a:rPr lang="zh-CN" altLang="en-US" dirty="0"/>
-              <a:t>自己所在的领域不断前进</a:t>
-            </a:r>
-            <a:r>
-              <a:rPr lang="zh-CN" altLang="en-US" dirty="0" smtClean="0"/>
-              <a:t>不断积累和发展。</a:t>
-            </a:r>
-            <a:endParaRPr lang="en-US" altLang="zh-CN" dirty="0" smtClean="0"/>
+            <a:endParaRPr lang="en-US" altLang="zh-CN" dirty="0"/>
           </a:p>
           <a:p>
             <a:pPr marL="742950" lvl="1" indent="-285750">
@@ -29861,10 +28933,9 @@
               <a:buChar char="•"/>
             </a:pPr>
             <a:r>
-              <a:rPr lang="zh-CN" altLang="en-US" dirty="0" smtClean="0"/>
+              <a:rPr lang="zh-CN" altLang="en-US" dirty="0"/>
               <a:t>具有竞争力的产品和稳定的客户。</a:t>
             </a:r>
-            <a:endParaRPr lang="zh-CN" altLang="en-US" dirty="0"/>
           </a:p>
           <a:p>
             <a:pPr marL="285750" indent="-285750">
@@ -29872,31 +28943,21 @@
               <a:buChar char="•"/>
             </a:pPr>
             <a:r>
-              <a:rPr lang="zh-CN" altLang="en-US" dirty="0" smtClean="0"/>
-              <a:t>企业</a:t>
+              <a:rPr lang="zh-CN" altLang="en-US" dirty="0"/>
+              <a:t>企业文化：积极向上、互相尊重、精益求精、有效管理。</a:t>
             </a:r>
-            <a:r>
-              <a:rPr lang="zh-CN" altLang="en-US" dirty="0"/>
-              <a:t>文化：积极</a:t>
-            </a:r>
-            <a:r>
-              <a:rPr lang="zh-CN" altLang="en-US" dirty="0" smtClean="0"/>
-              <a:t>向上、互相尊重、精益求精、有效管理。</a:t>
-            </a:r>
-            <a:endParaRPr lang="zh-CN" altLang="en-US" dirty="0"/>
           </a:p>
           <a:p>
-            <a:endParaRPr lang="en-US" altLang="zh-CN" dirty="0" smtClean="0"/>
+            <a:endParaRPr lang="en-US" altLang="zh-CN" dirty="0"/>
           </a:p>
           <a:p>
-            <a:endParaRPr lang="en-US" altLang="zh-CN" dirty="0" smtClean="0"/>
+            <a:endParaRPr lang="en-US" altLang="zh-CN" dirty="0"/>
           </a:p>
           <a:p>
             <a:r>
-              <a:rPr lang="zh-CN" altLang="en-US" dirty="0" smtClean="0"/>
+              <a:rPr lang="zh-CN" altLang="en-US" dirty="0"/>
               <a:t>领导同事：</a:t>
             </a:r>
-            <a:endParaRPr lang="zh-CN" altLang="en-US" dirty="0"/>
           </a:p>
           <a:p>
             <a:pPr marL="285750" indent="-285750">
@@ -29904,26 +28965,10 @@
               <a:buChar char="•"/>
             </a:pPr>
             <a:r>
-              <a:rPr lang="zh-CN" altLang="en-US" dirty="0" smtClean="0"/>
-              <a:t>领导：高标准严</a:t>
+              <a:rPr lang="zh-CN" altLang="en-US" dirty="0"/>
+              <a:t>领导：高标准严要求，高要求让别人成长；有定期的沟通汇报。</a:t>
             </a:r>
-            <a:r>
-              <a:rPr lang="zh-CN" altLang="en-US" dirty="0"/>
-              <a:t>要求</a:t>
-            </a:r>
-            <a:r>
-              <a:rPr lang="zh-CN" altLang="en-US" dirty="0" smtClean="0"/>
-              <a:t>，高要求</a:t>
-            </a:r>
-            <a:r>
-              <a:rPr lang="zh-CN" altLang="en-US" dirty="0"/>
-              <a:t>让别人</a:t>
-            </a:r>
-            <a:r>
-              <a:rPr lang="zh-CN" altLang="en-US" dirty="0" smtClean="0"/>
-              <a:t>成长；有定期的沟通汇报。</a:t>
-            </a:r>
-            <a:endParaRPr lang="en-US" altLang="zh-CN" dirty="0" smtClean="0"/>
+            <a:endParaRPr lang="en-US" altLang="zh-CN" dirty="0"/>
           </a:p>
           <a:p>
             <a:pPr marL="285750" indent="-285750">
@@ -29931,16 +28976,8 @@
               <a:buChar char="•"/>
             </a:pPr>
             <a:r>
-              <a:rPr lang="zh-CN" altLang="en-US" dirty="0" smtClean="0"/>
-              <a:t>同事：和</a:t>
-            </a:r>
-            <a:r>
               <a:rPr lang="zh-CN" altLang="en-US" dirty="0"/>
-              <a:t>研发顺畅沟通，参与产品研发的全过程</a:t>
-            </a:r>
-            <a:r>
-              <a:rPr lang="zh-CN" altLang="en-US" dirty="0" smtClean="0"/>
-              <a:t>，更多地了解公司产品。</a:t>
+              <a:t>同事：和研发顺畅沟通，参与产品研发的全过程，更多地了解公司产品。</a:t>
             </a:r>
           </a:p>
         </p:txBody>
@@ -29950,7 +28987,7 @@
           <p:cNvPr id="3" name="矩形 2">
             <a:extLst>
               <a:ext uri="{FF2B5EF4-FFF2-40B4-BE49-F238E27FC236}">
-                <a16:creationId xmlns:a16="http://schemas.microsoft.com/office/drawing/2014/main" xmlns="" id="{B6CE2C59-6724-4237-8632-2D86D0B7283F}"/>
+                <a16:creationId xmlns:a16="http://schemas.microsoft.com/office/drawing/2014/main" id="{B6CE2C59-6724-4237-8632-2D86D0B7283F}"/>
               </a:ext>
             </a:extLst>
           </p:cNvPr>
@@ -30022,18 +29059,13 @@
           <a:lstStyle/>
           <a:p>
             <a:r>
-              <a:rPr lang="zh-CN" altLang="en-US" sz="3200" dirty="0" smtClean="0">
+              <a:rPr lang="zh-CN" altLang="en-US" sz="3200" dirty="0">
                 <a:solidFill>
                   <a:schemeClr val="bg1"/>
                 </a:solidFill>
               </a:rPr>
               <a:t>期望</a:t>
             </a:r>
-            <a:endParaRPr lang="zh-CN" altLang="en-US" sz="3200" dirty="0">
-              <a:solidFill>
-                <a:schemeClr val="bg1"/>
-              </a:solidFill>
-            </a:endParaRPr>
           </a:p>
         </p:txBody>
       </p:sp>
@@ -30957,7 +29989,7 @@
             <p:cNvPr id="6" name="矩形 5">
               <a:extLst>
                 <a:ext uri="{FF2B5EF4-FFF2-40B4-BE49-F238E27FC236}">
-                  <a16:creationId xmlns:a16="http://schemas.microsoft.com/office/drawing/2014/main" xmlns="" id="{B6CE2C59-6724-4237-8632-2D86D0B7283F}"/>
+                  <a16:creationId xmlns:a16="http://schemas.microsoft.com/office/drawing/2014/main" id="{B6CE2C59-6724-4237-8632-2D86D0B7283F}"/>
                 </a:ext>
               </a:extLst>
             </p:cNvPr>
@@ -31029,18 +30061,13 @@
             <a:lstStyle/>
             <a:p>
               <a:r>
-                <a:rPr lang="zh-CN" altLang="en-US" sz="3200" dirty="0" smtClean="0">
+                <a:rPr lang="zh-CN" altLang="en-US" sz="3200" dirty="0">
                   <a:solidFill>
                     <a:schemeClr val="bg1"/>
                   </a:solidFill>
                 </a:rPr>
                 <a:t>问题</a:t>
               </a:r>
-              <a:endParaRPr lang="zh-CN" altLang="en-US" sz="3200" dirty="0">
-                <a:solidFill>
-                  <a:schemeClr val="bg1"/>
-                </a:solidFill>
-              </a:endParaRPr>
             </a:p>
           </p:txBody>
         </p:sp>
@@ -31068,12 +30095,8 @@
           <a:lstStyle/>
           <a:p>
             <a:r>
-              <a:rPr lang="zh-CN" altLang="en-US" dirty="0" smtClean="0"/>
-              <a:t>企业</a:t>
-            </a:r>
-            <a:r>
               <a:rPr lang="zh-CN" altLang="en-US" dirty="0"/>
-              <a:t>发展：</a:t>
+              <a:t>企业发展：</a:t>
             </a:r>
           </a:p>
           <a:p>
@@ -31085,46 +30108,21 @@
               <a:t>​	</a:t>
             </a:r>
             <a:r>
-              <a:rPr lang="en-US" altLang="zh-CN" dirty="0" smtClean="0"/>
-              <a:t>1</a:t>
+              <a:rPr lang="en-US" altLang="zh-CN" dirty="0"/>
+              <a:t>1. </a:t>
+            </a:r>
+            <a:r>
+              <a:rPr lang="zh-CN" altLang="en-US" dirty="0"/>
+              <a:t>陆陆续续很多芯片公司成立，竞争会不会越来越激烈，贵司的优势是什么？公司</a:t>
             </a:r>
             <a:r>
               <a:rPr lang="en-US" altLang="zh-CN" dirty="0"/>
-              <a:t>.</a:t>
-            </a:r>
-            <a:r>
-              <a:rPr lang="en-US" altLang="zh-CN" dirty="0" smtClean="0"/>
-              <a:t> </a:t>
-            </a:r>
-            <a:r>
-              <a:rPr lang="zh-CN" altLang="en-US" dirty="0" smtClean="0"/>
-              <a:t>陆</a:t>
+              <a:t>			   </a:t>
             </a:r>
             <a:r>
               <a:rPr lang="zh-CN" altLang="en-US" dirty="0"/>
-              <a:t>陆续续很多芯片公司成立，竞争会不会越来越激烈，贵司的优势是什么？</a:t>
+              <a:t>现在遇到的最大的困难和挑战是什么？</a:t>
             </a:r>
-            <a:r>
-              <a:rPr lang="zh-CN" altLang="en-US" dirty="0" smtClean="0"/>
-              <a:t>公司</a:t>
-            </a:r>
-            <a:r>
-              <a:rPr lang="en-US" altLang="zh-CN" dirty="0" smtClean="0"/>
-              <a:t>			   </a:t>
-            </a:r>
-            <a:r>
-              <a:rPr lang="zh-CN" altLang="en-US" dirty="0" smtClean="0"/>
-              <a:t>现在</a:t>
-            </a:r>
-            <a:r>
-              <a:rPr lang="zh-CN" altLang="en-US" dirty="0"/>
-              <a:t>遇到的最大的困难和挑战是</a:t>
-            </a:r>
-            <a:r>
-              <a:rPr lang="zh-CN" altLang="en-US" dirty="0" smtClean="0"/>
-              <a:t>什么？</a:t>
-            </a:r>
-            <a:endParaRPr lang="zh-CN" altLang="en-US" dirty="0"/>
           </a:p>
           <a:p>
             <a:endParaRPr lang="zh-CN" altLang="en-US" dirty="0"/>
@@ -31135,44 +30133,27 @@
               <a:t>​	</a:t>
             </a:r>
             <a:r>
-              <a:rPr lang="en-US" altLang="zh-CN" dirty="0" smtClean="0"/>
+              <a:rPr lang="en-US" altLang="zh-CN" dirty="0"/>
               <a:t>2. </a:t>
             </a:r>
             <a:r>
-              <a:rPr lang="zh-CN" altLang="en-US" dirty="0" smtClean="0"/>
-              <a:t>公司</a:t>
+              <a:rPr lang="zh-CN" altLang="en-US" dirty="0"/>
+              <a:t>公司的企业文化是怎么样的？在这里的工作感受？</a:t>
             </a:r>
-            <a:r>
-              <a:rPr lang="zh-CN" altLang="en-US" dirty="0"/>
-              <a:t>的企业文化是怎么样</a:t>
-            </a:r>
-            <a:r>
-              <a:rPr lang="zh-CN" altLang="en-US" dirty="0" smtClean="0"/>
-              <a:t>的？在这里的工作感受？</a:t>
-            </a:r>
-            <a:endParaRPr lang="en-US" altLang="zh-CN" dirty="0" smtClean="0"/>
+            <a:endParaRPr lang="en-US" altLang="zh-CN" dirty="0"/>
           </a:p>
           <a:p>
             <a:endParaRPr lang="en-US" altLang="zh-CN" dirty="0"/>
           </a:p>
           <a:p>
             <a:r>
-              <a:rPr lang="en-US" altLang="zh-CN" dirty="0" smtClean="0"/>
+              <a:rPr lang="en-US" altLang="zh-CN" dirty="0"/>
               <a:t>	3. </a:t>
             </a:r>
             <a:r>
-              <a:rPr lang="zh-CN" altLang="en-US" dirty="0" smtClean="0"/>
-              <a:t>公司</a:t>
+              <a:rPr lang="zh-CN" altLang="en-US" dirty="0"/>
+              <a:t>公司现有产品线？</a:t>
             </a:r>
-            <a:r>
-              <a:rPr lang="zh-CN" altLang="en-US" dirty="0"/>
-              <a:t>现有产品线</a:t>
-            </a:r>
-            <a:r>
-              <a:rPr lang="zh-CN" altLang="en-US" dirty="0" smtClean="0"/>
-              <a:t>？</a:t>
-            </a:r>
-            <a:endParaRPr lang="zh-CN" altLang="en-US" dirty="0"/>
           </a:p>
         </p:txBody>
       </p:sp>
@@ -31743,18 +30724,9 @@
               </a:lnSpc>
             </a:pPr>
             <a:r>
-              <a:rPr lang="zh-CN" altLang="en-US" dirty="0" smtClean="0"/>
-              <a:t>岗位</a:t>
+              <a:rPr lang="zh-CN" altLang="en-US" dirty="0"/>
+              <a:t>岗位相关：</a:t>
             </a:r>
-            <a:r>
-              <a:rPr lang="zh-CN" altLang="en-US" dirty="0"/>
-              <a:t>相关</a:t>
-            </a:r>
-            <a:r>
-              <a:rPr lang="zh-CN" altLang="en-US" dirty="0" smtClean="0"/>
-              <a:t>：</a:t>
-            </a:r>
-            <a:endParaRPr lang="zh-CN" altLang="en-US" dirty="0"/>
           </a:p>
           <a:p>
             <a:pPr lvl="2">
@@ -31763,30 +30735,13 @@
               </a:lnSpc>
             </a:pPr>
             <a:r>
-              <a:rPr lang="en-US" altLang="zh-CN" dirty="0" smtClean="0"/>
-              <a:t>1</a:t>
-            </a:r>
-            <a:r>
               <a:rPr lang="en-US" altLang="zh-CN" dirty="0"/>
-              <a:t>.</a:t>
-            </a:r>
-            <a:r>
-              <a:rPr lang="en-US" altLang="zh-CN" dirty="0" smtClean="0"/>
-              <a:t> </a:t>
-            </a:r>
-            <a:r>
-              <a:rPr lang="zh-CN" altLang="en-US" dirty="0" smtClean="0"/>
-              <a:t>刚才</a:t>
+              <a:t>1. </a:t>
             </a:r>
             <a:r>
               <a:rPr lang="zh-CN" altLang="en-US" dirty="0"/>
-              <a:t>面试过程中，是否有什么地方会让您觉得可能我不太适合这份工作</a:t>
+              <a:t>刚才面试过程中，是否有什么地方会让您觉得可能我不太适合这份工作？</a:t>
             </a:r>
-            <a:r>
-              <a:rPr lang="zh-CN" altLang="en-US" dirty="0" smtClean="0"/>
-              <a:t>？</a:t>
-            </a:r>
-            <a:endParaRPr lang="zh-CN" altLang="en-US" dirty="0"/>
           </a:p>
           <a:p>
             <a:pPr lvl="2">
@@ -31795,38 +30750,14 @@
               </a:lnSpc>
             </a:pPr>
             <a:r>
-              <a:rPr lang="en-US" altLang="zh-CN" dirty="0" smtClean="0"/>
+              <a:rPr lang="en-US" altLang="zh-CN" dirty="0"/>
               <a:t>2. </a:t>
             </a:r>
             <a:r>
-              <a:rPr lang="zh-CN" altLang="en-US" dirty="0" smtClean="0"/>
-              <a:t>考核机制，</a:t>
+              <a:rPr lang="zh-CN" altLang="en-US" dirty="0"/>
+              <a:t>考核机制，怎么样才是很好地完成这份工作？公司中英文都需要？怎么样审核？</a:t>
             </a:r>
-            <a:r>
-              <a:rPr lang="zh-CN" altLang="en-US" dirty="0"/>
-              <a:t>怎么样才是很好地完成这份工作</a:t>
-            </a:r>
-            <a:r>
-              <a:rPr lang="zh-CN" altLang="en-US" dirty="0" smtClean="0"/>
-              <a:t>？公司</a:t>
-            </a:r>
-            <a:r>
-              <a:rPr lang="zh-CN" altLang="en-US" dirty="0"/>
-              <a:t>中英文都需要</a:t>
-            </a:r>
-            <a:r>
-              <a:rPr lang="zh-CN" altLang="en-US" dirty="0" smtClean="0"/>
-              <a:t>？</a:t>
-            </a:r>
-            <a:r>
-              <a:rPr lang="zh-CN" altLang="en-US" dirty="0"/>
-              <a:t>怎么样审核</a:t>
-            </a:r>
-            <a:r>
-              <a:rPr lang="zh-CN" altLang="en-US" dirty="0" smtClean="0"/>
-              <a:t>？</a:t>
-            </a:r>
-            <a:endParaRPr lang="en-US" altLang="zh-CN" dirty="0" smtClean="0"/>
+            <a:endParaRPr lang="en-US" altLang="zh-CN" dirty="0"/>
           </a:p>
           <a:p>
             <a:pPr lvl="2">
@@ -31835,22 +30766,14 @@
               </a:lnSpc>
             </a:pPr>
             <a:r>
-              <a:rPr lang="en-US" altLang="zh-CN" dirty="0" smtClean="0"/>
+              <a:rPr lang="en-US" altLang="zh-CN" dirty="0"/>
               <a:t>3. </a:t>
             </a:r>
             <a:r>
-              <a:rPr lang="zh-CN" altLang="en-US" dirty="0" smtClean="0"/>
-              <a:t>对</a:t>
+              <a:rPr lang="zh-CN" altLang="en-US" dirty="0"/>
+              <a:t>对这个岗位的规划。组建一个团队？还是只需要一个人？</a:t>
             </a:r>
-            <a:r>
-              <a:rPr lang="zh-CN" altLang="en-US" dirty="0"/>
-              <a:t>这个岗位的规划</a:t>
-            </a:r>
-            <a:r>
-              <a:rPr lang="zh-CN" altLang="en-US" dirty="0" smtClean="0"/>
-              <a:t>。组建一个团队？还是只需要一个人？</a:t>
-            </a:r>
-            <a:endParaRPr lang="en-US" altLang="zh-CN" dirty="0" smtClean="0"/>
+            <a:endParaRPr lang="en-US" altLang="zh-CN" dirty="0"/>
           </a:p>
           <a:p>
             <a:pPr lvl="2">
@@ -31859,46 +30782,13 @@
               </a:lnSpc>
             </a:pPr>
             <a:r>
-              <a:rPr lang="en-US" altLang="zh-CN" dirty="0" smtClean="0"/>
+              <a:rPr lang="en-US" altLang="zh-CN" dirty="0"/>
               <a:t>4. </a:t>
             </a:r>
             <a:r>
-              <a:rPr lang="zh-CN" altLang="en-US" dirty="0" smtClean="0"/>
-              <a:t>短期</a:t>
+              <a:rPr lang="zh-CN" altLang="en-US" dirty="0"/>
+              <a:t>短期内长期内都需要做什么？如果我被录用了，在工作的前三个月，公司最希望我做到的   三件事是什么？</a:t>
             </a:r>
-            <a:r>
-              <a:rPr lang="zh-CN" altLang="en-US" dirty="0"/>
-              <a:t>内长期内都需要做</a:t>
-            </a:r>
-            <a:r>
-              <a:rPr lang="zh-CN" altLang="en-US" dirty="0" smtClean="0"/>
-              <a:t>什么</a:t>
-            </a:r>
-            <a:r>
-              <a:rPr lang="zh-CN" altLang="en-US" dirty="0"/>
-              <a:t>？</a:t>
-            </a:r>
-            <a:r>
-              <a:rPr lang="zh-CN" altLang="en-US" dirty="0" smtClean="0"/>
-              <a:t>如果</a:t>
-            </a:r>
-            <a:r>
-              <a:rPr lang="zh-CN" altLang="en-US" dirty="0"/>
-              <a:t>我被录用了，在工作的前三个月，公司最希望我做到</a:t>
-            </a:r>
-            <a:r>
-              <a:rPr lang="zh-CN" altLang="en-US" dirty="0" smtClean="0"/>
-              <a:t>的   三</a:t>
-            </a:r>
-            <a:r>
-              <a:rPr lang="zh-CN" altLang="en-US" dirty="0"/>
-              <a:t>件事是什么</a:t>
-            </a:r>
-            <a:r>
-              <a:rPr lang="zh-CN" altLang="en-US" dirty="0" smtClean="0"/>
-              <a:t>？</a:t>
-            </a:r>
-            <a:endParaRPr lang="zh-CN" altLang="en-US" dirty="0"/>
           </a:p>
         </p:txBody>
       </p:sp>
@@ -32418,7 +31308,7 @@
             <p:cNvPr id="7" name="矩形 6">
               <a:extLst>
                 <a:ext uri="{FF2B5EF4-FFF2-40B4-BE49-F238E27FC236}">
-                  <a16:creationId xmlns:a16="http://schemas.microsoft.com/office/drawing/2014/main" xmlns="" id="{B6CE2C59-6724-4237-8632-2D86D0B7283F}"/>
+                  <a16:creationId xmlns:a16="http://schemas.microsoft.com/office/drawing/2014/main" id="{B6CE2C59-6724-4237-8632-2D86D0B7283F}"/>
                 </a:ext>
               </a:extLst>
             </p:cNvPr>
@@ -32490,18 +31380,13 @@
             <a:lstStyle/>
             <a:p>
               <a:r>
-                <a:rPr lang="zh-CN" altLang="en-US" sz="3200" dirty="0" smtClean="0">
+                <a:rPr lang="zh-CN" altLang="en-US" sz="3200" dirty="0">
                   <a:solidFill>
                     <a:schemeClr val="bg1"/>
                   </a:solidFill>
                 </a:rPr>
                 <a:t>问题</a:t>
               </a:r>
-              <a:endParaRPr lang="zh-CN" altLang="en-US" sz="3200" dirty="0">
-                <a:solidFill>
-                  <a:schemeClr val="bg1"/>
-                </a:solidFill>
-              </a:endParaRPr>
             </a:p>
           </p:txBody>
         </p:sp>
@@ -32675,7 +31560,7 @@
               <a:buNone/>
             </a:pPr>
             <a:r>
-              <a:rPr lang="zh-CN" altLang="en-US" sz="3200" dirty="0" smtClean="0">
+              <a:rPr lang="zh-CN" altLang="en-US" sz="3200" dirty="0">
                 <a:solidFill>
                   <a:srgbClr val="765036"/>
                 </a:solidFill>
@@ -32684,13 +31569,6 @@
               </a:rPr>
               <a:t>技术写作、翻译</a:t>
             </a:r>
-            <a:endParaRPr lang="zh-CN" altLang="en-US" sz="3200" dirty="0">
-              <a:solidFill>
-                <a:srgbClr val="765036"/>
-              </a:solidFill>
-              <a:latin typeface="黑体" panose="02010609060101010101" pitchFamily="49" charset="-122"/>
-              <a:ea typeface="黑体" panose="02010609060101010101" pitchFamily="49" charset="-122"/>
-            </a:endParaRPr>
           </a:p>
         </p:txBody>
       </p:sp>
@@ -32787,13 +31665,6 @@
       </p:transition>
     </mc:Fallback>
   </mc:AlternateContent>
-  <p:timing>
-    <p:tnLst>
-      <p:par>
-        <p:cTn id="1" dur="indefinite" restart="never" nodeType="tmRoot"/>
-      </p:par>
-    </p:tnLst>
-  </p:timing>
 </p:sld>
 </file>
 
@@ -32819,7 +31690,7 @@
           <p:cNvPr id="3" name="矩形 2">
             <a:extLst>
               <a:ext uri="{FF2B5EF4-FFF2-40B4-BE49-F238E27FC236}">
-                <a16:creationId xmlns:a16="http://schemas.microsoft.com/office/drawing/2014/main" xmlns="" id="{778BF502-56E9-4FCA-BAE8-994ACCE5424C}"/>
+                <a16:creationId xmlns:a16="http://schemas.microsoft.com/office/drawing/2014/main" id="{778BF502-56E9-4FCA-BAE8-994ACCE5424C}"/>
               </a:ext>
             </a:extLst>
           </p:cNvPr>
@@ -32885,7 +31756,7 @@
           <p:cNvPr id="4" name="矩形 3">
             <a:extLst>
               <a:ext uri="{FF2B5EF4-FFF2-40B4-BE49-F238E27FC236}">
-                <a16:creationId xmlns:a16="http://schemas.microsoft.com/office/drawing/2014/main" xmlns="" id="{F6E47910-6C2A-41FD-90E5-694FC2A5E551}"/>
+                <a16:creationId xmlns:a16="http://schemas.microsoft.com/office/drawing/2014/main" id="{F6E47910-6C2A-41FD-90E5-694FC2A5E551}"/>
               </a:ext>
             </a:extLst>
           </p:cNvPr>
@@ -32951,7 +31822,7 @@
           <p:cNvPr id="5" name="矩形 4">
             <a:extLst>
               <a:ext uri="{FF2B5EF4-FFF2-40B4-BE49-F238E27FC236}">
-                <a16:creationId xmlns:a16="http://schemas.microsoft.com/office/drawing/2014/main" xmlns="" id="{9F7B6974-8105-4A3B-A0F5-2F2FE2E22CC3}"/>
+                <a16:creationId xmlns:a16="http://schemas.microsoft.com/office/drawing/2014/main" id="{9F7B6974-8105-4A3B-A0F5-2F2FE2E22CC3}"/>
               </a:ext>
             </a:extLst>
           </p:cNvPr>
@@ -33017,7 +31888,7 @@
           <p:cNvPr id="6" name="矩形 5">
             <a:extLst>
               <a:ext uri="{FF2B5EF4-FFF2-40B4-BE49-F238E27FC236}">
-                <a16:creationId xmlns:a16="http://schemas.microsoft.com/office/drawing/2014/main" xmlns="" id="{B07812F0-CCA3-4F24-AA60-BC1D66122423}"/>
+                <a16:creationId xmlns:a16="http://schemas.microsoft.com/office/drawing/2014/main" id="{B07812F0-CCA3-4F24-AA60-BC1D66122423}"/>
               </a:ext>
             </a:extLst>
           </p:cNvPr>
@@ -33083,7 +31954,7 @@
           <p:cNvPr id="7" name="椭圆 6">
             <a:extLst>
               <a:ext uri="{FF2B5EF4-FFF2-40B4-BE49-F238E27FC236}">
-                <a16:creationId xmlns:a16="http://schemas.microsoft.com/office/drawing/2014/main" xmlns="" id="{349DBAD7-BD89-405A-9D35-41C9BD48402B}"/>
+                <a16:creationId xmlns:a16="http://schemas.microsoft.com/office/drawing/2014/main" id="{349DBAD7-BD89-405A-9D35-41C9BD48402B}"/>
               </a:ext>
             </a:extLst>
           </p:cNvPr>
@@ -33135,7 +32006,7 @@
           <p:cNvPr id="8" name="椭圆 7">
             <a:extLst>
               <a:ext uri="{FF2B5EF4-FFF2-40B4-BE49-F238E27FC236}">
-                <a16:creationId xmlns:a16="http://schemas.microsoft.com/office/drawing/2014/main" xmlns="" id="{D6AFBB72-59B4-4DA5-8BE3-08B634361653}"/>
+                <a16:creationId xmlns:a16="http://schemas.microsoft.com/office/drawing/2014/main" id="{D6AFBB72-59B4-4DA5-8BE3-08B634361653}"/>
               </a:ext>
             </a:extLst>
           </p:cNvPr>
@@ -33187,7 +32058,7 @@
           <p:cNvPr id="10" name="椭圆 9">
             <a:extLst>
               <a:ext uri="{FF2B5EF4-FFF2-40B4-BE49-F238E27FC236}">
-                <a16:creationId xmlns:a16="http://schemas.microsoft.com/office/drawing/2014/main" xmlns="" id="{49683AAA-02BF-4040-A9DB-0292FF447770}"/>
+                <a16:creationId xmlns:a16="http://schemas.microsoft.com/office/drawing/2014/main" id="{49683AAA-02BF-4040-A9DB-0292FF447770}"/>
               </a:ext>
             </a:extLst>
           </p:cNvPr>
@@ -33538,16 +32409,6 @@
               <a:buNone/>
             </a:pPr>
             <a:r>
-              <a:rPr lang="zh-CN" altLang="en-US" sz="2800" b="1" dirty="0" smtClean="0">
-                <a:solidFill>
-                  <a:srgbClr val="765036"/>
-                </a:solidFill>
-                <a:latin typeface="微软雅黑" panose="020B0503020204020204" charset="-122"/>
-                <a:ea typeface="微软雅黑" panose="020B0503020204020204" charset="-122"/>
-              </a:rPr>
-              <a:t>技术写作</a:t>
-            </a:r>
-            <a:r>
               <a:rPr lang="zh-CN" altLang="en-US" sz="2800" b="1" dirty="0">
                 <a:solidFill>
                   <a:srgbClr val="765036"/>
@@ -33555,25 +32416,8 @@
                 <a:latin typeface="微软雅黑" panose="020B0503020204020204" charset="-122"/>
                 <a:ea typeface="微软雅黑" panose="020B0503020204020204" charset="-122"/>
               </a:rPr>
-              <a:t>、</a:t>
+              <a:t>技术写作、翻译</a:t>
             </a:r>
-            <a:r>
-              <a:rPr lang="zh-CN" altLang="en-US" sz="2800" b="1" dirty="0" smtClean="0">
-                <a:solidFill>
-                  <a:srgbClr val="765036"/>
-                </a:solidFill>
-                <a:latin typeface="微软雅黑" panose="020B0503020204020204" charset="-122"/>
-                <a:ea typeface="微软雅黑" panose="020B0503020204020204" charset="-122"/>
-              </a:rPr>
-              <a:t>翻译</a:t>
-            </a:r>
-            <a:endParaRPr lang="zh-CN" altLang="en-US" sz="2800" b="1" dirty="0">
-              <a:solidFill>
-                <a:srgbClr val="765036"/>
-              </a:solidFill>
-              <a:latin typeface="微软雅黑" panose="020B0503020204020204" charset="-122"/>
-              <a:ea typeface="微软雅黑" panose="020B0503020204020204" charset="-122"/>
-            </a:endParaRPr>
           </a:p>
         </p:txBody>
       </p:sp>
@@ -33601,7 +32445,7 @@
           <a:p>
             <a:pPr algn="l"/>
             <a:r>
-              <a:rPr lang="zh-CN" altLang="en-US" sz="2400" b="1" dirty="0" smtClean="0">
+              <a:rPr lang="zh-CN" altLang="en-US" sz="2400" b="1" dirty="0">
                 <a:solidFill>
                   <a:srgbClr val="765036"/>
                 </a:solidFill>
@@ -33610,13 +32454,6 @@
               </a:rPr>
               <a:t>写作规范、模板</a:t>
             </a:r>
-            <a:endParaRPr lang="zh-CN" altLang="en-US" sz="2400" b="1" dirty="0">
-              <a:solidFill>
-                <a:srgbClr val="765036"/>
-              </a:solidFill>
-              <a:latin typeface="微软雅黑" panose="020B0503020204020204" charset="-122"/>
-              <a:ea typeface="微软雅黑" panose="020B0503020204020204" charset="-122"/>
-            </a:endParaRPr>
           </a:p>
         </p:txBody>
       </p:sp>
@@ -33643,7 +32480,7 @@
           <a:lstStyle/>
           <a:p>
             <a:r>
-              <a:rPr lang="zh-CN" altLang="en-US" sz="2400" b="1" dirty="0" smtClean="0">
+              <a:rPr lang="zh-CN" altLang="en-US" sz="2400" b="1" dirty="0">
                 <a:solidFill>
                   <a:srgbClr val="765036"/>
                 </a:solidFill>
@@ -33652,13 +32489,6 @@
               </a:rPr>
               <a:t>技术知识</a:t>
             </a:r>
-            <a:endParaRPr lang="zh-CN" altLang="en-US" sz="2400" b="1" dirty="0">
-              <a:solidFill>
-                <a:srgbClr val="765036"/>
-              </a:solidFill>
-              <a:latin typeface="微软雅黑" panose="020B0503020204020204" charset="-122"/>
-              <a:ea typeface="微软雅黑" panose="020B0503020204020204" charset="-122"/>
-            </a:endParaRPr>
           </a:p>
         </p:txBody>
       </p:sp>
@@ -33667,7 +32497,7 @@
           <p:cNvPr id="24" name="椭圆 23">
             <a:extLst>
               <a:ext uri="{FF2B5EF4-FFF2-40B4-BE49-F238E27FC236}">
-                <a16:creationId xmlns:a16="http://schemas.microsoft.com/office/drawing/2014/main" xmlns="" id="{49683AAA-02BF-4040-A9DB-0292FF447770}"/>
+                <a16:creationId xmlns:a16="http://schemas.microsoft.com/office/drawing/2014/main" id="{49683AAA-02BF-4040-A9DB-0292FF447770}"/>
               </a:ext>
             </a:extLst>
           </p:cNvPr>
@@ -34251,7 +33081,7 @@
                 <a:buChar char="•"/>
               </a:pPr>
               <a:r>
-                <a:rPr lang="zh-CN" altLang="en-US" sz="1400" dirty="0" smtClean="0">
+                <a:rPr lang="zh-CN" altLang="en-US" sz="1400" dirty="0">
                   <a:solidFill>
                     <a:schemeClr val="tx1">
                       <a:lumMod val="85000"/>
@@ -34264,7 +33094,7 @@
                 </a:rPr>
                 <a:t>学习产品知识，明确要求的文档交付时间。</a:t>
               </a:r>
-              <a:endParaRPr lang="en-US" altLang="zh-CN" sz="1400" dirty="0" smtClean="0">
+              <a:endParaRPr lang="en-US" altLang="zh-CN" sz="1400" dirty="0">
                 <a:solidFill>
                   <a:schemeClr val="tx1">
                     <a:lumMod val="85000"/>
@@ -34285,7 +33115,7 @@
                 <a:buChar char="•"/>
               </a:pPr>
               <a:r>
-                <a:rPr lang="zh-CN" altLang="en-US" sz="1400" dirty="0" smtClean="0">
+                <a:rPr lang="zh-CN" altLang="en-US" sz="1400" dirty="0">
                   <a:solidFill>
                     <a:schemeClr val="tx1">
                       <a:lumMod val="85000"/>
@@ -34298,17 +33128,6 @@
                 </a:rPr>
                 <a:t>确定文档体系的组织、文档的大纲和主题的划分。</a:t>
               </a:r>
-              <a:endParaRPr lang="zh-CN" altLang="en-US" sz="1400" dirty="0">
-                <a:solidFill>
-                  <a:schemeClr val="tx1">
-                    <a:lumMod val="85000"/>
-                    <a:lumOff val="15000"/>
-                  </a:schemeClr>
-                </a:solidFill>
-                <a:latin typeface="微软雅黑" panose="020B0503020204020204" pitchFamily="34" charset="-122"/>
-                <a:ea typeface="微软雅黑" panose="020B0503020204020204" pitchFamily="34" charset="-122"/>
-                <a:sym typeface="宋体" panose="02010600030101010101" pitchFamily="2" charset="-122"/>
-              </a:endParaRPr>
             </a:p>
           </p:txBody>
         </p:sp>
@@ -34336,7 +33155,7 @@
             <a:p>
               <a:pPr algn="ctr"/>
               <a:r>
-                <a:rPr lang="en-US" altLang="zh-CN" sz="2000" b="1" dirty="0" smtClean="0">
+                <a:rPr lang="en-US" altLang="zh-CN" sz="2000" b="1" dirty="0">
                   <a:solidFill>
                     <a:srgbClr val="765036"/>
                   </a:solidFill>
@@ -34346,7 +33165,7 @@
                 <a:t>1 </a:t>
               </a:r>
               <a:r>
-                <a:rPr lang="zh-CN" altLang="en-US" sz="2000" b="1" dirty="0" smtClean="0">
+                <a:rPr lang="zh-CN" altLang="en-US" sz="2000" b="1" dirty="0">
                   <a:solidFill>
                     <a:srgbClr val="765036"/>
                   </a:solidFill>
@@ -34355,13 +33174,6 @@
                 </a:rPr>
                 <a:t>产品学习、架构设计</a:t>
               </a:r>
-              <a:endParaRPr lang="zh-CN" altLang="en-US" sz="2000" b="1" dirty="0">
-                <a:solidFill>
-                  <a:srgbClr val="765036"/>
-                </a:solidFill>
-                <a:latin typeface="微软雅黑" panose="020B0503020204020204" pitchFamily="34" charset="-122"/>
-                <a:ea typeface="微软雅黑" panose="020B0503020204020204" pitchFamily="34" charset="-122"/>
-              </a:endParaRPr>
             </a:p>
           </p:txBody>
         </p:sp>
@@ -34421,23 +33233,9 @@
                   <a:ea typeface="微软雅黑" panose="020B0503020204020204" pitchFamily="34" charset="-122"/>
                   <a:sym typeface="宋体" panose="02010600030101010101" pitchFamily="2" charset="-122"/>
                 </a:rPr>
-                <a:t>依照设计出的文档架构，遵循既定的文档写作规范，进行文档的具体内容的编写</a:t>
+                <a:t>依照设计出的文档架构，遵循既定的文档写作规范，进行文档的具体内容的编写。</a:t>
               </a:r>
-              <a:r>
-                <a:rPr lang="zh-CN" altLang="en-US" sz="1400" dirty="0" smtClean="0">
-                  <a:solidFill>
-                    <a:schemeClr val="tx1">
-                      <a:lumMod val="85000"/>
-                      <a:lumOff val="15000"/>
-                    </a:schemeClr>
-                  </a:solidFill>
-                  <a:latin typeface="微软雅黑" panose="020B0503020204020204" pitchFamily="34" charset="-122"/>
-                  <a:ea typeface="微软雅黑" panose="020B0503020204020204" pitchFamily="34" charset="-122"/>
-                  <a:sym typeface="宋体" panose="02010600030101010101" pitchFamily="2" charset="-122"/>
-                </a:rPr>
-                <a:t>。</a:t>
-              </a:r>
-              <a:endParaRPr lang="en-US" altLang="zh-CN" sz="1400" dirty="0" smtClean="0">
+              <a:endParaRPr lang="en-US" altLang="zh-CN" sz="1400" dirty="0">
                 <a:solidFill>
                   <a:schemeClr val="tx1">
                     <a:lumMod val="85000"/>
@@ -34458,7 +33256,7 @@
                 <a:buChar char="•"/>
               </a:pPr>
               <a:r>
-                <a:rPr lang="zh-CN" altLang="en-US" sz="1400" dirty="0" smtClean="0">
+                <a:rPr lang="zh-CN" altLang="en-US" sz="1400" dirty="0">
                   <a:solidFill>
                     <a:schemeClr val="tx1">
                       <a:lumMod val="85000"/>
@@ -34471,17 +33269,6 @@
                 </a:rPr>
                 <a:t>技术审核、语言审核，保证文档质量。</a:t>
               </a:r>
-              <a:endParaRPr lang="zh-CN" altLang="en-US" sz="1400" dirty="0">
-                <a:solidFill>
-                  <a:schemeClr val="tx1">
-                    <a:lumMod val="85000"/>
-                    <a:lumOff val="15000"/>
-                  </a:schemeClr>
-                </a:solidFill>
-                <a:latin typeface="微软雅黑" panose="020B0503020204020204" pitchFamily="34" charset="-122"/>
-                <a:ea typeface="微软雅黑" panose="020B0503020204020204" pitchFamily="34" charset="-122"/>
-                <a:sym typeface="宋体" panose="02010600030101010101" pitchFamily="2" charset="-122"/>
-              </a:endParaRPr>
             </a:p>
             <a:p>
               <a:pPr>
@@ -34527,7 +33314,7 @@
             <a:p>
               <a:pPr algn="ctr"/>
               <a:r>
-                <a:rPr lang="en-US" altLang="zh-CN" sz="2000" b="1" dirty="0" smtClean="0">
+                <a:rPr lang="en-US" altLang="zh-CN" sz="2000" b="1" dirty="0">
                   <a:solidFill>
                     <a:srgbClr val="765036"/>
                   </a:solidFill>
@@ -34537,7 +33324,7 @@
                 <a:t>2 </a:t>
               </a:r>
               <a:r>
-                <a:rPr lang="zh-CN" altLang="en-US" sz="2000" b="1" dirty="0" smtClean="0">
+                <a:rPr lang="zh-CN" altLang="en-US" sz="2000" b="1" dirty="0">
                   <a:solidFill>
                     <a:srgbClr val="765036"/>
                   </a:solidFill>
@@ -34546,13 +33333,6 @@
                 </a:rPr>
                 <a:t>文档写作、质量控制</a:t>
               </a:r>
-              <a:endParaRPr lang="zh-CN" altLang="en-US" sz="2000" b="1" dirty="0">
-                <a:solidFill>
-                  <a:srgbClr val="765036"/>
-                </a:solidFill>
-                <a:latin typeface="微软雅黑" panose="020B0503020204020204" pitchFamily="34" charset="-122"/>
-                <a:ea typeface="微软雅黑" panose="020B0503020204020204" pitchFamily="34" charset="-122"/>
-              </a:endParaRPr>
             </a:p>
           </p:txBody>
         </p:sp>
@@ -34803,20 +33583,6 @@
                 <a:buChar char="•"/>
               </a:pPr>
               <a:r>
-                <a:rPr lang="zh-CN" altLang="en-US" sz="1400" dirty="0" smtClean="0">
-                  <a:solidFill>
-                    <a:schemeClr val="tx1">
-                      <a:lumMod val="85000"/>
-                      <a:lumOff val="15000"/>
-                    </a:schemeClr>
-                  </a:solidFill>
-                  <a:latin typeface="微软雅黑" panose="020B0503020204020204" pitchFamily="34" charset="-122"/>
-                  <a:ea typeface="微软雅黑" panose="020B0503020204020204" pitchFamily="34" charset="-122"/>
-                  <a:sym typeface="宋体" panose="02010600030101010101" pitchFamily="2" charset="-122"/>
-                </a:rPr>
-                <a:t>文档</a:t>
-              </a:r>
-              <a:r>
                 <a:rPr lang="zh-CN" altLang="en-US" sz="1400" dirty="0">
                   <a:solidFill>
                     <a:schemeClr val="tx1">
@@ -34828,7 +33594,7 @@
                   <a:ea typeface="微软雅黑" panose="020B0503020204020204" pitchFamily="34" charset="-122"/>
                   <a:sym typeface="宋体" panose="02010600030101010101" pitchFamily="2" charset="-122"/>
                 </a:rPr>
-                <a:t>呈现形式，如</a:t>
+                <a:t>文档呈现形式，如</a:t>
               </a:r>
               <a:r>
                 <a:rPr lang="en-US" altLang="zh-CN" sz="1400" dirty="0">
@@ -34859,7 +33625,7 @@
                 <a:t>、</a:t>
               </a:r>
               <a:r>
-                <a:rPr lang="en-US" altLang="zh-CN" sz="1400" dirty="0" smtClean="0">
+                <a:rPr lang="en-US" altLang="zh-CN" sz="1400" dirty="0">
                   <a:solidFill>
                     <a:schemeClr val="tx1">
                       <a:lumMod val="85000"/>
@@ -34873,7 +33639,7 @@
                 <a:t>HTML</a:t>
               </a:r>
               <a:r>
-                <a:rPr lang="zh-CN" altLang="en-US" sz="1400" dirty="0" smtClean="0">
+                <a:rPr lang="zh-CN" altLang="en-US" sz="1400" dirty="0">
                   <a:solidFill>
                     <a:schemeClr val="tx1">
                       <a:lumMod val="85000"/>
@@ -34886,7 +33652,7 @@
                 </a:rPr>
                 <a:t>。</a:t>
               </a:r>
-              <a:endParaRPr lang="en-US" altLang="zh-CN" sz="1400" dirty="0" smtClean="0">
+              <a:endParaRPr lang="en-US" altLang="zh-CN" sz="1400" dirty="0">
                 <a:solidFill>
                   <a:schemeClr val="tx1">
                     <a:lumMod val="85000"/>
@@ -34911,14 +33677,7 @@
                   <a:latin typeface="微软雅黑" panose="020B0503020204020204" pitchFamily="34" charset="-122"/>
                   <a:ea typeface="微软雅黑" panose="020B0503020204020204" pitchFamily="34" charset="-122"/>
                 </a:rPr>
-                <a:t>网站交付、线下</a:t>
-              </a:r>
-              <a:r>
-                <a:rPr lang="zh-CN" altLang="en-US" sz="1400" dirty="0" smtClean="0">
-                  <a:latin typeface="微软雅黑" panose="020B0503020204020204" pitchFamily="34" charset="-122"/>
-                  <a:ea typeface="微软雅黑" panose="020B0503020204020204" pitchFamily="34" charset="-122"/>
-                </a:rPr>
-                <a:t>交付。</a:t>
+                <a:t>网站交付、线下交付。</a:t>
               </a:r>
               <a:endParaRPr lang="zh-CN" altLang="en-US" sz="1400" dirty="0">
                 <a:solidFill>
@@ -34958,7 +33717,7 @@
             <a:p>
               <a:pPr algn="ctr"/>
               <a:r>
-                <a:rPr lang="en-US" altLang="zh-CN" sz="2000" b="1" dirty="0" smtClean="0">
+                <a:rPr lang="en-US" altLang="zh-CN" sz="2000" b="1" dirty="0">
                   <a:solidFill>
                     <a:srgbClr val="765036"/>
                   </a:solidFill>
@@ -34968,7 +33727,7 @@
                 <a:t>3 </a:t>
               </a:r>
               <a:r>
-                <a:rPr lang="zh-CN" altLang="en-US" sz="2000" b="1" dirty="0" smtClean="0">
+                <a:rPr lang="zh-CN" altLang="en-US" sz="2000" b="1" dirty="0">
                   <a:solidFill>
                     <a:srgbClr val="765036"/>
                   </a:solidFill>
@@ -34977,13 +33736,6 @@
                 </a:rPr>
                 <a:t>文档发布、文档交付</a:t>
               </a:r>
-              <a:endParaRPr lang="zh-CN" altLang="en-US" sz="2000" b="1" dirty="0">
-                <a:solidFill>
-                  <a:srgbClr val="765036"/>
-                </a:solidFill>
-                <a:latin typeface="微软雅黑" panose="020B0503020204020204" pitchFamily="34" charset="-122"/>
-                <a:ea typeface="微软雅黑" panose="020B0503020204020204" pitchFamily="34" charset="-122"/>
-              </a:endParaRPr>
             </a:p>
           </p:txBody>
         </p:sp>
@@ -35032,20 +33784,6 @@
                 <a:buChar char="•"/>
               </a:pPr>
               <a:r>
-                <a:rPr lang="zh-CN" altLang="en-US" sz="1400" dirty="0" smtClean="0">
-                  <a:solidFill>
-                    <a:schemeClr val="tx1">
-                      <a:lumMod val="85000"/>
-                      <a:lumOff val="15000"/>
-                    </a:schemeClr>
-                  </a:solidFill>
-                  <a:latin typeface="微软雅黑" panose="020B0503020204020204" pitchFamily="34" charset="-122"/>
-                  <a:ea typeface="微软雅黑" panose="020B0503020204020204" pitchFamily="34" charset="-122"/>
-                  <a:sym typeface="宋体" panose="02010600030101010101" pitchFamily="2" charset="-122"/>
-                </a:rPr>
-                <a:t>软件或产品在不断地更新，对应</a:t>
-              </a:r>
-              <a:r>
                 <a:rPr lang="zh-CN" altLang="en-US" sz="1400" dirty="0">
                   <a:solidFill>
                     <a:schemeClr val="tx1">
@@ -35057,33 +33795,8 @@
                   <a:ea typeface="微软雅黑" panose="020B0503020204020204" pitchFamily="34" charset="-122"/>
                   <a:sym typeface="宋体" panose="02010600030101010101" pitchFamily="2" charset="-122"/>
                 </a:rPr>
-                <a:t>的技术文档也需要及时地维护和更新</a:t>
+                <a:t>软件或产品在不断地更新，对应的技术文档也需要及时地维护和更新。</a:t>
               </a:r>
-              <a:r>
-                <a:rPr lang="zh-CN" altLang="en-US" sz="1400" dirty="0" smtClean="0">
-                  <a:solidFill>
-                    <a:schemeClr val="tx1">
-                      <a:lumMod val="85000"/>
-                      <a:lumOff val="15000"/>
-                    </a:schemeClr>
-                  </a:solidFill>
-                  <a:latin typeface="微软雅黑" panose="020B0503020204020204" pitchFamily="34" charset="-122"/>
-                  <a:ea typeface="微软雅黑" panose="020B0503020204020204" pitchFamily="34" charset="-122"/>
-                  <a:sym typeface="宋体" panose="02010600030101010101" pitchFamily="2" charset="-122"/>
-                </a:rPr>
-                <a:t>。</a:t>
-              </a:r>
-              <a:endParaRPr lang="zh-CN" altLang="en-US" sz="1400" dirty="0">
-                <a:solidFill>
-                  <a:schemeClr val="tx1">
-                    <a:lumMod val="85000"/>
-                    <a:lumOff val="15000"/>
-                  </a:schemeClr>
-                </a:solidFill>
-                <a:latin typeface="微软雅黑" panose="020B0503020204020204" pitchFamily="34" charset="-122"/>
-                <a:ea typeface="微软雅黑" panose="020B0503020204020204" pitchFamily="34" charset="-122"/>
-                <a:sym typeface="宋体" panose="02010600030101010101" pitchFamily="2" charset="-122"/>
-              </a:endParaRPr>
             </a:p>
             <a:p>
               <a:pPr marL="285750" indent="-285750">
@@ -35134,7 +33847,7 @@
             <a:p>
               <a:pPr algn="ctr"/>
               <a:r>
-                <a:rPr lang="en-US" altLang="zh-CN" sz="2000" b="1" dirty="0" smtClean="0">
+                <a:rPr lang="en-US" altLang="zh-CN" sz="2000" b="1" dirty="0">
                   <a:solidFill>
                     <a:srgbClr val="765036"/>
                   </a:solidFill>
@@ -35144,7 +33857,7 @@
                 <a:t>4 </a:t>
               </a:r>
               <a:r>
-                <a:rPr lang="zh-CN" altLang="en-US" sz="2000" b="1" dirty="0" smtClean="0">
+                <a:rPr lang="zh-CN" altLang="en-US" sz="2000" b="1" dirty="0">
                   <a:solidFill>
                     <a:srgbClr val="765036"/>
                   </a:solidFill>
@@ -35153,13 +33866,6 @@
                 </a:rPr>
                 <a:t>文档维护</a:t>
               </a:r>
-              <a:endParaRPr lang="zh-CN" altLang="en-US" sz="2000" b="1" dirty="0">
-                <a:solidFill>
-                  <a:srgbClr val="765036"/>
-                </a:solidFill>
-                <a:latin typeface="微软雅黑" panose="020B0503020204020204" pitchFamily="34" charset="-122"/>
-                <a:ea typeface="微软雅黑" panose="020B0503020204020204" pitchFamily="34" charset="-122"/>
-              </a:endParaRPr>
             </a:p>
           </p:txBody>
         </p:sp>
@@ -35288,20 +33994,6 @@
           <a:lstStyle/>
           <a:p>
             <a:r>
-              <a:rPr lang="zh-CN" altLang="en-US" sz="1600" b="1" dirty="0" smtClean="0">
-                <a:solidFill>
-                  <a:schemeClr val="tx1">
-                    <a:lumMod val="85000"/>
-                    <a:lumOff val="15000"/>
-                  </a:schemeClr>
-                </a:solidFill>
-                <a:latin typeface="微软雅黑" panose="020B0503020204020204" pitchFamily="34" charset="-122"/>
-                <a:ea typeface="微软雅黑" panose="020B0503020204020204" pitchFamily="34" charset="-122"/>
-                <a:sym typeface="宋体" panose="02010600030101010101" pitchFamily="2" charset="-122"/>
-              </a:rPr>
-              <a:t>技术</a:t>
-            </a:r>
-            <a:r>
               <a:rPr lang="zh-CN" altLang="en-US" sz="1600" b="1" dirty="0">
                 <a:solidFill>
                   <a:schemeClr val="tx1">
@@ -35313,7 +34005,7 @@
                 <a:ea typeface="微软雅黑" panose="020B0503020204020204" pitchFamily="34" charset="-122"/>
                 <a:sym typeface="宋体" panose="02010600030101010101" pitchFamily="2" charset="-122"/>
               </a:rPr>
-              <a:t>文档的编写只是文档开发流程的一环，真正意义上的高质量技术文档开发是一个复杂的流程。</a:t>
+              <a:t>技术文档的编写只是文档开发流程的一环，真正意义上的高质量技术文档开发是一个复杂的流程。</a:t>
             </a:r>
           </a:p>
           <a:p>
@@ -35346,13 +34038,6 @@
       </p:transition>
     </mc:Fallback>
   </mc:AlternateContent>
-  <p:timing>
-    <p:tnLst>
-      <p:par>
-        <p:cTn id="1" dur="indefinite" restart="never" nodeType="tmRoot"/>
-      </p:par>
-    </p:tnLst>
-  </p:timing>
 </p:sld>
 </file>
 
@@ -35646,25 +34331,8 @@
                 <a:latin typeface="微软雅黑" panose="020B0503020204020204" charset="-122"/>
                 <a:ea typeface="微软雅黑" panose="020B0503020204020204" charset="-122"/>
               </a:rPr>
-              <a:t>写作</a:t>
+              <a:t>写作规范、模板</a:t>
             </a:r>
-            <a:r>
-              <a:rPr lang="zh-CN" altLang="en-US" sz="2800" b="1" dirty="0" smtClean="0">
-                <a:solidFill>
-                  <a:srgbClr val="765036"/>
-                </a:solidFill>
-                <a:latin typeface="微软雅黑" panose="020B0503020204020204" charset="-122"/>
-                <a:ea typeface="微软雅黑" panose="020B0503020204020204" charset="-122"/>
-              </a:rPr>
-              <a:t>规范、模板</a:t>
-            </a:r>
-            <a:endParaRPr lang="zh-CN" altLang="en-US" sz="2800" b="1" dirty="0">
-              <a:solidFill>
-                <a:srgbClr val="765036"/>
-              </a:solidFill>
-              <a:latin typeface="微软雅黑" panose="020B0503020204020204" charset="-122"/>
-              <a:ea typeface="微软雅黑" panose="020B0503020204020204" charset="-122"/>
-            </a:endParaRPr>
           </a:p>
         </p:txBody>
       </p:sp>
@@ -37487,7 +36155,7 @@
                   <a:spcPct val="140000"/>
                 </a:lnSpc>
               </a:pPr>
-              <a:endParaRPr lang="en-US" altLang="zh-CN" sz="1400" dirty="0" smtClean="0">
+              <a:endParaRPr lang="en-US" altLang="zh-CN" sz="1400" dirty="0">
                 <a:solidFill>
                   <a:schemeClr val="tx1">
                     <a:lumMod val="85000"/>
@@ -37525,7 +36193,7 @@
             <a:p>
               <a:pPr algn="l"/>
               <a:r>
-                <a:rPr lang="zh-CN" altLang="en-US" sz="2000" b="1" dirty="0" smtClean="0">
+                <a:rPr lang="zh-CN" altLang="en-US" sz="2000" b="1" dirty="0">
                   <a:solidFill>
                     <a:srgbClr val="765036"/>
                   </a:solidFill>
@@ -37534,7 +36202,7 @@
                 </a:rPr>
                 <a:t>中兴</a:t>
               </a:r>
-              <a:endParaRPr lang="en-US" altLang="zh-CN" sz="2000" b="1" dirty="0" smtClean="0">
+              <a:endParaRPr lang="en-US" altLang="zh-CN" sz="2000" b="1" dirty="0">
                 <a:solidFill>
                   <a:srgbClr val="765036"/>
                 </a:solidFill>
@@ -37587,20 +36255,6 @@
                 </a:lnSpc>
               </a:pPr>
               <a:r>
-                <a:rPr lang="en-US" altLang="zh-CN" sz="1400" dirty="0" smtClean="0">
-                  <a:solidFill>
-                    <a:schemeClr val="tx1">
-                      <a:lumMod val="85000"/>
-                      <a:lumOff val="15000"/>
-                    </a:schemeClr>
-                  </a:solidFill>
-                  <a:latin typeface="微软雅黑" panose="020B0503020204020204" charset="-122"/>
-                  <a:ea typeface="微软雅黑" panose="020B0503020204020204" charset="-122"/>
-                  <a:sym typeface="宋体" panose="02010600030101010101" pitchFamily="2" charset="-122"/>
-                </a:rPr>
-                <a:t>Ericsson </a:t>
-              </a:r>
-              <a:r>
                 <a:rPr lang="en-US" altLang="zh-CN" sz="1400" dirty="0">
                   <a:solidFill>
                     <a:schemeClr val="tx1">
@@ -37612,7 +36266,7 @@
                   <a:ea typeface="微软雅黑" panose="020B0503020204020204" charset="-122"/>
                   <a:sym typeface="宋体" panose="02010600030101010101" pitchFamily="2" charset="-122"/>
                 </a:rPr>
-                <a:t>Corporate Style Manual</a:t>
+                <a:t>Ericsson Corporate Style Manual</a:t>
               </a:r>
               <a:endParaRPr lang="zh-CN" altLang="en-US" sz="1400" dirty="0">
                 <a:solidFill>
@@ -37652,16 +36306,6 @@
             <a:p>
               <a:pPr algn="l"/>
               <a:r>
-                <a:rPr lang="zh-CN" altLang="en-US" sz="2000" b="1" dirty="0" smtClean="0">
-                  <a:solidFill>
-                    <a:srgbClr val="765036"/>
-                  </a:solidFill>
-                  <a:latin typeface="微软雅黑" panose="020B0503020204020204" charset="-122"/>
-                  <a:ea typeface="微软雅黑" panose="020B0503020204020204" charset="-122"/>
-                </a:rPr>
-                <a:t>爱</a:t>
-              </a:r>
-              <a:r>
                 <a:rPr lang="zh-CN" altLang="en-US" sz="2000" b="1" dirty="0">
                   <a:solidFill>
                     <a:srgbClr val="765036"/>
@@ -37669,7 +36313,7 @@
                   <a:latin typeface="微软雅黑" panose="020B0503020204020204" charset="-122"/>
                   <a:ea typeface="微软雅黑" panose="020B0503020204020204" charset="-122"/>
                 </a:rPr>
-                <a:t>立信</a:t>
+                <a:t>爱立信</a:t>
               </a:r>
             </a:p>
           </p:txBody>
@@ -37889,16 +36533,9 @@
                 <a:latin typeface="微软雅黑" panose="020B0503020204020204" charset="-122"/>
                 <a:ea typeface="微软雅黑" panose="020B0503020204020204" charset="-122"/>
               </a:rPr>
-              <a:t>技术文档英化</a:t>
+              <a:t>技术文档英化规范</a:t>
             </a:r>
-            <a:r>
-              <a:rPr lang="zh-CN" altLang="en-US" sz="1400" dirty="0" smtClean="0">
-                <a:latin typeface="微软雅黑" panose="020B0503020204020204" charset="-122"/>
-                <a:ea typeface="微软雅黑" panose="020B0503020204020204" charset="-122"/>
-              </a:rPr>
-              <a:t>规范</a:t>
-            </a:r>
-            <a:endParaRPr lang="en-US" altLang="zh-CN" sz="1400" dirty="0" smtClean="0">
+            <a:endParaRPr lang="en-US" altLang="zh-CN" sz="1400" dirty="0">
               <a:latin typeface="微软雅黑" panose="020B0503020204020204" charset="-122"/>
               <a:ea typeface="微软雅黑" panose="020B0503020204020204" charset="-122"/>
             </a:endParaRPr>
@@ -37916,23 +36553,9 @@
                 <a:ea typeface="微软雅黑" panose="020B0503020204020204" charset="-122"/>
                 <a:sym typeface="宋体" panose="02010600030101010101" pitchFamily="2" charset="-122"/>
               </a:rPr>
-              <a:t>图形处理</a:t>
+              <a:t>图形处理规范</a:t>
             </a:r>
-            <a:r>
-              <a:rPr lang="zh-CN" altLang="en-US" sz="1400" dirty="0" smtClean="0">
-                <a:solidFill>
-                  <a:schemeClr val="tx1">
-                    <a:lumMod val="85000"/>
-                    <a:lumOff val="15000"/>
-                  </a:schemeClr>
-                </a:solidFill>
-                <a:latin typeface="微软雅黑" panose="020B0503020204020204" charset="-122"/>
-                <a:ea typeface="微软雅黑" panose="020B0503020204020204" charset="-122"/>
-                <a:sym typeface="宋体" panose="02010600030101010101" pitchFamily="2" charset="-122"/>
-              </a:rPr>
-              <a:t>规范</a:t>
-            </a:r>
-            <a:endParaRPr lang="en-US" altLang="zh-CN" sz="1400" dirty="0" smtClean="0">
+            <a:endParaRPr lang="en-US" altLang="zh-CN" sz="1400" dirty="0">
               <a:solidFill>
                 <a:schemeClr val="tx1">
                   <a:lumMod val="85000"/>
@@ -37946,7 +36569,7 @@
           </a:p>
           <a:p>
             <a:r>
-              <a:rPr lang="zh-CN" altLang="en-US" sz="1400" dirty="0" smtClean="0">
+              <a:rPr lang="zh-CN" altLang="en-US" sz="1400" dirty="0">
                 <a:solidFill>
                   <a:schemeClr val="tx1">
                     <a:lumMod val="85000"/>
@@ -37959,17 +36582,6 @@
               </a:rPr>
               <a:t>界面术语</a:t>
             </a:r>
-            <a:endParaRPr lang="zh-CN" altLang="en-US" sz="1400" dirty="0">
-              <a:solidFill>
-                <a:schemeClr val="tx1">
-                  <a:lumMod val="85000"/>
-                  <a:lumOff val="15000"/>
-                </a:schemeClr>
-              </a:solidFill>
-              <a:latin typeface="微软雅黑" panose="020B0503020204020204" charset="-122"/>
-              <a:ea typeface="微软雅黑" panose="020B0503020204020204" charset="-122"/>
-              <a:sym typeface="宋体" panose="02010600030101010101" pitchFamily="2" charset="-122"/>
-            </a:endParaRPr>
           </a:p>
           <a:p>
             <a:endParaRPr lang="zh-CN" altLang="en-US" sz="1400" dirty="0">
@@ -38037,13 +36649,6 @@
       </p:transition>
     </mc:Fallback>
   </mc:AlternateContent>
-  <p:timing>
-    <p:tnLst>
-      <p:par>
-        <p:cTn id="1" dur="indefinite" restart="never" nodeType="tmRoot"/>
-      </p:par>
-    </p:tnLst>
-  </p:timing>
 </p:sld>
 </file>
 
@@ -38087,16 +36692,6 @@
           <a:lstStyle/>
           <a:p>
             <a:r>
-              <a:rPr lang="zh-CN" altLang="en-US" sz="2800" b="1" dirty="0" smtClean="0">
-                <a:solidFill>
-                  <a:srgbClr val="765036"/>
-                </a:solidFill>
-                <a:latin typeface="微软雅黑" panose="020B0503020204020204" charset="-122"/>
-                <a:ea typeface="微软雅黑" panose="020B0503020204020204" charset="-122"/>
-              </a:rPr>
-              <a:t>技术</a:t>
-            </a:r>
-            <a:r>
               <a:rPr lang="zh-CN" altLang="en-US" sz="2800" b="1" dirty="0">
                 <a:solidFill>
                   <a:srgbClr val="765036"/>
@@ -38104,7 +36699,7 @@
                 <a:latin typeface="微软雅黑" panose="020B0503020204020204" charset="-122"/>
                 <a:ea typeface="微软雅黑" panose="020B0503020204020204" charset="-122"/>
               </a:rPr>
-              <a:t>知识</a:t>
+              <a:t>技术知识</a:t>
             </a:r>
           </a:p>
         </p:txBody>
@@ -38132,10 +36727,10 @@
           <a:lstStyle/>
           <a:p>
             <a:r>
-              <a:rPr lang="zh-CN" altLang="en-US" dirty="0" smtClean="0"/>
+              <a:rPr lang="zh-CN" altLang="en-US" dirty="0"/>
               <a:t>框架、地图：</a:t>
             </a:r>
-            <a:endParaRPr lang="en-US" altLang="zh-CN" dirty="0" smtClean="0"/>
+            <a:endParaRPr lang="en-US" altLang="zh-CN" dirty="0"/>
           </a:p>
           <a:p>
             <a:pPr marL="285750" indent="-285750">
@@ -38143,34 +36738,10 @@
               <a:buChar char="•"/>
             </a:pPr>
             <a:r>
-              <a:rPr lang="zh-CN" altLang="en-US" dirty="0" smtClean="0"/>
-              <a:t>看书</a:t>
+              <a:rPr lang="zh-CN" altLang="en-US" dirty="0"/>
+              <a:t>看书的目录、主要文档的结构，大致包含的内容，脑子里有大概的框架，涉及到哪些内容。</a:t>
             </a:r>
-            <a:r>
-              <a:rPr lang="zh-CN" altLang="en-US" dirty="0"/>
-              <a:t>的</a:t>
-            </a:r>
-            <a:r>
-              <a:rPr lang="zh-CN" altLang="en-US" dirty="0" smtClean="0"/>
-              <a:t>目录、主要文档</a:t>
-            </a:r>
-            <a:r>
-              <a:rPr lang="zh-CN" altLang="en-US" dirty="0"/>
-              <a:t>的结构，大致包含的</a:t>
-            </a:r>
-            <a:r>
-              <a:rPr lang="zh-CN" altLang="en-US" dirty="0" smtClean="0"/>
-              <a:t>内容，脑子</a:t>
-            </a:r>
-            <a:r>
-              <a:rPr lang="zh-CN" altLang="en-US" dirty="0"/>
-              <a:t>里有大概的框架，涉及到哪些内容</a:t>
-            </a:r>
-            <a:r>
-              <a:rPr lang="zh-CN" altLang="en-US" dirty="0" smtClean="0"/>
-              <a:t>。</a:t>
-            </a:r>
-            <a:endParaRPr lang="en-US" altLang="zh-CN" dirty="0" smtClean="0"/>
+            <a:endParaRPr lang="en-US" altLang="zh-CN" dirty="0"/>
           </a:p>
           <a:p>
             <a:pPr marL="285750" indent="-285750">
@@ -38178,12 +36749,8 @@
               <a:buChar char="•"/>
             </a:pPr>
             <a:r>
-              <a:rPr lang="zh-CN" altLang="en-US" dirty="0" smtClean="0"/>
-              <a:t>搞</a:t>
-            </a:r>
-            <a:r>
               <a:rPr lang="zh-CN" altLang="en-US" dirty="0"/>
-              <a:t>清楚逻辑关系，概念之间的关联。</a:t>
+              <a:t>搞清楚逻辑关系，概念之间的关联。</a:t>
             </a:r>
           </a:p>
         </p:txBody>
@@ -38211,10 +36778,10 @@
           <a:lstStyle/>
           <a:p>
             <a:r>
-              <a:rPr lang="zh-CN" altLang="en-US" dirty="0" smtClean="0"/>
+              <a:rPr lang="zh-CN" altLang="en-US" dirty="0"/>
               <a:t>技巧：</a:t>
             </a:r>
-            <a:endParaRPr lang="en-US" altLang="zh-CN" dirty="0" smtClean="0"/>
+            <a:endParaRPr lang="en-US" altLang="zh-CN" dirty="0"/>
           </a:p>
           <a:p>
             <a:pPr marL="285750" indent="-285750">
@@ -38222,20 +36789,8 @@
               <a:buChar char="•"/>
             </a:pPr>
             <a:r>
-              <a:rPr lang="zh-CN" altLang="en-US" dirty="0" smtClean="0"/>
-              <a:t>通过类比、图片</a:t>
-            </a:r>
-            <a:r>
               <a:rPr lang="zh-CN" altLang="en-US" dirty="0"/>
-              <a:t>、</a:t>
-            </a:r>
-            <a:r>
-              <a:rPr lang="zh-CN" altLang="en-US" dirty="0" smtClean="0"/>
-              <a:t>例子</a:t>
-            </a:r>
-            <a:r>
-              <a:rPr lang="zh-CN" altLang="en-US" dirty="0"/>
-              <a:t>等多种信息呈现方式进行学习，比单纯的文字更形象生动，容易记忆理解。</a:t>
+              <a:t>通过类比、图片、例子等多种信息呈现方式进行学习，比单纯的文字更形象生动，容易记忆理解。</a:t>
             </a:r>
           </a:p>
           <a:p>
@@ -38244,10 +36799,9 @@
               <a:buChar char="•"/>
             </a:pPr>
             <a:r>
-              <a:rPr lang="zh-CN" altLang="en-US" dirty="0" smtClean="0"/>
+              <a:rPr lang="zh-CN" altLang="en-US" dirty="0"/>
               <a:t>比较同一个概念不同的解释，互相对照来看，互相补充，加深理解。</a:t>
             </a:r>
-            <a:endParaRPr lang="zh-CN" altLang="en-US" dirty="0"/>
           </a:p>
         </p:txBody>
       </p:sp>
@@ -38528,7 +37082,7 @@
           <a:lstStyle/>
           <a:p>
             <a:r>
-              <a:rPr lang="zh-CN" altLang="en-US" sz="2000" b="1" dirty="0" smtClean="0">
+              <a:rPr lang="zh-CN" altLang="en-US" sz="2000" b="1" dirty="0">
                 <a:solidFill>
                   <a:schemeClr val="bg1"/>
                 </a:solidFill>
@@ -38537,13 +37091,6 @@
               </a:rPr>
               <a:t>宏观</a:t>
             </a:r>
-            <a:endParaRPr lang="zh-CN" altLang="en-US" sz="2000" b="1" dirty="0">
-              <a:solidFill>
-                <a:schemeClr val="bg1"/>
-              </a:solidFill>
-              <a:latin typeface="黑体" panose="02010609060101010101" pitchFamily="49" charset="-122"/>
-              <a:ea typeface="黑体" panose="02010609060101010101" pitchFamily="49" charset="-122"/>
-            </a:endParaRPr>
           </a:p>
         </p:txBody>
       </p:sp>
@@ -38619,7 +37166,7 @@
           <a:lstStyle/>
           <a:p>
             <a:r>
-              <a:rPr lang="zh-CN" altLang="en-US" sz="2000" b="1" dirty="0" smtClean="0">
+              <a:rPr lang="zh-CN" altLang="en-US" sz="2000" b="1" dirty="0">
                 <a:solidFill>
                   <a:schemeClr val="bg1"/>
                 </a:solidFill>
@@ -38628,13 +37175,6 @@
               </a:rPr>
               <a:t>微观</a:t>
             </a:r>
-            <a:endParaRPr lang="zh-CN" altLang="en-US" sz="2000" b="1" dirty="0">
-              <a:solidFill>
-                <a:schemeClr val="bg1"/>
-              </a:solidFill>
-              <a:latin typeface="黑体" panose="02010609060101010101" pitchFamily="49" charset="-122"/>
-              <a:ea typeface="黑体" panose="02010609060101010101" pitchFamily="49" charset="-122"/>
-            </a:endParaRPr>
           </a:p>
         </p:txBody>
       </p:sp>
@@ -38946,16 +37486,6 @@
               <a:buNone/>
             </a:pPr>
             <a:r>
-              <a:rPr lang="zh-CN" altLang="en-US" sz="2800" b="1" dirty="0" smtClean="0">
-                <a:solidFill>
-                  <a:srgbClr val="765036"/>
-                </a:solidFill>
-                <a:latin typeface="微软雅黑" panose="020B0503020204020204" charset="-122"/>
-                <a:ea typeface="微软雅黑" panose="020B0503020204020204" charset="-122"/>
-              </a:rPr>
-              <a:t>技术</a:t>
-            </a:r>
-            <a:r>
               <a:rPr lang="zh-CN" altLang="en-US" sz="2800" b="1" dirty="0">
                 <a:solidFill>
                   <a:srgbClr val="765036"/>
@@ -38963,7 +37493,7 @@
                 <a:latin typeface="微软雅黑" panose="020B0503020204020204" charset="-122"/>
                 <a:ea typeface="微软雅黑" panose="020B0503020204020204" charset="-122"/>
               </a:rPr>
-              <a:t>知识</a:t>
+              <a:t>技术知识</a:t>
             </a:r>
           </a:p>
         </p:txBody>
@@ -39095,7 +37625,7 @@
           <a:p>
             <a:pPr algn="ctr"/>
             <a:r>
-              <a:rPr lang="zh-CN" altLang="en-US" sz="2000" dirty="0" smtClean="0">
+              <a:rPr lang="zh-CN" altLang="en-US" sz="2000" dirty="0">
                 <a:solidFill>
                   <a:schemeClr val="bg1"/>
                 </a:solidFill>
@@ -39104,13 +37634,6 @@
               </a:rPr>
               <a:t>行业背景知识</a:t>
             </a:r>
-            <a:endParaRPr lang="zh-CN" altLang="en-US" sz="2000" dirty="0">
-              <a:solidFill>
-                <a:schemeClr val="bg1"/>
-              </a:solidFill>
-              <a:latin typeface="微软雅黑" panose="020B0503020204020204" charset="-122"/>
-              <a:ea typeface="微软雅黑" panose="020B0503020204020204" charset="-122"/>
-            </a:endParaRPr>
           </a:p>
         </p:txBody>
       </p:sp>
@@ -39632,7 +38155,7 @@
           <a:p>
             <a:pPr algn="ctr"/>
             <a:r>
-              <a:rPr lang="zh-CN" altLang="en-US" sz="1400" dirty="0" smtClean="0">
+              <a:rPr lang="zh-CN" altLang="en-US" sz="1400" dirty="0">
                 <a:solidFill>
                   <a:schemeClr val="bg1"/>
                 </a:solidFill>
@@ -39641,13 +38164,6 @@
               </a:rPr>
               <a:t>行业研报</a:t>
             </a:r>
-            <a:endParaRPr lang="zh-CN" altLang="en-US" sz="1400" dirty="0">
-              <a:solidFill>
-                <a:schemeClr val="bg1"/>
-              </a:solidFill>
-              <a:latin typeface="微软雅黑" panose="020B0503020204020204" charset="-122"/>
-              <a:ea typeface="微软雅黑" panose="020B0503020204020204" charset="-122"/>
-            </a:endParaRPr>
           </a:p>
         </p:txBody>
       </p:sp>
@@ -39778,7 +38294,7 @@
           <a:p>
             <a:pPr algn="ctr"/>
             <a:r>
-              <a:rPr lang="zh-CN" altLang="en-US" sz="1400" dirty="0" smtClean="0">
+              <a:rPr lang="zh-CN" altLang="en-US" sz="1400" dirty="0">
                 <a:solidFill>
                   <a:schemeClr val="bg1"/>
                 </a:solidFill>
@@ -39787,13 +38303,6 @@
               </a:rPr>
               <a:t>代表企业、产业链</a:t>
             </a:r>
-            <a:endParaRPr lang="zh-CN" altLang="en-US" sz="1400" dirty="0">
-              <a:solidFill>
-                <a:schemeClr val="bg1"/>
-              </a:solidFill>
-              <a:latin typeface="微软雅黑" panose="020B0503020204020204" charset="-122"/>
-              <a:ea typeface="微软雅黑" panose="020B0503020204020204" charset="-122"/>
-            </a:endParaRPr>
           </a:p>
         </p:txBody>
       </p:sp>
@@ -41305,7 +39814,7 @@
               <a:buNone/>
             </a:pPr>
             <a:r>
-              <a:rPr lang="zh-CN" altLang="en-US" sz="2800" b="1" dirty="0" smtClean="0">
+              <a:rPr lang="zh-CN" altLang="en-US" sz="2800" b="1" dirty="0">
                 <a:solidFill>
                   <a:srgbClr val="765036"/>
                 </a:solidFill>
@@ -41314,13 +39823,6 @@
               </a:rPr>
               <a:t>工具</a:t>
             </a:r>
-            <a:endParaRPr lang="zh-CN" altLang="en-US" sz="2800" b="1" dirty="0">
-              <a:solidFill>
-                <a:srgbClr val="765036"/>
-              </a:solidFill>
-              <a:latin typeface="微软雅黑" panose="020B0503020204020204" charset="-122"/>
-              <a:ea typeface="微软雅黑" panose="020B0503020204020204" charset="-122"/>
-            </a:endParaRPr>
           </a:p>
         </p:txBody>
       </p:sp>
@@ -43163,21 +41665,7 @@
                   <a:ea typeface="微软雅黑" panose="020B0503020204020204" charset="-122"/>
                   <a:sym typeface="宋体" panose="02010600030101010101" pitchFamily="2" charset="-122"/>
                 </a:rPr>
-                <a:t> </a:t>
-              </a:r>
-              <a:r>
-                <a:rPr lang="en-US" altLang="zh-CN" sz="1400" dirty="0" smtClean="0">
-                  <a:solidFill>
-                    <a:schemeClr val="tx1">
-                      <a:lumMod val="85000"/>
-                      <a:lumOff val="15000"/>
-                    </a:schemeClr>
-                  </a:solidFill>
-                  <a:latin typeface="微软雅黑" panose="020B0503020204020204" charset="-122"/>
-                  <a:ea typeface="微软雅黑" panose="020B0503020204020204" charset="-122"/>
-                  <a:sym typeface="宋体" panose="02010600030101010101" pitchFamily="2" charset="-122"/>
-                </a:rPr>
-                <a:t>Editor</a:t>
+                <a:t> Editor</a:t>
               </a:r>
             </a:p>
             <a:p>
@@ -43187,7 +41675,7 @@
                 </a:lnSpc>
               </a:pPr>
               <a:r>
-                <a:rPr lang="en-US" altLang="zh-CN" sz="1400" dirty="0" smtClean="0">
+                <a:rPr lang="en-US" altLang="zh-CN" sz="1400" dirty="0">
                   <a:solidFill>
                     <a:schemeClr val="tx1">
                       <a:lumMod val="85000"/>
@@ -43208,7 +41696,7 @@
                 </a:lnSpc>
               </a:pPr>
               <a:r>
-                <a:rPr lang="en-US" altLang="zh-CN" sz="1400" dirty="0" smtClean="0">
+                <a:rPr lang="en-US" altLang="zh-CN" sz="1400" dirty="0">
                   <a:solidFill>
                     <a:schemeClr val="tx1">
                       <a:lumMod val="85000"/>
@@ -43229,7 +41717,7 @@
                 </a:lnSpc>
               </a:pPr>
               <a:r>
-                <a:rPr lang="en-US" altLang="zh-CN" sz="1400" dirty="0" err="1" smtClean="0">
+                <a:rPr lang="en-US" altLang="zh-CN" sz="1400" dirty="0" err="1">
                   <a:solidFill>
                     <a:schemeClr val="tx1">
                       <a:lumMod val="85000"/>
@@ -43280,7 +41768,7 @@
             <a:p>
               <a:pPr algn="ctr"/>
               <a:r>
-                <a:rPr lang="zh-CN" altLang="en-US" sz="2000" b="1" dirty="0" smtClean="0">
+                <a:rPr lang="zh-CN" altLang="en-US" sz="2000" b="1" dirty="0">
                   <a:solidFill>
                     <a:srgbClr val="765036"/>
                   </a:solidFill>
@@ -43289,13 +41777,6 @@
                 </a:rPr>
                 <a:t>文本编辑</a:t>
               </a:r>
-              <a:endParaRPr lang="zh-CN" altLang="en-US" sz="2000" b="1" dirty="0">
-                <a:solidFill>
-                  <a:srgbClr val="765036"/>
-                </a:solidFill>
-                <a:latin typeface="微软雅黑" panose="020B0503020204020204" charset="-122"/>
-                <a:ea typeface="微软雅黑" panose="020B0503020204020204" charset="-122"/>
-              </a:endParaRPr>
             </a:p>
           </p:txBody>
         </p:sp>
@@ -43342,7 +41823,7 @@
                 </a:lnSpc>
               </a:pPr>
               <a:r>
-                <a:rPr lang="en-US" altLang="zh-CN" sz="1400" dirty="0" err="1" smtClean="0">
+                <a:rPr lang="en-US" altLang="zh-CN" sz="1400" dirty="0" err="1">
                   <a:solidFill>
                     <a:schemeClr val="tx1">
                       <a:lumMod val="85000"/>
@@ -43355,7 +41836,7 @@
                 </a:rPr>
                 <a:t>Git</a:t>
               </a:r>
-              <a:endParaRPr lang="en-US" altLang="zh-CN" sz="1400" dirty="0" smtClean="0">
+              <a:endParaRPr lang="en-US" altLang="zh-CN" sz="1400" dirty="0">
                 <a:solidFill>
                   <a:schemeClr val="tx1">
                     <a:lumMod val="85000"/>
@@ -43374,7 +41855,7 @@
                 </a:lnSpc>
               </a:pPr>
               <a:r>
-                <a:rPr lang="en-US" altLang="zh-CN" sz="1400" dirty="0" smtClean="0">
+                <a:rPr lang="en-US" altLang="zh-CN" sz="1400" dirty="0">
                   <a:solidFill>
                     <a:schemeClr val="tx1">
                       <a:lumMod val="85000"/>
@@ -43395,7 +41876,7 @@
                 </a:lnSpc>
               </a:pPr>
               <a:r>
-                <a:rPr lang="en-US" altLang="zh-CN" sz="1400" dirty="0" err="1" smtClean="0">
+                <a:rPr lang="en-US" altLang="zh-CN" sz="1400" dirty="0" err="1">
                   <a:solidFill>
                     <a:schemeClr val="tx1">
                       <a:lumMod val="85000"/>
@@ -43446,7 +41927,7 @@
             <a:p>
               <a:pPr algn="ctr"/>
               <a:r>
-                <a:rPr lang="zh-CN" altLang="en-US" sz="2000" b="1" dirty="0" smtClean="0">
+                <a:rPr lang="zh-CN" altLang="en-US" sz="2000" b="1" dirty="0">
                   <a:solidFill>
                     <a:srgbClr val="765036"/>
                   </a:solidFill>
@@ -43455,13 +41936,6 @@
                 </a:rPr>
                 <a:t>版本控制</a:t>
               </a:r>
-              <a:endParaRPr lang="zh-CN" altLang="en-US" sz="2000" b="1" dirty="0">
-                <a:solidFill>
-                  <a:srgbClr val="765036"/>
-                </a:solidFill>
-                <a:latin typeface="微软雅黑" panose="020B0503020204020204" charset="-122"/>
-                <a:ea typeface="微软雅黑" panose="020B0503020204020204" charset="-122"/>
-              </a:endParaRPr>
             </a:p>
           </p:txBody>
         </p:sp>
@@ -43508,7 +41982,7 @@
                 </a:lnSpc>
               </a:pPr>
               <a:r>
-                <a:rPr lang="en-US" altLang="zh-CN" sz="1400" dirty="0" smtClean="0">
+                <a:rPr lang="en-US" altLang="zh-CN" sz="1400" dirty="0">
                   <a:solidFill>
                     <a:schemeClr val="tx1">
                       <a:lumMod val="85000"/>
@@ -43529,7 +42003,7 @@
                 </a:lnSpc>
               </a:pPr>
               <a:r>
-                <a:rPr lang="en-US" altLang="zh-CN" sz="1400" dirty="0" smtClean="0">
+                <a:rPr lang="en-US" altLang="zh-CN" sz="1400" dirty="0">
                   <a:solidFill>
                     <a:schemeClr val="tx1">
                       <a:lumMod val="85000"/>
@@ -43550,7 +42024,7 @@
                 </a:lnSpc>
               </a:pPr>
               <a:r>
-                <a:rPr lang="en-US" altLang="zh-CN" sz="1400" dirty="0" err="1" smtClean="0">
+                <a:rPr lang="en-US" altLang="zh-CN" sz="1400" dirty="0" err="1">
                   <a:solidFill>
                     <a:schemeClr val="tx1">
                       <a:lumMod val="85000"/>
@@ -43582,7 +42056,7 @@
                 </a:lnSpc>
               </a:pPr>
               <a:r>
-                <a:rPr lang="zh-CN" altLang="en-US" sz="1400" dirty="0" smtClean="0">
+                <a:rPr lang="zh-CN" altLang="en-US" sz="1400" dirty="0">
                   <a:solidFill>
                     <a:schemeClr val="tx1">
                       <a:lumMod val="85000"/>
@@ -43595,17 +42069,6 @@
                 </a:rPr>
                 <a:t>截图</a:t>
               </a:r>
-              <a:endParaRPr lang="zh-CN" altLang="en-US" sz="1400" dirty="0">
-                <a:solidFill>
-                  <a:schemeClr val="tx1">
-                    <a:lumMod val="85000"/>
-                    <a:lumOff val="15000"/>
-                  </a:schemeClr>
-                </a:solidFill>
-                <a:latin typeface="微软雅黑" panose="020B0503020204020204" charset="-122"/>
-                <a:ea typeface="微软雅黑" panose="020B0503020204020204" charset="-122"/>
-                <a:sym typeface="宋体" panose="02010600030101010101" pitchFamily="2" charset="-122"/>
-              </a:endParaRPr>
             </a:p>
           </p:txBody>
         </p:sp>
@@ -43633,7 +42096,7 @@
             <a:p>
               <a:pPr algn="ctr"/>
               <a:r>
-                <a:rPr lang="zh-CN" altLang="en-US" sz="2000" b="1" dirty="0" smtClean="0">
+                <a:rPr lang="zh-CN" altLang="en-US" sz="2000" b="1" dirty="0">
                   <a:solidFill>
                     <a:srgbClr val="765036"/>
                   </a:solidFill>
@@ -43642,13 +42105,6 @@
                 </a:rPr>
                 <a:t>图形处理</a:t>
               </a:r>
-              <a:endParaRPr lang="zh-CN" altLang="en-US" sz="2000" b="1" dirty="0">
-                <a:solidFill>
-                  <a:srgbClr val="765036"/>
-                </a:solidFill>
-                <a:latin typeface="微软雅黑" panose="020B0503020204020204" charset="-122"/>
-                <a:ea typeface="微软雅黑" panose="020B0503020204020204" charset="-122"/>
-              </a:endParaRPr>
             </a:p>
           </p:txBody>
         </p:sp>
@@ -43677,50 +42133,49 @@
           <a:p>
             <a:pPr algn="ctr"/>
             <a:r>
-              <a:rPr lang="zh-CN" altLang="en-US" sz="1400" dirty="0" smtClean="0"/>
+              <a:rPr lang="zh-CN" altLang="en-US" sz="1400" dirty="0"/>
               <a:t> </a:t>
             </a:r>
             <a:r>
-              <a:rPr lang="en-US" altLang="zh-CN" sz="1400" dirty="0" smtClean="0"/>
+              <a:rPr lang="en-US" altLang="zh-CN" sz="1400" dirty="0"/>
               <a:t>COCA</a:t>
             </a:r>
             <a:r>
-              <a:rPr lang="zh-CN" altLang="en-US" sz="1400" dirty="0" smtClean="0"/>
+              <a:rPr lang="zh-CN" altLang="en-US" sz="1400" dirty="0"/>
               <a:t>语料库</a:t>
             </a:r>
-            <a:endParaRPr lang="en-US" altLang="zh-CN" sz="1400" dirty="0" smtClean="0"/>
+            <a:endParaRPr lang="en-US" altLang="zh-CN" sz="1400" dirty="0"/>
           </a:p>
           <a:p>
             <a:pPr algn="ctr"/>
             <a:r>
-              <a:rPr lang="zh-CN" altLang="en-US" sz="1400" dirty="0" smtClean="0"/>
+              <a:rPr lang="zh-CN" altLang="en-US" sz="1400" dirty="0"/>
               <a:t>有道</a:t>
             </a:r>
-            <a:endParaRPr lang="en-US" altLang="zh-CN" sz="1400" dirty="0" smtClean="0"/>
+            <a:endParaRPr lang="en-US" altLang="zh-CN" sz="1400" dirty="0"/>
           </a:p>
           <a:p>
             <a:pPr algn="ctr"/>
             <a:r>
-              <a:rPr lang="zh-CN" altLang="en-US" sz="1400" dirty="0" smtClean="0"/>
+              <a:rPr lang="zh-CN" altLang="en-US" sz="1400" dirty="0"/>
               <a:t>金山词霸</a:t>
             </a:r>
-            <a:endParaRPr lang="en-US" altLang="zh-CN" sz="1400" dirty="0" smtClean="0"/>
+            <a:endParaRPr lang="en-US" altLang="zh-CN" sz="1400" dirty="0"/>
           </a:p>
           <a:p>
             <a:pPr algn="ctr"/>
             <a:r>
-              <a:rPr lang="zh-CN" altLang="en-US" sz="1400" dirty="0" smtClean="0"/>
+              <a:rPr lang="zh-CN" altLang="en-US" sz="1400" dirty="0"/>
               <a:t>灵格斯</a:t>
             </a:r>
-            <a:endParaRPr lang="en-US" altLang="zh-CN" sz="1400" dirty="0" smtClean="0"/>
+            <a:endParaRPr lang="en-US" altLang="zh-CN" sz="1400" dirty="0"/>
           </a:p>
           <a:p>
             <a:pPr algn="ctr"/>
             <a:r>
-              <a:rPr lang="zh-CN" altLang="en-US" sz="1400" dirty="0" smtClean="0"/>
+              <a:rPr lang="zh-CN" altLang="en-US" sz="1400" dirty="0"/>
               <a:t>术语在线</a:t>
             </a:r>
-            <a:endParaRPr lang="zh-CN" altLang="en-US" sz="1400" dirty="0"/>
           </a:p>
         </p:txBody>
       </p:sp>
@@ -44132,13 +42587,6 @@
       </p:transition>
     </mc:Fallback>
   </mc:AlternateContent>
-  <p:timing>
-    <p:tnLst>
-      <p:par>
-        <p:cTn id="1" dur="indefinite" restart="never" nodeType="tmRoot"/>
-      </p:par>
-    </p:tnLst>
-  </p:timing>
 </p:sld>
 </file>
 

--- a/docs/工具使用篇/绘图截图/PPT/工作总结.pptx
+++ b/docs/工具使用篇/绘图截图/PPT/工作总结.pptx
@@ -250,7 +250,7 @@
           <a:p>
             <a:fld id="{B3061A59-E211-45AA-A9F0-2CB5442E46EC}" type="datetimeFigureOut">
               <a:rPr lang="zh-CN" altLang="en-US" smtClean="0"/>
-              <a:t>2021/10/26</a:t>
+              <a:t>2021/11/18</a:t>
             </a:fld>
             <a:endParaRPr lang="zh-CN" altLang="en-US"/>
           </a:p>
@@ -2242,7 +2242,7 @@
           <a:p>
             <a:fld id="{82F288E0-7875-42C4-84C8-98DBBD3BF4D2}" type="datetimeFigureOut">
               <a:rPr lang="zh-CN" altLang="en-US" smtClean="0"/>
-              <a:t>2021/10/26</a:t>
+              <a:t>2021/11/18</a:t>
             </a:fld>
             <a:endParaRPr lang="zh-CN" altLang="en-US"/>
           </a:p>
@@ -2400,7 +2400,7 @@
           <a:p>
             <a:fld id="{82F288E0-7875-42C4-84C8-98DBBD3BF4D2}" type="datetimeFigureOut">
               <a:rPr lang="zh-CN" altLang="en-US" smtClean="0"/>
-              <a:t>2021/10/26</a:t>
+              <a:t>2021/11/18</a:t>
             </a:fld>
             <a:endParaRPr lang="zh-CN" altLang="en-US"/>
           </a:p>
@@ -2575,7 +2575,7 @@
           <a:p>
             <a:fld id="{82F288E0-7875-42C4-84C8-98DBBD3BF4D2}" type="datetimeFigureOut">
               <a:rPr lang="zh-CN" altLang="en-US" smtClean="0"/>
-              <a:t>2021/10/26</a:t>
+              <a:t>2021/11/18</a:t>
             </a:fld>
             <a:endParaRPr lang="zh-CN" altLang="en-US"/>
           </a:p>
@@ -2827,7 +2827,7 @@
           <a:p>
             <a:fld id="{82F288E0-7875-42C4-84C8-98DBBD3BF4D2}" type="datetimeFigureOut">
               <a:rPr lang="zh-CN" altLang="en-US" smtClean="0"/>
-              <a:t>2021/10/26</a:t>
+              <a:t>2021/11/18</a:t>
             </a:fld>
             <a:endParaRPr lang="zh-CN" altLang="en-US"/>
           </a:p>
@@ -3063,7 +3063,7 @@
           <a:p>
             <a:fld id="{82F288E0-7875-42C4-84C8-98DBBD3BF4D2}" type="datetimeFigureOut">
               <a:rPr lang="zh-CN" altLang="en-US" smtClean="0"/>
-              <a:t>2021/10/26</a:t>
+              <a:t>2021/11/18</a:t>
             </a:fld>
             <a:endParaRPr lang="zh-CN" altLang="en-US"/>
           </a:p>
@@ -3434,7 +3434,7 @@
           <a:p>
             <a:fld id="{82F288E0-7875-42C4-84C8-98DBBD3BF4D2}" type="datetimeFigureOut">
               <a:rPr lang="zh-CN" altLang="en-US" smtClean="0"/>
-              <a:t>2021/10/26</a:t>
+              <a:t>2021/11/18</a:t>
             </a:fld>
             <a:endParaRPr lang="zh-CN" altLang="en-US"/>
           </a:p>
@@ -3558,7 +3558,7 @@
           <a:p>
             <a:fld id="{82F288E0-7875-42C4-84C8-98DBBD3BF4D2}" type="datetimeFigureOut">
               <a:rPr lang="zh-CN" altLang="en-US" smtClean="0"/>
-              <a:t>2021/10/26</a:t>
+              <a:t>2021/11/18</a:t>
             </a:fld>
             <a:endParaRPr lang="zh-CN" altLang="en-US"/>
           </a:p>
@@ -3685,7 +3685,7 @@
           <a:p>
             <a:fld id="{82F288E0-7875-42C4-84C8-98DBBD3BF4D2}" type="datetimeFigureOut">
               <a:rPr lang="zh-CN" altLang="en-US" smtClean="0"/>
-              <a:t>2021/10/26</a:t>
+              <a:t>2021/11/18</a:t>
             </a:fld>
             <a:endParaRPr lang="zh-CN" altLang="en-US"/>
           </a:p>
@@ -3969,7 +3969,7 @@
           <a:p>
             <a:fld id="{82F288E0-7875-42C4-84C8-98DBBD3BF4D2}" type="datetimeFigureOut">
               <a:rPr lang="zh-CN" altLang="en-US" smtClean="0"/>
-              <a:t>2021/10/26</a:t>
+              <a:t>2021/11/18</a:t>
             </a:fld>
             <a:endParaRPr lang="zh-CN" altLang="en-US"/>
           </a:p>
@@ -4154,7 +4154,7 @@
           <a:p>
             <a:fld id="{82F288E0-7875-42C4-84C8-98DBBD3BF4D2}" type="datetimeFigureOut">
               <a:rPr lang="zh-CN" altLang="en-US" smtClean="0"/>
-              <a:t>2021/10/26</a:t>
+              <a:t>2021/11/18</a:t>
             </a:fld>
             <a:endParaRPr lang="zh-CN" altLang="en-US"/>
           </a:p>
@@ -4372,7 +4372,7 @@
           <a:p>
             <a:fld id="{82F288E0-7875-42C4-84C8-98DBBD3BF4D2}" type="datetimeFigureOut">
               <a:rPr lang="zh-CN" altLang="en-US" smtClean="0"/>
-              <a:t>2021/10/26</a:t>
+              <a:t>2021/11/18</a:t>
             </a:fld>
             <a:endParaRPr lang="zh-CN" altLang="en-US"/>
           </a:p>
@@ -33045,7 +33045,7 @@
         </p:nvGrpSpPr>
         <p:grpSpPr>
           <a:xfrm>
-            <a:off x="1344018" y="1700530"/>
+            <a:off x="1328455" y="1352233"/>
             <a:ext cx="2952680" cy="1741805"/>
             <a:chOff x="11804" y="3191"/>
             <a:chExt cx="3195" cy="2743"/>
@@ -33547,10 +33547,10 @@
         </p:nvGrpSpPr>
         <p:grpSpPr>
           <a:xfrm>
-            <a:off x="5935747" y="1661695"/>
-            <a:ext cx="2900004" cy="1424940"/>
-            <a:chOff x="11881" y="3070"/>
-            <a:chExt cx="3138" cy="2244"/>
+            <a:off x="5938522" y="1416585"/>
+            <a:ext cx="2977634" cy="1404620"/>
+            <a:chOff x="11884" y="2684"/>
+            <a:chExt cx="3222" cy="2212"/>
           </a:xfrm>
         </p:grpSpPr>
         <p:sp>
@@ -33561,7 +33561,7 @@
           </p:nvSpPr>
           <p:spPr>
             <a:xfrm>
-              <a:off x="11884" y="3744"/>
+              <a:off x="11971" y="3326"/>
               <a:ext cx="3135" cy="1570"/>
             </a:xfrm>
             <a:prstGeom prst="rect">
@@ -33701,7 +33701,7 @@
           </p:nvSpPr>
           <p:spPr>
             <a:xfrm>
-              <a:off x="11881" y="3070"/>
+              <a:off x="11884" y="2684"/>
               <a:ext cx="3021" cy="628"/>
             </a:xfrm>
             <a:prstGeom prst="rect">

--- a/docs/工具使用篇/绘图截图/PPT/工作总结.pptx
+++ b/docs/工具使用篇/绘图截图/PPT/工作总结.pptx
@@ -5,7 +5,7 @@
     <p:sldMasterId id="2147483648" r:id="rId1"/>
   </p:sldMasterIdLst>
   <p:notesMasterIdLst>
-    <p:notesMasterId r:id="rId27"/>
+    <p:notesMasterId r:id="rId29"/>
   </p:notesMasterIdLst>
   <p:sldIdLst>
     <p:sldId id="256" r:id="rId2"/>
@@ -33,11 +33,13 @@
     <p:sldId id="309" r:id="rId24"/>
     <p:sldId id="306" r:id="rId25"/>
     <p:sldId id="308" r:id="rId26"/>
+    <p:sldId id="313" r:id="rId27"/>
+    <p:sldId id="314" r:id="rId28"/>
   </p:sldIdLst>
   <p:sldSz cx="12192000" cy="6858000"/>
   <p:notesSz cx="7104063" cy="10234613"/>
   <p:custDataLst>
-    <p:tags r:id="rId28"/>
+    <p:tags r:id="rId30"/>
   </p:custDataLst>
   <p:defaultTextStyle>
     <a:defPPr>
@@ -250,7 +252,7 @@
           <a:p>
             <a:fld id="{B3061A59-E211-45AA-A9F0-2CB5442E46EC}" type="datetimeFigureOut">
               <a:rPr lang="zh-CN" altLang="en-US" smtClean="0"/>
-              <a:t>2021/11/18</a:t>
+              <a:t>2021/11/29</a:t>
             </a:fld>
             <a:endParaRPr lang="zh-CN" altLang="en-US"/>
           </a:p>
@@ -2242,7 +2244,7 @@
           <a:p>
             <a:fld id="{82F288E0-7875-42C4-84C8-98DBBD3BF4D2}" type="datetimeFigureOut">
               <a:rPr lang="zh-CN" altLang="en-US" smtClean="0"/>
-              <a:t>2021/11/18</a:t>
+              <a:t>2021/11/29</a:t>
             </a:fld>
             <a:endParaRPr lang="zh-CN" altLang="en-US"/>
           </a:p>
@@ -2400,7 +2402,7 @@
           <a:p>
             <a:fld id="{82F288E0-7875-42C4-84C8-98DBBD3BF4D2}" type="datetimeFigureOut">
               <a:rPr lang="zh-CN" altLang="en-US" smtClean="0"/>
-              <a:t>2021/11/18</a:t>
+              <a:t>2021/11/29</a:t>
             </a:fld>
             <a:endParaRPr lang="zh-CN" altLang="en-US"/>
           </a:p>
@@ -2575,7 +2577,7 @@
           <a:p>
             <a:fld id="{82F288E0-7875-42C4-84C8-98DBBD3BF4D2}" type="datetimeFigureOut">
               <a:rPr lang="zh-CN" altLang="en-US" smtClean="0"/>
-              <a:t>2021/11/18</a:t>
+              <a:t>2021/11/29</a:t>
             </a:fld>
             <a:endParaRPr lang="zh-CN" altLang="en-US"/>
           </a:p>
@@ -2827,7 +2829,7 @@
           <a:p>
             <a:fld id="{82F288E0-7875-42C4-84C8-98DBBD3BF4D2}" type="datetimeFigureOut">
               <a:rPr lang="zh-CN" altLang="en-US" smtClean="0"/>
-              <a:t>2021/11/18</a:t>
+              <a:t>2021/11/29</a:t>
             </a:fld>
             <a:endParaRPr lang="zh-CN" altLang="en-US"/>
           </a:p>
@@ -3063,7 +3065,7 @@
           <a:p>
             <a:fld id="{82F288E0-7875-42C4-84C8-98DBBD3BF4D2}" type="datetimeFigureOut">
               <a:rPr lang="zh-CN" altLang="en-US" smtClean="0"/>
-              <a:t>2021/11/18</a:t>
+              <a:t>2021/11/29</a:t>
             </a:fld>
             <a:endParaRPr lang="zh-CN" altLang="en-US"/>
           </a:p>
@@ -3434,7 +3436,7 @@
           <a:p>
             <a:fld id="{82F288E0-7875-42C4-84C8-98DBBD3BF4D2}" type="datetimeFigureOut">
               <a:rPr lang="zh-CN" altLang="en-US" smtClean="0"/>
-              <a:t>2021/11/18</a:t>
+              <a:t>2021/11/29</a:t>
             </a:fld>
             <a:endParaRPr lang="zh-CN" altLang="en-US"/>
           </a:p>
@@ -3558,7 +3560,7 @@
           <a:p>
             <a:fld id="{82F288E0-7875-42C4-84C8-98DBBD3BF4D2}" type="datetimeFigureOut">
               <a:rPr lang="zh-CN" altLang="en-US" smtClean="0"/>
-              <a:t>2021/11/18</a:t>
+              <a:t>2021/11/29</a:t>
             </a:fld>
             <a:endParaRPr lang="zh-CN" altLang="en-US"/>
           </a:p>
@@ -3685,7 +3687,7 @@
           <a:p>
             <a:fld id="{82F288E0-7875-42C4-84C8-98DBBD3BF4D2}" type="datetimeFigureOut">
               <a:rPr lang="zh-CN" altLang="en-US" smtClean="0"/>
-              <a:t>2021/11/18</a:t>
+              <a:t>2021/11/29</a:t>
             </a:fld>
             <a:endParaRPr lang="zh-CN" altLang="en-US"/>
           </a:p>
@@ -3969,7 +3971,7 @@
           <a:p>
             <a:fld id="{82F288E0-7875-42C4-84C8-98DBBD3BF4D2}" type="datetimeFigureOut">
               <a:rPr lang="zh-CN" altLang="en-US" smtClean="0"/>
-              <a:t>2021/11/18</a:t>
+              <a:t>2021/11/29</a:t>
             </a:fld>
             <a:endParaRPr lang="zh-CN" altLang="en-US"/>
           </a:p>
@@ -4154,7 +4156,7 @@
           <a:p>
             <a:fld id="{82F288E0-7875-42C4-84C8-98DBBD3BF4D2}" type="datetimeFigureOut">
               <a:rPr lang="zh-CN" altLang="en-US" smtClean="0"/>
-              <a:t>2021/11/18</a:t>
+              <a:t>2021/11/29</a:t>
             </a:fld>
             <a:endParaRPr lang="zh-CN" altLang="en-US"/>
           </a:p>
@@ -4372,7 +4374,7 @@
           <a:p>
             <a:fld id="{82F288E0-7875-42C4-84C8-98DBBD3BF4D2}" type="datetimeFigureOut">
               <a:rPr lang="zh-CN" altLang="en-US" smtClean="0"/>
-              <a:t>2021/11/18</a:t>
+              <a:t>2021/11/29</a:t>
             </a:fld>
             <a:endParaRPr lang="zh-CN" altLang="en-US"/>
           </a:p>
@@ -31395,6 +31397,3956 @@
     <p:extLst>
       <p:ext uri="{BB962C8B-B14F-4D97-AF65-F5344CB8AC3E}">
         <p14:creationId xmlns:p14="http://schemas.microsoft.com/office/powerpoint/2010/main" val="2100499132"/>
+      </p:ext>
+    </p:extLst>
+  </p:cSld>
+  <p:clrMapOvr>
+    <a:masterClrMapping/>
+  </p:clrMapOvr>
+  <mc:AlternateContent xmlns:mc="http://schemas.openxmlformats.org/markup-compatibility/2006" xmlns:p14="http://schemas.microsoft.com/office/powerpoint/2010/main">
+    <mc:Choice Requires="p14">
+      <p:transition spd="slow" p14:dur="1500">
+        <p:random/>
+      </p:transition>
+    </mc:Choice>
+    <mc:Fallback xmlns="">
+      <p:transition spd="slow">
+        <p:random/>
+      </p:transition>
+    </mc:Fallback>
+  </mc:AlternateContent>
+</p:sld>
+</file>
+
+<file path=ppt/slides/slide26.xml><?xml version="1.0" encoding="utf-8"?>
+<p:sld xmlns:a="http://schemas.openxmlformats.org/drawingml/2006/main" xmlns:r="http://schemas.openxmlformats.org/officeDocument/2006/relationships" xmlns:p="http://schemas.openxmlformats.org/presentationml/2006/main">
+  <p:cSld>
+    <p:spTree>
+      <p:nvGrpSpPr>
+        <p:cNvPr id="1" name=""/>
+        <p:cNvGrpSpPr/>
+        <p:nvPr/>
+      </p:nvGrpSpPr>
+      <p:grpSpPr>
+        <a:xfrm>
+          <a:off x="0" y="0"/>
+          <a:ext cx="0" cy="0"/>
+          <a:chOff x="0" y="0"/>
+          <a:chExt cx="0" cy="0"/>
+        </a:xfrm>
+      </p:grpSpPr>
+      <p:sp>
+        <p:nvSpPr>
+          <p:cNvPr id="2" name="流程图: 接点 1">
+            <a:extLst>
+              <a:ext uri="{FF2B5EF4-FFF2-40B4-BE49-F238E27FC236}">
+                <a16:creationId xmlns:a16="http://schemas.microsoft.com/office/drawing/2014/main" id="{0D98755D-0A87-4E30-B7A7-F899946DB46A}"/>
+              </a:ext>
+            </a:extLst>
+          </p:cNvPr>
+          <p:cNvSpPr/>
+          <p:nvPr/>
+        </p:nvSpPr>
+        <p:spPr>
+          <a:xfrm>
+            <a:off x="1179204" y="1361256"/>
+            <a:ext cx="1266092" cy="1266092"/>
+          </a:xfrm>
+          <a:prstGeom prst="flowChartConnector">
+            <a:avLst/>
+          </a:prstGeom>
+        </p:spPr>
+        <p:style>
+          <a:lnRef idx="2">
+            <a:schemeClr val="accent1">
+              <a:shade val="50000"/>
+            </a:schemeClr>
+          </a:lnRef>
+          <a:fillRef idx="1">
+            <a:schemeClr val="accent1"/>
+          </a:fillRef>
+          <a:effectRef idx="0">
+            <a:schemeClr val="accent1"/>
+          </a:effectRef>
+          <a:fontRef idx="minor">
+            <a:schemeClr val="lt1"/>
+          </a:fontRef>
+        </p:style>
+        <p:txBody>
+          <a:bodyPr rtlCol="0" anchor="ctr"/>
+          <a:lstStyle/>
+          <a:p>
+            <a:pPr algn="ctr"/>
+            <a:endParaRPr lang="zh-CN" altLang="en-US"/>
+          </a:p>
+        </p:txBody>
+      </p:sp>
+      <p:sp>
+        <p:nvSpPr>
+          <p:cNvPr id="3" name="圆: 空心 2">
+            <a:extLst>
+              <a:ext uri="{FF2B5EF4-FFF2-40B4-BE49-F238E27FC236}">
+                <a16:creationId xmlns:a16="http://schemas.microsoft.com/office/drawing/2014/main" id="{F59094A1-9D73-43AD-828B-9E3B4597E5D2}"/>
+              </a:ext>
+            </a:extLst>
+          </p:cNvPr>
+          <p:cNvSpPr/>
+          <p:nvPr/>
+        </p:nvSpPr>
+        <p:spPr>
+          <a:xfrm>
+            <a:off x="3165231" y="1899138"/>
+            <a:ext cx="1998440" cy="1998440"/>
+          </a:xfrm>
+          <a:prstGeom prst="donut">
+            <a:avLst/>
+          </a:prstGeom>
+        </p:spPr>
+        <p:style>
+          <a:lnRef idx="2">
+            <a:schemeClr val="accent1">
+              <a:shade val="50000"/>
+            </a:schemeClr>
+          </a:lnRef>
+          <a:fillRef idx="1">
+            <a:schemeClr val="accent1"/>
+          </a:fillRef>
+          <a:effectRef idx="0">
+            <a:schemeClr val="accent1"/>
+          </a:effectRef>
+          <a:fontRef idx="minor">
+            <a:schemeClr val="lt1"/>
+          </a:fontRef>
+        </p:style>
+        <p:txBody>
+          <a:bodyPr rtlCol="0" anchor="ctr"/>
+          <a:lstStyle/>
+          <a:p>
+            <a:pPr algn="ctr"/>
+            <a:endParaRPr lang="zh-CN" altLang="en-US">
+              <a:solidFill>
+                <a:schemeClr val="tx1"/>
+              </a:solidFill>
+            </a:endParaRPr>
+          </a:p>
+        </p:txBody>
+      </p:sp>
+      <p:sp>
+        <p:nvSpPr>
+          <p:cNvPr id="91" name="任意多边形: 形状 90">
+            <a:extLst>
+              <a:ext uri="{FF2B5EF4-FFF2-40B4-BE49-F238E27FC236}">
+                <a16:creationId xmlns:a16="http://schemas.microsoft.com/office/drawing/2014/main" id="{2ED15B8C-9486-422A-9B93-DC02549E2130}"/>
+              </a:ext>
+            </a:extLst>
+          </p:cNvPr>
+          <p:cNvSpPr/>
+          <p:nvPr/>
+        </p:nvSpPr>
+        <p:spPr>
+          <a:xfrm>
+            <a:off x="3323150" y="4221641"/>
+            <a:ext cx="1682602" cy="1683908"/>
+          </a:xfrm>
+          <a:custGeom>
+            <a:avLst/>
+            <a:gdLst>
+              <a:gd name="connsiteX0" fmla="*/ 894803 w 1682602"/>
+              <a:gd name="connsiteY0" fmla="*/ 0 h 1683908"/>
+              <a:gd name="connsiteX1" fmla="*/ 927701 w 1682602"/>
+              <a:gd name="connsiteY1" fmla="*/ 1661 h 1683908"/>
+              <a:gd name="connsiteX2" fmla="*/ 1681978 w 1682602"/>
+              <a:gd name="connsiteY2" fmla="*/ 755939 h 1683908"/>
+              <a:gd name="connsiteX3" fmla="*/ 1682464 w 1682602"/>
+              <a:gd name="connsiteY3" fmla="*/ 765555 h 1683908"/>
+              <a:gd name="connsiteX4" fmla="*/ 1672259 w 1682602"/>
+              <a:gd name="connsiteY4" fmla="*/ 798429 h 1683908"/>
+              <a:gd name="connsiteX5" fmla="*/ 1667993 w 1682602"/>
+              <a:gd name="connsiteY5" fmla="*/ 840743 h 1683908"/>
+              <a:gd name="connsiteX6" fmla="*/ 1672259 w 1682602"/>
+              <a:gd name="connsiteY6" fmla="*/ 883057 h 1683908"/>
+              <a:gd name="connsiteX7" fmla="*/ 1682602 w 1682602"/>
+              <a:gd name="connsiteY7" fmla="*/ 916378 h 1683908"/>
+              <a:gd name="connsiteX8" fmla="*/ 1681978 w 1682602"/>
+              <a:gd name="connsiteY8" fmla="*/ 928739 h 1683908"/>
+              <a:gd name="connsiteX9" fmla="*/ 927701 w 1682602"/>
+              <a:gd name="connsiteY9" fmla="*/ 1683017 h 1683908"/>
+              <a:gd name="connsiteX10" fmla="*/ 910068 w 1682602"/>
+              <a:gd name="connsiteY10" fmla="*/ 1683908 h 1683908"/>
+              <a:gd name="connsiteX11" fmla="*/ 883615 w 1682602"/>
+              <a:gd name="connsiteY11" fmla="*/ 1675696 h 1683908"/>
+              <a:gd name="connsiteX12" fmla="*/ 841301 w 1682602"/>
+              <a:gd name="connsiteY12" fmla="*/ 1671430 h 1683908"/>
+              <a:gd name="connsiteX13" fmla="*/ 798987 w 1682602"/>
+              <a:gd name="connsiteY13" fmla="*/ 1675696 h 1683908"/>
+              <a:gd name="connsiteX14" fmla="*/ 772534 w 1682602"/>
+              <a:gd name="connsiteY14" fmla="*/ 1683908 h 1683908"/>
+              <a:gd name="connsiteX15" fmla="*/ 754901 w 1682602"/>
+              <a:gd name="connsiteY15" fmla="*/ 1683017 h 1683908"/>
+              <a:gd name="connsiteX16" fmla="*/ 624 w 1682602"/>
+              <a:gd name="connsiteY16" fmla="*/ 928739 h 1683908"/>
+              <a:gd name="connsiteX17" fmla="*/ 0 w 1682602"/>
+              <a:gd name="connsiteY17" fmla="*/ 916381 h 1683908"/>
+              <a:gd name="connsiteX18" fmla="*/ 10344 w 1682602"/>
+              <a:gd name="connsiteY18" fmla="*/ 883057 h 1683908"/>
+              <a:gd name="connsiteX19" fmla="*/ 14610 w 1682602"/>
+              <a:gd name="connsiteY19" fmla="*/ 840743 h 1683908"/>
+              <a:gd name="connsiteX20" fmla="*/ 10344 w 1682602"/>
+              <a:gd name="connsiteY20" fmla="*/ 798429 h 1683908"/>
+              <a:gd name="connsiteX21" fmla="*/ 139 w 1682602"/>
+              <a:gd name="connsiteY21" fmla="*/ 765552 h 1683908"/>
+              <a:gd name="connsiteX22" fmla="*/ 624 w 1682602"/>
+              <a:gd name="connsiteY22" fmla="*/ 755939 h 1683908"/>
+              <a:gd name="connsiteX23" fmla="*/ 754901 w 1682602"/>
+              <a:gd name="connsiteY23" fmla="*/ 1661 h 1683908"/>
+              <a:gd name="connsiteX24" fmla="*/ 757268 w 1682602"/>
+              <a:gd name="connsiteY24" fmla="*/ 1542 h 1683908"/>
+              <a:gd name="connsiteX25" fmla="*/ 781238 w 1682602"/>
+              <a:gd name="connsiteY25" fmla="*/ 8982 h 1683908"/>
+              <a:gd name="connsiteX26" fmla="*/ 823552 w 1682602"/>
+              <a:gd name="connsiteY26" fmla="*/ 13248 h 1683908"/>
+              <a:gd name="connsiteX27" fmla="*/ 865866 w 1682602"/>
+              <a:gd name="connsiteY27" fmla="*/ 8982 h 1683908"/>
+              <a:gd name="connsiteX28" fmla="*/ 894803 w 1682602"/>
+              <a:gd name="connsiteY28" fmla="*/ 0 h 1683908"/>
+            </a:gdLst>
+            <a:ahLst/>
+            <a:cxnLst>
+              <a:cxn ang="0">
+                <a:pos x="connsiteX0" y="connsiteY0"/>
+              </a:cxn>
+              <a:cxn ang="0">
+                <a:pos x="connsiteX1" y="connsiteY1"/>
+              </a:cxn>
+              <a:cxn ang="0">
+                <a:pos x="connsiteX2" y="connsiteY2"/>
+              </a:cxn>
+              <a:cxn ang="0">
+                <a:pos x="connsiteX3" y="connsiteY3"/>
+              </a:cxn>
+              <a:cxn ang="0">
+                <a:pos x="connsiteX4" y="connsiteY4"/>
+              </a:cxn>
+              <a:cxn ang="0">
+                <a:pos x="connsiteX5" y="connsiteY5"/>
+              </a:cxn>
+              <a:cxn ang="0">
+                <a:pos x="connsiteX6" y="connsiteY6"/>
+              </a:cxn>
+              <a:cxn ang="0">
+                <a:pos x="connsiteX7" y="connsiteY7"/>
+              </a:cxn>
+              <a:cxn ang="0">
+                <a:pos x="connsiteX8" y="connsiteY8"/>
+              </a:cxn>
+              <a:cxn ang="0">
+                <a:pos x="connsiteX9" y="connsiteY9"/>
+              </a:cxn>
+              <a:cxn ang="0">
+                <a:pos x="connsiteX10" y="connsiteY10"/>
+              </a:cxn>
+              <a:cxn ang="0">
+                <a:pos x="connsiteX11" y="connsiteY11"/>
+              </a:cxn>
+              <a:cxn ang="0">
+                <a:pos x="connsiteX12" y="connsiteY12"/>
+              </a:cxn>
+              <a:cxn ang="0">
+                <a:pos x="connsiteX13" y="connsiteY13"/>
+              </a:cxn>
+              <a:cxn ang="0">
+                <a:pos x="connsiteX14" y="connsiteY14"/>
+              </a:cxn>
+              <a:cxn ang="0">
+                <a:pos x="connsiteX15" y="connsiteY15"/>
+              </a:cxn>
+              <a:cxn ang="0">
+                <a:pos x="connsiteX16" y="connsiteY16"/>
+              </a:cxn>
+              <a:cxn ang="0">
+                <a:pos x="connsiteX17" y="connsiteY17"/>
+              </a:cxn>
+              <a:cxn ang="0">
+                <a:pos x="connsiteX18" y="connsiteY18"/>
+              </a:cxn>
+              <a:cxn ang="0">
+                <a:pos x="connsiteX19" y="connsiteY19"/>
+              </a:cxn>
+              <a:cxn ang="0">
+                <a:pos x="connsiteX20" y="connsiteY20"/>
+              </a:cxn>
+              <a:cxn ang="0">
+                <a:pos x="connsiteX21" y="connsiteY21"/>
+              </a:cxn>
+              <a:cxn ang="0">
+                <a:pos x="connsiteX22" y="connsiteY22"/>
+              </a:cxn>
+              <a:cxn ang="0">
+                <a:pos x="connsiteX23" y="connsiteY23"/>
+              </a:cxn>
+              <a:cxn ang="0">
+                <a:pos x="connsiteX24" y="connsiteY24"/>
+              </a:cxn>
+              <a:cxn ang="0">
+                <a:pos x="connsiteX25" y="connsiteY25"/>
+              </a:cxn>
+              <a:cxn ang="0">
+                <a:pos x="connsiteX26" y="connsiteY26"/>
+              </a:cxn>
+              <a:cxn ang="0">
+                <a:pos x="connsiteX27" y="connsiteY27"/>
+              </a:cxn>
+              <a:cxn ang="0">
+                <a:pos x="connsiteX28" y="connsiteY28"/>
+              </a:cxn>
+            </a:cxnLst>
+            <a:rect l="l" t="t" r="r" b="b"/>
+            <a:pathLst>
+              <a:path w="1682602" h="1683908">
+                <a:moveTo>
+                  <a:pt x="894803" y="0"/>
+                </a:moveTo>
+                <a:lnTo>
+                  <a:pt x="927701" y="1661"/>
+                </a:lnTo>
+                <a:cubicBezTo>
+                  <a:pt x="1325411" y="42051"/>
+                  <a:pt x="1641589" y="358230"/>
+                  <a:pt x="1681978" y="755939"/>
+                </a:cubicBezTo>
+                <a:lnTo>
+                  <a:pt x="1682464" y="765555"/>
+                </a:lnTo>
+                <a:lnTo>
+                  <a:pt x="1672259" y="798429"/>
+                </a:lnTo>
+                <a:cubicBezTo>
+                  <a:pt x="1669462" y="812097"/>
+                  <a:pt x="1667993" y="826248"/>
+                  <a:pt x="1667993" y="840743"/>
+                </a:cubicBezTo>
+                <a:cubicBezTo>
+                  <a:pt x="1667993" y="855238"/>
+                  <a:pt x="1669462" y="869390"/>
+                  <a:pt x="1672259" y="883057"/>
+                </a:cubicBezTo>
+                <a:lnTo>
+                  <a:pt x="1682602" y="916378"/>
+                </a:lnTo>
+                <a:lnTo>
+                  <a:pt x="1681978" y="928739"/>
+                </a:lnTo>
+                <a:cubicBezTo>
+                  <a:pt x="1641589" y="1326449"/>
+                  <a:pt x="1325411" y="1642628"/>
+                  <a:pt x="927701" y="1683017"/>
+                </a:cubicBezTo>
+                <a:lnTo>
+                  <a:pt x="910068" y="1683908"/>
+                </a:lnTo>
+                <a:lnTo>
+                  <a:pt x="883615" y="1675696"/>
+                </a:lnTo>
+                <a:cubicBezTo>
+                  <a:pt x="869948" y="1672899"/>
+                  <a:pt x="855796" y="1671430"/>
+                  <a:pt x="841301" y="1671430"/>
+                </a:cubicBezTo>
+                <a:cubicBezTo>
+                  <a:pt x="826806" y="1671430"/>
+                  <a:pt x="812655" y="1672899"/>
+                  <a:pt x="798987" y="1675696"/>
+                </a:cubicBezTo>
+                <a:lnTo>
+                  <a:pt x="772534" y="1683908"/>
+                </a:lnTo>
+                <a:lnTo>
+                  <a:pt x="754901" y="1683017"/>
+                </a:lnTo>
+                <a:cubicBezTo>
+                  <a:pt x="357192" y="1642628"/>
+                  <a:pt x="41013" y="1326449"/>
+                  <a:pt x="624" y="928739"/>
+                </a:cubicBezTo>
+                <a:lnTo>
+                  <a:pt x="0" y="916381"/>
+                </a:lnTo>
+                <a:lnTo>
+                  <a:pt x="10344" y="883057"/>
+                </a:lnTo>
+                <a:cubicBezTo>
+                  <a:pt x="13141" y="869390"/>
+                  <a:pt x="14610" y="855238"/>
+                  <a:pt x="14610" y="840743"/>
+                </a:cubicBezTo>
+                <a:cubicBezTo>
+                  <a:pt x="14610" y="826248"/>
+                  <a:pt x="13141" y="812097"/>
+                  <a:pt x="10344" y="798429"/>
+                </a:cubicBezTo>
+                <a:lnTo>
+                  <a:pt x="139" y="765552"/>
+                </a:lnTo>
+                <a:lnTo>
+                  <a:pt x="624" y="755939"/>
+                </a:lnTo>
+                <a:cubicBezTo>
+                  <a:pt x="41013" y="358230"/>
+                  <a:pt x="357192" y="42051"/>
+                  <a:pt x="754901" y="1661"/>
+                </a:cubicBezTo>
+                <a:lnTo>
+                  <a:pt x="757268" y="1542"/>
+                </a:lnTo>
+                <a:lnTo>
+                  <a:pt x="781238" y="8982"/>
+                </a:lnTo>
+                <a:cubicBezTo>
+                  <a:pt x="794906" y="11779"/>
+                  <a:pt x="809057" y="13248"/>
+                  <a:pt x="823552" y="13248"/>
+                </a:cubicBezTo>
+                <a:cubicBezTo>
+                  <a:pt x="838047" y="13248"/>
+                  <a:pt x="852199" y="11779"/>
+                  <a:pt x="865866" y="8982"/>
+                </a:cubicBezTo>
+                <a:lnTo>
+                  <a:pt x="894803" y="0"/>
+                </a:lnTo>
+                <a:close/>
+              </a:path>
+            </a:pathLst>
+          </a:custGeom>
+          <a:ln>
+            <a:noFill/>
+          </a:ln>
+        </p:spPr>
+        <p:style>
+          <a:lnRef idx="2">
+            <a:schemeClr val="accent1">
+              <a:shade val="50000"/>
+            </a:schemeClr>
+          </a:lnRef>
+          <a:fillRef idx="1">
+            <a:schemeClr val="accent1"/>
+          </a:fillRef>
+          <a:effectRef idx="0">
+            <a:schemeClr val="accent1"/>
+          </a:effectRef>
+          <a:fontRef idx="minor">
+            <a:schemeClr val="lt1"/>
+          </a:fontRef>
+        </p:style>
+        <p:txBody>
+          <a:bodyPr wrap="square" rtlCol="0" anchor="ctr">
+            <a:noAutofit/>
+          </a:bodyPr>
+          <a:lstStyle/>
+          <a:p>
+            <a:pPr algn="ctr"/>
+            <a:endParaRPr lang="zh-CN" altLang="en-US" dirty="0"/>
+          </a:p>
+        </p:txBody>
+      </p:sp>
+      <p:grpSp>
+        <p:nvGrpSpPr>
+          <p:cNvPr id="105" name="组合 104">
+            <a:extLst>
+              <a:ext uri="{FF2B5EF4-FFF2-40B4-BE49-F238E27FC236}">
+                <a16:creationId xmlns:a16="http://schemas.microsoft.com/office/drawing/2014/main" id="{5A058A1C-010B-41EF-8A7C-1DEB06A49559}"/>
+              </a:ext>
+            </a:extLst>
+          </p:cNvPr>
+          <p:cNvGrpSpPr/>
+          <p:nvPr/>
+        </p:nvGrpSpPr>
+        <p:grpSpPr>
+          <a:xfrm rot="13444228">
+            <a:off x="285071" y="3347917"/>
+            <a:ext cx="2476671" cy="2476672"/>
+            <a:chOff x="292706" y="3349826"/>
+            <a:chExt cx="2476671" cy="2476672"/>
+          </a:xfrm>
+        </p:grpSpPr>
+        <p:sp>
+          <p:nvSpPr>
+            <p:cNvPr id="94" name="任意多边形: 形状 93">
+              <a:extLst>
+                <a:ext uri="{FF2B5EF4-FFF2-40B4-BE49-F238E27FC236}">
+                  <a16:creationId xmlns:a16="http://schemas.microsoft.com/office/drawing/2014/main" id="{1B90F79C-18A0-427B-A63F-582A5CBCC31C}"/>
+                </a:ext>
+              </a:extLst>
+            </p:cNvPr>
+            <p:cNvSpPr/>
+            <p:nvPr/>
+          </p:nvSpPr>
+          <p:spPr>
+            <a:xfrm>
+              <a:off x="296132" y="3349826"/>
+              <a:ext cx="1427119" cy="1170467"/>
+            </a:xfrm>
+            <a:custGeom>
+              <a:avLst/>
+              <a:gdLst>
+                <a:gd name="connsiteX0" fmla="*/ 1234909 w 1427119"/>
+                <a:gd name="connsiteY0" fmla="*/ 0 h 1170467"/>
+                <a:gd name="connsiteX1" fmla="*/ 1288902 w 1427119"/>
+                <a:gd name="connsiteY1" fmla="*/ 2726 h 1170467"/>
+                <a:gd name="connsiteX2" fmla="*/ 1298885 w 1427119"/>
+                <a:gd name="connsiteY2" fmla="*/ 5825 h 1170467"/>
+                <a:gd name="connsiteX3" fmla="*/ 1427119 w 1427119"/>
+                <a:gd name="connsiteY3" fmla="*/ 199285 h 1170467"/>
+                <a:gd name="connsiteX4" fmla="*/ 1298885 w 1427119"/>
+                <a:gd name="connsiteY4" fmla="*/ 392745 h 1170467"/>
+                <a:gd name="connsiteX5" fmla="*/ 1288410 w 1427119"/>
+                <a:gd name="connsiteY5" fmla="*/ 395997 h 1170467"/>
+                <a:gd name="connsiteX6" fmla="*/ 1234908 w 1427119"/>
+                <a:gd name="connsiteY6" fmla="*/ 393295 h 1170467"/>
+                <a:gd name="connsiteX7" fmla="*/ 1150875 w 1427119"/>
+                <a:gd name="connsiteY7" fmla="*/ 397539 h 1170467"/>
+                <a:gd name="connsiteX8" fmla="*/ 1150872 w 1427119"/>
+                <a:gd name="connsiteY8" fmla="*/ 397538 h 1170467"/>
+                <a:gd name="connsiteX9" fmla="*/ 1148508 w 1427119"/>
+                <a:gd name="connsiteY9" fmla="*/ 397657 h 1170467"/>
+                <a:gd name="connsiteX10" fmla="*/ 394231 w 1427119"/>
+                <a:gd name="connsiteY10" fmla="*/ 1151935 h 1170467"/>
+                <a:gd name="connsiteX11" fmla="*/ 393746 w 1427119"/>
+                <a:gd name="connsiteY11" fmla="*/ 1161548 h 1170467"/>
+                <a:gd name="connsiteX12" fmla="*/ 391717 w 1427119"/>
+                <a:gd name="connsiteY12" fmla="*/ 1155013 h 1170467"/>
+                <a:gd name="connsiteX13" fmla="*/ 198257 w 1427119"/>
+                <a:gd name="connsiteY13" fmla="*/ 1026779 h 1170467"/>
+                <a:gd name="connsiteX14" fmla="*/ 4797 w 1427119"/>
+                <a:gd name="connsiteY14" fmla="*/ 1155013 h 1170467"/>
+                <a:gd name="connsiteX15" fmla="*/ 0 w 1427119"/>
+                <a:gd name="connsiteY15" fmla="*/ 1170467 h 1170467"/>
+                <a:gd name="connsiteX16" fmla="*/ 2966 w 1427119"/>
+                <a:gd name="connsiteY16" fmla="*/ 1111722 h 1170467"/>
+                <a:gd name="connsiteX17" fmla="*/ 1108296 w 1427119"/>
+                <a:gd name="connsiteY17" fmla="*/ 6392 h 1170467"/>
+                <a:gd name="connsiteX18" fmla="*/ 1138519 w 1427119"/>
+                <a:gd name="connsiteY18" fmla="*/ 4866 h 1170467"/>
+                <a:gd name="connsiteX19" fmla="*/ 1135433 w 1427119"/>
+                <a:gd name="connsiteY19" fmla="*/ 5824 h 1170467"/>
+                <a:gd name="connsiteX20" fmla="*/ 1007199 w 1427119"/>
+                <a:gd name="connsiteY20" fmla="*/ 199284 h 1170467"/>
+                <a:gd name="connsiteX21" fmla="*/ 1007199 w 1427119"/>
+                <a:gd name="connsiteY21" fmla="*/ 199285 h 1170467"/>
+                <a:gd name="connsiteX22" fmla="*/ 1016638 w 1427119"/>
+                <a:gd name="connsiteY22" fmla="*/ 136850 h 1170467"/>
+                <a:gd name="connsiteX23" fmla="*/ 1135433 w 1427119"/>
+                <a:gd name="connsiteY23" fmla="*/ 5825 h 1170467"/>
+                <a:gd name="connsiteX24" fmla="*/ 1138519 w 1427119"/>
+                <a:gd name="connsiteY24" fmla="*/ 4867 h 1170467"/>
+              </a:gdLst>
+              <a:ahLst/>
+              <a:cxnLst>
+                <a:cxn ang="0">
+                  <a:pos x="connsiteX0" y="connsiteY0"/>
+                </a:cxn>
+                <a:cxn ang="0">
+                  <a:pos x="connsiteX1" y="connsiteY1"/>
+                </a:cxn>
+                <a:cxn ang="0">
+                  <a:pos x="connsiteX2" y="connsiteY2"/>
+                </a:cxn>
+                <a:cxn ang="0">
+                  <a:pos x="connsiteX3" y="connsiteY3"/>
+                </a:cxn>
+                <a:cxn ang="0">
+                  <a:pos x="connsiteX4" y="connsiteY4"/>
+                </a:cxn>
+                <a:cxn ang="0">
+                  <a:pos x="connsiteX5" y="connsiteY5"/>
+                </a:cxn>
+                <a:cxn ang="0">
+                  <a:pos x="connsiteX6" y="connsiteY6"/>
+                </a:cxn>
+                <a:cxn ang="0">
+                  <a:pos x="connsiteX7" y="connsiteY7"/>
+                </a:cxn>
+                <a:cxn ang="0">
+                  <a:pos x="connsiteX8" y="connsiteY8"/>
+                </a:cxn>
+                <a:cxn ang="0">
+                  <a:pos x="connsiteX9" y="connsiteY9"/>
+                </a:cxn>
+                <a:cxn ang="0">
+                  <a:pos x="connsiteX10" y="connsiteY10"/>
+                </a:cxn>
+                <a:cxn ang="0">
+                  <a:pos x="connsiteX11" y="connsiteY11"/>
+                </a:cxn>
+                <a:cxn ang="0">
+                  <a:pos x="connsiteX12" y="connsiteY12"/>
+                </a:cxn>
+                <a:cxn ang="0">
+                  <a:pos x="connsiteX13" y="connsiteY13"/>
+                </a:cxn>
+                <a:cxn ang="0">
+                  <a:pos x="connsiteX14" y="connsiteY14"/>
+                </a:cxn>
+                <a:cxn ang="0">
+                  <a:pos x="connsiteX15" y="connsiteY15"/>
+                </a:cxn>
+                <a:cxn ang="0">
+                  <a:pos x="connsiteX16" y="connsiteY16"/>
+                </a:cxn>
+                <a:cxn ang="0">
+                  <a:pos x="connsiteX17" y="connsiteY17"/>
+                </a:cxn>
+                <a:cxn ang="0">
+                  <a:pos x="connsiteX18" y="connsiteY18"/>
+                </a:cxn>
+                <a:cxn ang="0">
+                  <a:pos x="connsiteX19" y="connsiteY19"/>
+                </a:cxn>
+                <a:cxn ang="0">
+                  <a:pos x="connsiteX20" y="connsiteY20"/>
+                </a:cxn>
+                <a:cxn ang="0">
+                  <a:pos x="connsiteX21" y="connsiteY21"/>
+                </a:cxn>
+                <a:cxn ang="0">
+                  <a:pos x="connsiteX22" y="connsiteY22"/>
+                </a:cxn>
+                <a:cxn ang="0">
+                  <a:pos x="connsiteX23" y="connsiteY23"/>
+                </a:cxn>
+                <a:cxn ang="0">
+                  <a:pos x="connsiteX24" y="connsiteY24"/>
+                </a:cxn>
+              </a:cxnLst>
+              <a:rect l="l" t="t" r="r" b="b"/>
+              <a:pathLst>
+                <a:path w="1427119" h="1170467">
+                  <a:moveTo>
+                    <a:pt x="1234909" y="0"/>
+                  </a:moveTo>
+                  <a:lnTo>
+                    <a:pt x="1288902" y="2726"/>
+                  </a:lnTo>
+                  <a:lnTo>
+                    <a:pt x="1298885" y="5825"/>
+                  </a:lnTo>
+                  <a:cubicBezTo>
+                    <a:pt x="1374243" y="37698"/>
+                    <a:pt x="1427119" y="112317"/>
+                    <a:pt x="1427119" y="199285"/>
+                  </a:cubicBezTo>
+                  <a:cubicBezTo>
+                    <a:pt x="1427119" y="286254"/>
+                    <a:pt x="1374243" y="360872"/>
+                    <a:pt x="1298885" y="392745"/>
+                  </a:cubicBezTo>
+                  <a:lnTo>
+                    <a:pt x="1288410" y="395997"/>
+                  </a:lnTo>
+                  <a:lnTo>
+                    <a:pt x="1234908" y="393295"/>
+                  </a:lnTo>
+                  <a:lnTo>
+                    <a:pt x="1150875" y="397539"/>
+                  </a:lnTo>
+                  <a:lnTo>
+                    <a:pt x="1150872" y="397538"/>
+                  </a:lnTo>
+                  <a:lnTo>
+                    <a:pt x="1148508" y="397657"/>
+                  </a:lnTo>
+                  <a:cubicBezTo>
+                    <a:pt x="750799" y="438047"/>
+                    <a:pt x="434620" y="754226"/>
+                    <a:pt x="394231" y="1151935"/>
+                  </a:cubicBezTo>
+                  <a:lnTo>
+                    <a:pt x="393746" y="1161548"/>
+                  </a:lnTo>
+                  <a:lnTo>
+                    <a:pt x="391717" y="1155013"/>
+                  </a:lnTo>
+                  <a:cubicBezTo>
+                    <a:pt x="359844" y="1079655"/>
+                    <a:pt x="285225" y="1026779"/>
+                    <a:pt x="198257" y="1026779"/>
+                  </a:cubicBezTo>
+                  <a:cubicBezTo>
+                    <a:pt x="111288" y="1026779"/>
+                    <a:pt x="36670" y="1079655"/>
+                    <a:pt x="4797" y="1155013"/>
+                  </a:cubicBezTo>
+                  <a:lnTo>
+                    <a:pt x="0" y="1170467"/>
+                  </a:lnTo>
+                  <a:lnTo>
+                    <a:pt x="2966" y="1111722"/>
+                  </a:lnTo>
+                  <a:cubicBezTo>
+                    <a:pt x="62154" y="528913"/>
+                    <a:pt x="525487" y="65580"/>
+                    <a:pt x="1108296" y="6392"/>
+                  </a:cubicBezTo>
+                  <a:lnTo>
+                    <a:pt x="1138519" y="4866"/>
+                  </a:lnTo>
+                  <a:lnTo>
+                    <a:pt x="1135433" y="5824"/>
+                  </a:lnTo>
+                  <a:cubicBezTo>
+                    <a:pt x="1060075" y="37697"/>
+                    <a:pt x="1007199" y="112316"/>
+                    <a:pt x="1007199" y="199284"/>
+                  </a:cubicBezTo>
+                  <a:lnTo>
+                    <a:pt x="1007199" y="199285"/>
+                  </a:lnTo>
+                  <a:lnTo>
+                    <a:pt x="1016638" y="136850"/>
+                  </a:lnTo>
+                  <a:cubicBezTo>
+                    <a:pt x="1035042" y="77679"/>
+                    <a:pt x="1078915" y="29730"/>
+                    <a:pt x="1135433" y="5825"/>
+                  </a:cubicBezTo>
+                  <a:lnTo>
+                    <a:pt x="1138519" y="4867"/>
+                  </a:lnTo>
+                  <a:close/>
+                </a:path>
+              </a:pathLst>
+            </a:custGeom>
+            <a:gradFill flip="none" rotWithShape="1">
+              <a:gsLst>
+                <a:gs pos="0">
+                  <a:schemeClr val="accent5">
+                    <a:lumMod val="60000"/>
+                    <a:lumOff val="40000"/>
+                    <a:tint val="66000"/>
+                    <a:satMod val="160000"/>
+                  </a:schemeClr>
+                </a:gs>
+                <a:gs pos="50000">
+                  <a:schemeClr val="accent5">
+                    <a:lumMod val="60000"/>
+                    <a:lumOff val="40000"/>
+                    <a:tint val="44500"/>
+                    <a:satMod val="160000"/>
+                  </a:schemeClr>
+                </a:gs>
+                <a:gs pos="100000">
+                  <a:schemeClr val="accent5">
+                    <a:lumMod val="60000"/>
+                    <a:lumOff val="40000"/>
+                    <a:tint val="23500"/>
+                    <a:satMod val="160000"/>
+                  </a:schemeClr>
+                </a:gs>
+              </a:gsLst>
+              <a:lin ang="5400000" scaled="1"/>
+              <a:tileRect/>
+            </a:gradFill>
+            <a:ln>
+              <a:noFill/>
+            </a:ln>
+          </p:spPr>
+          <p:style>
+            <a:lnRef idx="2">
+              <a:schemeClr val="accent1">
+                <a:shade val="50000"/>
+              </a:schemeClr>
+            </a:lnRef>
+            <a:fillRef idx="1">
+              <a:schemeClr val="accent1"/>
+            </a:fillRef>
+            <a:effectRef idx="0">
+              <a:schemeClr val="accent1"/>
+            </a:effectRef>
+            <a:fontRef idx="minor">
+              <a:schemeClr val="lt1"/>
+            </a:fontRef>
+          </p:style>
+          <p:txBody>
+            <a:bodyPr wrap="square" rtlCol="0" anchor="ctr">
+              <a:noAutofit/>
+            </a:bodyPr>
+            <a:lstStyle/>
+            <a:p>
+              <a:pPr algn="ctr"/>
+              <a:endParaRPr lang="zh-CN" altLang="en-US" dirty="0"/>
+            </a:p>
+          </p:txBody>
+        </p:sp>
+        <p:sp>
+          <p:nvSpPr>
+            <p:cNvPr id="95" name="任意多边形: 形状 94">
+              <a:extLst>
+                <a:ext uri="{FF2B5EF4-FFF2-40B4-BE49-F238E27FC236}">
+                  <a16:creationId xmlns:a16="http://schemas.microsoft.com/office/drawing/2014/main" id="{C4BFB4EE-8C97-4EF9-B021-8EE9FE00E6CD}"/>
+                </a:ext>
+              </a:extLst>
+            </p:cNvPr>
+            <p:cNvSpPr/>
+            <p:nvPr/>
+          </p:nvSpPr>
+          <p:spPr>
+            <a:xfrm>
+              <a:off x="292706" y="4376605"/>
+              <a:ext cx="1169567" cy="1446096"/>
+            </a:xfrm>
+            <a:custGeom>
+              <a:avLst/>
+              <a:gdLst>
+                <a:gd name="connsiteX0" fmla="*/ 201684 w 1169567"/>
+                <a:gd name="connsiteY0" fmla="*/ 0 h 1446096"/>
+                <a:gd name="connsiteX1" fmla="*/ 395144 w 1169567"/>
+                <a:gd name="connsiteY1" fmla="*/ 128234 h 1446096"/>
+                <a:gd name="connsiteX2" fmla="*/ 397173 w 1169567"/>
+                <a:gd name="connsiteY2" fmla="*/ 134769 h 1446096"/>
+                <a:gd name="connsiteX3" fmla="*/ 393295 w 1169567"/>
+                <a:gd name="connsiteY3" fmla="*/ 211556 h 1446096"/>
+                <a:gd name="connsiteX4" fmla="*/ 397034 w 1169567"/>
+                <a:gd name="connsiteY4" fmla="*/ 285598 h 1446096"/>
+                <a:gd name="connsiteX5" fmla="*/ 397033 w 1169567"/>
+                <a:gd name="connsiteY5" fmla="*/ 285601 h 1446096"/>
+                <a:gd name="connsiteX6" fmla="*/ 397657 w 1169567"/>
+                <a:gd name="connsiteY6" fmla="*/ 297956 h 1446096"/>
+                <a:gd name="connsiteX7" fmla="*/ 1151934 w 1169567"/>
+                <a:gd name="connsiteY7" fmla="*/ 1052234 h 1446096"/>
+                <a:gd name="connsiteX8" fmla="*/ 1169567 w 1169567"/>
+                <a:gd name="connsiteY8" fmla="*/ 1053125 h 1446096"/>
+                <a:gd name="connsiteX9" fmla="*/ 1156608 w 1169567"/>
+                <a:gd name="connsiteY9" fmla="*/ 1057147 h 1446096"/>
+                <a:gd name="connsiteX10" fmla="*/ 1028374 w 1169567"/>
+                <a:gd name="connsiteY10" fmla="*/ 1250607 h 1446096"/>
+                <a:gd name="connsiteX11" fmla="*/ 1156608 w 1169567"/>
+                <a:gd name="connsiteY11" fmla="*/ 1444067 h 1446096"/>
+                <a:gd name="connsiteX12" fmla="*/ 1163142 w 1169567"/>
+                <a:gd name="connsiteY12" fmla="*/ 1446096 h 1446096"/>
+                <a:gd name="connsiteX13" fmla="*/ 1111722 w 1169567"/>
+                <a:gd name="connsiteY13" fmla="*/ 1443499 h 1446096"/>
+                <a:gd name="connsiteX14" fmla="*/ 6392 w 1169567"/>
+                <a:gd name="connsiteY14" fmla="*/ 338169 h 1446096"/>
+                <a:gd name="connsiteX15" fmla="*/ 3233 w 1169567"/>
+                <a:gd name="connsiteY15" fmla="*/ 275612 h 1446096"/>
+                <a:gd name="connsiteX16" fmla="*/ 8223 w 1169567"/>
+                <a:gd name="connsiteY16" fmla="*/ 291686 h 1446096"/>
+                <a:gd name="connsiteX17" fmla="*/ 201683 w 1169567"/>
+                <a:gd name="connsiteY17" fmla="*/ 419920 h 1446096"/>
+                <a:gd name="connsiteX18" fmla="*/ 201684 w 1169567"/>
+                <a:gd name="connsiteY18" fmla="*/ 419920 h 1446096"/>
+                <a:gd name="connsiteX19" fmla="*/ 139248 w 1169567"/>
+                <a:gd name="connsiteY19" fmla="*/ 410481 h 1446096"/>
+                <a:gd name="connsiteX20" fmla="*/ 8224 w 1169567"/>
+                <a:gd name="connsiteY20" fmla="*/ 291686 h 1446096"/>
+                <a:gd name="connsiteX21" fmla="*/ 3234 w 1169567"/>
+                <a:gd name="connsiteY21" fmla="*/ 275612 h 1446096"/>
+                <a:gd name="connsiteX22" fmla="*/ 0 w 1169567"/>
+                <a:gd name="connsiteY22" fmla="*/ 211556 h 1446096"/>
+                <a:gd name="connsiteX23" fmla="*/ 3427 w 1169567"/>
+                <a:gd name="connsiteY23" fmla="*/ 143688 h 1446096"/>
+                <a:gd name="connsiteX24" fmla="*/ 8224 w 1169567"/>
+                <a:gd name="connsiteY24" fmla="*/ 128234 h 1446096"/>
+                <a:gd name="connsiteX25" fmla="*/ 201684 w 1169567"/>
+                <a:gd name="connsiteY25" fmla="*/ 0 h 1446096"/>
+              </a:gdLst>
+              <a:ahLst/>
+              <a:cxnLst>
+                <a:cxn ang="0">
+                  <a:pos x="connsiteX0" y="connsiteY0"/>
+                </a:cxn>
+                <a:cxn ang="0">
+                  <a:pos x="connsiteX1" y="connsiteY1"/>
+                </a:cxn>
+                <a:cxn ang="0">
+                  <a:pos x="connsiteX2" y="connsiteY2"/>
+                </a:cxn>
+                <a:cxn ang="0">
+                  <a:pos x="connsiteX3" y="connsiteY3"/>
+                </a:cxn>
+                <a:cxn ang="0">
+                  <a:pos x="connsiteX4" y="connsiteY4"/>
+                </a:cxn>
+                <a:cxn ang="0">
+                  <a:pos x="connsiteX5" y="connsiteY5"/>
+                </a:cxn>
+                <a:cxn ang="0">
+                  <a:pos x="connsiteX6" y="connsiteY6"/>
+                </a:cxn>
+                <a:cxn ang="0">
+                  <a:pos x="connsiteX7" y="connsiteY7"/>
+                </a:cxn>
+                <a:cxn ang="0">
+                  <a:pos x="connsiteX8" y="connsiteY8"/>
+                </a:cxn>
+                <a:cxn ang="0">
+                  <a:pos x="connsiteX9" y="connsiteY9"/>
+                </a:cxn>
+                <a:cxn ang="0">
+                  <a:pos x="connsiteX10" y="connsiteY10"/>
+                </a:cxn>
+                <a:cxn ang="0">
+                  <a:pos x="connsiteX11" y="connsiteY11"/>
+                </a:cxn>
+                <a:cxn ang="0">
+                  <a:pos x="connsiteX12" y="connsiteY12"/>
+                </a:cxn>
+                <a:cxn ang="0">
+                  <a:pos x="connsiteX13" y="connsiteY13"/>
+                </a:cxn>
+                <a:cxn ang="0">
+                  <a:pos x="connsiteX14" y="connsiteY14"/>
+                </a:cxn>
+                <a:cxn ang="0">
+                  <a:pos x="connsiteX15" y="connsiteY15"/>
+                </a:cxn>
+                <a:cxn ang="0">
+                  <a:pos x="connsiteX16" y="connsiteY16"/>
+                </a:cxn>
+                <a:cxn ang="0">
+                  <a:pos x="connsiteX17" y="connsiteY17"/>
+                </a:cxn>
+                <a:cxn ang="0">
+                  <a:pos x="connsiteX18" y="connsiteY18"/>
+                </a:cxn>
+                <a:cxn ang="0">
+                  <a:pos x="connsiteX19" y="connsiteY19"/>
+                </a:cxn>
+                <a:cxn ang="0">
+                  <a:pos x="connsiteX20" y="connsiteY20"/>
+                </a:cxn>
+                <a:cxn ang="0">
+                  <a:pos x="connsiteX21" y="connsiteY21"/>
+                </a:cxn>
+                <a:cxn ang="0">
+                  <a:pos x="connsiteX22" y="connsiteY22"/>
+                </a:cxn>
+                <a:cxn ang="0">
+                  <a:pos x="connsiteX23" y="connsiteY23"/>
+                </a:cxn>
+                <a:cxn ang="0">
+                  <a:pos x="connsiteX24" y="connsiteY24"/>
+                </a:cxn>
+                <a:cxn ang="0">
+                  <a:pos x="connsiteX25" y="connsiteY25"/>
+                </a:cxn>
+              </a:cxnLst>
+              <a:rect l="l" t="t" r="r" b="b"/>
+              <a:pathLst>
+                <a:path w="1169567" h="1446096">
+                  <a:moveTo>
+                    <a:pt x="201684" y="0"/>
+                  </a:moveTo>
+                  <a:cubicBezTo>
+                    <a:pt x="288652" y="0"/>
+                    <a:pt x="363271" y="52876"/>
+                    <a:pt x="395144" y="128234"/>
+                  </a:cubicBezTo>
+                  <a:lnTo>
+                    <a:pt x="397173" y="134769"/>
+                  </a:lnTo>
+                  <a:lnTo>
+                    <a:pt x="393295" y="211556"/>
+                  </a:lnTo>
+                  <a:lnTo>
+                    <a:pt x="397034" y="285598"/>
+                  </a:lnTo>
+                  <a:lnTo>
+                    <a:pt x="397033" y="285601"/>
+                  </a:lnTo>
+                  <a:lnTo>
+                    <a:pt x="397657" y="297956"/>
+                  </a:lnTo>
+                  <a:cubicBezTo>
+                    <a:pt x="438046" y="695666"/>
+                    <a:pt x="754225" y="1011845"/>
+                    <a:pt x="1151934" y="1052234"/>
+                  </a:cubicBezTo>
+                  <a:lnTo>
+                    <a:pt x="1169567" y="1053125"/>
+                  </a:lnTo>
+                  <a:lnTo>
+                    <a:pt x="1156608" y="1057147"/>
+                  </a:lnTo>
+                  <a:cubicBezTo>
+                    <a:pt x="1081250" y="1089020"/>
+                    <a:pt x="1028374" y="1163639"/>
+                    <a:pt x="1028374" y="1250607"/>
+                  </a:cubicBezTo>
+                  <a:cubicBezTo>
+                    <a:pt x="1028374" y="1337576"/>
+                    <a:pt x="1081250" y="1412194"/>
+                    <a:pt x="1156608" y="1444067"/>
+                  </a:cubicBezTo>
+                  <a:lnTo>
+                    <a:pt x="1163142" y="1446096"/>
+                  </a:lnTo>
+                  <a:lnTo>
+                    <a:pt x="1111722" y="1443499"/>
+                  </a:lnTo>
+                  <a:cubicBezTo>
+                    <a:pt x="528913" y="1384311"/>
+                    <a:pt x="65580" y="920978"/>
+                    <a:pt x="6392" y="338169"/>
+                  </a:cubicBezTo>
+                  <a:lnTo>
+                    <a:pt x="3233" y="275612"/>
+                  </a:lnTo>
+                  <a:lnTo>
+                    <a:pt x="8223" y="291686"/>
+                  </a:lnTo>
+                  <a:cubicBezTo>
+                    <a:pt x="40096" y="367044"/>
+                    <a:pt x="114714" y="419920"/>
+                    <a:pt x="201683" y="419920"/>
+                  </a:cubicBezTo>
+                  <a:lnTo>
+                    <a:pt x="201684" y="419920"/>
+                  </a:lnTo>
+                  <a:lnTo>
+                    <a:pt x="139248" y="410481"/>
+                  </a:lnTo>
+                  <a:cubicBezTo>
+                    <a:pt x="80078" y="392077"/>
+                    <a:pt x="32129" y="348205"/>
+                    <a:pt x="8224" y="291686"/>
+                  </a:cubicBezTo>
+                  <a:lnTo>
+                    <a:pt x="3234" y="275612"/>
+                  </a:lnTo>
+                  <a:lnTo>
+                    <a:pt x="0" y="211556"/>
+                  </a:lnTo>
+                  <a:lnTo>
+                    <a:pt x="3427" y="143688"/>
+                  </a:lnTo>
+                  <a:lnTo>
+                    <a:pt x="8224" y="128234"/>
+                  </a:lnTo>
+                  <a:cubicBezTo>
+                    <a:pt x="40097" y="52876"/>
+                    <a:pt x="114715" y="0"/>
+                    <a:pt x="201684" y="0"/>
+                  </a:cubicBezTo>
+                  <a:close/>
+                </a:path>
+              </a:pathLst>
+            </a:custGeom>
+            <a:gradFill>
+              <a:gsLst>
+                <a:gs pos="0">
+                  <a:schemeClr val="accent5">
+                    <a:lumMod val="60000"/>
+                    <a:lumOff val="40000"/>
+                    <a:tint val="66000"/>
+                    <a:satMod val="160000"/>
+                  </a:schemeClr>
+                </a:gs>
+                <a:gs pos="50000">
+                  <a:schemeClr val="accent5">
+                    <a:lumMod val="60000"/>
+                    <a:lumOff val="40000"/>
+                    <a:tint val="44500"/>
+                    <a:satMod val="160000"/>
+                  </a:schemeClr>
+                </a:gs>
+                <a:gs pos="100000">
+                  <a:schemeClr val="accent5">
+                    <a:lumMod val="60000"/>
+                    <a:lumOff val="40000"/>
+                    <a:tint val="23500"/>
+                    <a:satMod val="160000"/>
+                  </a:schemeClr>
+                </a:gs>
+              </a:gsLst>
+              <a:lin ang="5400000" scaled="1"/>
+            </a:gradFill>
+            <a:ln>
+              <a:noFill/>
+            </a:ln>
+          </p:spPr>
+          <p:style>
+            <a:lnRef idx="2">
+              <a:schemeClr val="accent1">
+                <a:shade val="50000"/>
+              </a:schemeClr>
+            </a:lnRef>
+            <a:fillRef idx="1">
+              <a:schemeClr val="accent1"/>
+            </a:fillRef>
+            <a:effectRef idx="0">
+              <a:schemeClr val="accent1"/>
+            </a:effectRef>
+            <a:fontRef idx="minor">
+              <a:schemeClr val="lt1"/>
+            </a:fontRef>
+          </p:style>
+          <p:txBody>
+            <a:bodyPr wrap="square" rtlCol="0" anchor="ctr">
+              <a:noAutofit/>
+            </a:bodyPr>
+            <a:lstStyle/>
+            <a:p>
+              <a:pPr algn="ctr"/>
+              <a:endParaRPr lang="zh-CN" altLang="en-US" dirty="0"/>
+            </a:p>
+          </p:txBody>
+        </p:sp>
+        <p:sp>
+          <p:nvSpPr>
+            <p:cNvPr id="96" name="任意多边形: 形状 95">
+              <a:extLst>
+                <a:ext uri="{FF2B5EF4-FFF2-40B4-BE49-F238E27FC236}">
+                  <a16:creationId xmlns:a16="http://schemas.microsoft.com/office/drawing/2014/main" id="{1CEAA093-7462-440E-A750-2C5BD4553981}"/>
+                </a:ext>
+              </a:extLst>
+            </p:cNvPr>
+            <p:cNvSpPr/>
+            <p:nvPr/>
+          </p:nvSpPr>
+          <p:spPr>
+            <a:xfrm>
+              <a:off x="1321080" y="4652213"/>
+              <a:ext cx="1445063" cy="1174285"/>
+            </a:xfrm>
+            <a:custGeom>
+              <a:avLst/>
+              <a:gdLst>
+                <a:gd name="connsiteX0" fmla="*/ 1445063 w 1445063"/>
+                <a:gd name="connsiteY0" fmla="*/ 0 h 1174285"/>
+                <a:gd name="connsiteX1" fmla="*/ 1441904 w 1445063"/>
+                <a:gd name="connsiteY1" fmla="*/ 62561 h 1174285"/>
+                <a:gd name="connsiteX2" fmla="*/ 336574 w 1445063"/>
+                <a:gd name="connsiteY2" fmla="*/ 1167891 h 1174285"/>
+                <a:gd name="connsiteX3" fmla="*/ 285155 w 1445063"/>
+                <a:gd name="connsiteY3" fmla="*/ 1170488 h 1174285"/>
+                <a:gd name="connsiteX4" fmla="*/ 285151 w 1445063"/>
+                <a:gd name="connsiteY4" fmla="*/ 1170489 h 1174285"/>
+                <a:gd name="connsiteX5" fmla="*/ 209961 w 1445063"/>
+                <a:gd name="connsiteY5" fmla="*/ 1174285 h 1174285"/>
+                <a:gd name="connsiteX6" fmla="*/ 134768 w 1445063"/>
+                <a:gd name="connsiteY6" fmla="*/ 1170489 h 1174285"/>
+                <a:gd name="connsiteX7" fmla="*/ 128234 w 1445063"/>
+                <a:gd name="connsiteY7" fmla="*/ 1168460 h 1174285"/>
+                <a:gd name="connsiteX8" fmla="*/ 0 w 1445063"/>
+                <a:gd name="connsiteY8" fmla="*/ 975000 h 1174285"/>
+                <a:gd name="connsiteX9" fmla="*/ 128234 w 1445063"/>
+                <a:gd name="connsiteY9" fmla="*/ 781540 h 1174285"/>
+                <a:gd name="connsiteX10" fmla="*/ 141193 w 1445063"/>
+                <a:gd name="connsiteY10" fmla="*/ 777518 h 1174285"/>
+                <a:gd name="connsiteX11" fmla="*/ 209960 w 1445063"/>
+                <a:gd name="connsiteY11" fmla="*/ 780990 h 1174285"/>
+                <a:gd name="connsiteX12" fmla="*/ 278727 w 1445063"/>
+                <a:gd name="connsiteY12" fmla="*/ 777518 h 1174285"/>
+                <a:gd name="connsiteX13" fmla="*/ 291686 w 1445063"/>
+                <a:gd name="connsiteY13" fmla="*/ 781540 h 1174285"/>
+                <a:gd name="connsiteX14" fmla="*/ 410481 w 1445063"/>
+                <a:gd name="connsiteY14" fmla="*/ 912565 h 1174285"/>
+                <a:gd name="connsiteX15" fmla="*/ 419920 w 1445063"/>
+                <a:gd name="connsiteY15" fmla="*/ 975000 h 1174285"/>
+                <a:gd name="connsiteX16" fmla="*/ 419920 w 1445063"/>
+                <a:gd name="connsiteY16" fmla="*/ 974999 h 1174285"/>
+                <a:gd name="connsiteX17" fmla="*/ 291686 w 1445063"/>
+                <a:gd name="connsiteY17" fmla="*/ 781539 h 1174285"/>
+                <a:gd name="connsiteX18" fmla="*/ 278727 w 1445063"/>
+                <a:gd name="connsiteY18" fmla="*/ 777517 h 1174285"/>
+                <a:gd name="connsiteX19" fmla="*/ 296360 w 1445063"/>
+                <a:gd name="connsiteY19" fmla="*/ 776626 h 1174285"/>
+                <a:gd name="connsiteX20" fmla="*/ 1050637 w 1445063"/>
+                <a:gd name="connsiteY20" fmla="*/ 22348 h 1174285"/>
+                <a:gd name="connsiteX21" fmla="*/ 1051261 w 1445063"/>
+                <a:gd name="connsiteY21" fmla="*/ 9987 h 1174285"/>
+                <a:gd name="connsiteX22" fmla="*/ 1053152 w 1445063"/>
+                <a:gd name="connsiteY22" fmla="*/ 16078 h 1174285"/>
+                <a:gd name="connsiteX23" fmla="*/ 1246612 w 1445063"/>
+                <a:gd name="connsiteY23" fmla="*/ 144312 h 1174285"/>
+                <a:gd name="connsiteX24" fmla="*/ 1440072 w 1445063"/>
+                <a:gd name="connsiteY24" fmla="*/ 16078 h 1174285"/>
+              </a:gdLst>
+              <a:ahLst/>
+              <a:cxnLst>
+                <a:cxn ang="0">
+                  <a:pos x="connsiteX0" y="connsiteY0"/>
+                </a:cxn>
+                <a:cxn ang="0">
+                  <a:pos x="connsiteX1" y="connsiteY1"/>
+                </a:cxn>
+                <a:cxn ang="0">
+                  <a:pos x="connsiteX2" y="connsiteY2"/>
+                </a:cxn>
+                <a:cxn ang="0">
+                  <a:pos x="connsiteX3" y="connsiteY3"/>
+                </a:cxn>
+                <a:cxn ang="0">
+                  <a:pos x="connsiteX4" y="connsiteY4"/>
+                </a:cxn>
+                <a:cxn ang="0">
+                  <a:pos x="connsiteX5" y="connsiteY5"/>
+                </a:cxn>
+                <a:cxn ang="0">
+                  <a:pos x="connsiteX6" y="connsiteY6"/>
+                </a:cxn>
+                <a:cxn ang="0">
+                  <a:pos x="connsiteX7" y="connsiteY7"/>
+                </a:cxn>
+                <a:cxn ang="0">
+                  <a:pos x="connsiteX8" y="connsiteY8"/>
+                </a:cxn>
+                <a:cxn ang="0">
+                  <a:pos x="connsiteX9" y="connsiteY9"/>
+                </a:cxn>
+                <a:cxn ang="0">
+                  <a:pos x="connsiteX10" y="connsiteY10"/>
+                </a:cxn>
+                <a:cxn ang="0">
+                  <a:pos x="connsiteX11" y="connsiteY11"/>
+                </a:cxn>
+                <a:cxn ang="0">
+                  <a:pos x="connsiteX12" y="connsiteY12"/>
+                </a:cxn>
+                <a:cxn ang="0">
+                  <a:pos x="connsiteX13" y="connsiteY13"/>
+                </a:cxn>
+                <a:cxn ang="0">
+                  <a:pos x="connsiteX14" y="connsiteY14"/>
+                </a:cxn>
+                <a:cxn ang="0">
+                  <a:pos x="connsiteX15" y="connsiteY15"/>
+                </a:cxn>
+                <a:cxn ang="0">
+                  <a:pos x="connsiteX16" y="connsiteY16"/>
+                </a:cxn>
+                <a:cxn ang="0">
+                  <a:pos x="connsiteX17" y="connsiteY17"/>
+                </a:cxn>
+                <a:cxn ang="0">
+                  <a:pos x="connsiteX18" y="connsiteY18"/>
+                </a:cxn>
+                <a:cxn ang="0">
+                  <a:pos x="connsiteX19" y="connsiteY19"/>
+                </a:cxn>
+                <a:cxn ang="0">
+                  <a:pos x="connsiteX20" y="connsiteY20"/>
+                </a:cxn>
+                <a:cxn ang="0">
+                  <a:pos x="connsiteX21" y="connsiteY21"/>
+                </a:cxn>
+                <a:cxn ang="0">
+                  <a:pos x="connsiteX22" y="connsiteY22"/>
+                </a:cxn>
+                <a:cxn ang="0">
+                  <a:pos x="connsiteX23" y="connsiteY23"/>
+                </a:cxn>
+                <a:cxn ang="0">
+                  <a:pos x="connsiteX24" y="connsiteY24"/>
+                </a:cxn>
+              </a:cxnLst>
+              <a:rect l="l" t="t" r="r" b="b"/>
+              <a:pathLst>
+                <a:path w="1445063" h="1174285">
+                  <a:moveTo>
+                    <a:pt x="1445063" y="0"/>
+                  </a:moveTo>
+                  <a:lnTo>
+                    <a:pt x="1441904" y="62561"/>
+                  </a:lnTo>
+                  <a:cubicBezTo>
+                    <a:pt x="1382716" y="645370"/>
+                    <a:pt x="919383" y="1108703"/>
+                    <a:pt x="336574" y="1167891"/>
+                  </a:cubicBezTo>
+                  <a:lnTo>
+                    <a:pt x="285155" y="1170488"/>
+                  </a:lnTo>
+                  <a:lnTo>
+                    <a:pt x="285151" y="1170489"/>
+                  </a:lnTo>
+                  <a:lnTo>
+                    <a:pt x="209961" y="1174285"/>
+                  </a:lnTo>
+                  <a:lnTo>
+                    <a:pt x="134768" y="1170489"/>
+                  </a:lnTo>
+                  <a:lnTo>
+                    <a:pt x="128234" y="1168460"/>
+                  </a:lnTo>
+                  <a:cubicBezTo>
+                    <a:pt x="52876" y="1136587"/>
+                    <a:pt x="0" y="1061969"/>
+                    <a:pt x="0" y="975000"/>
+                  </a:cubicBezTo>
+                  <a:cubicBezTo>
+                    <a:pt x="0" y="888032"/>
+                    <a:pt x="52876" y="813413"/>
+                    <a:pt x="128234" y="781540"/>
+                  </a:cubicBezTo>
+                  <a:lnTo>
+                    <a:pt x="141193" y="777518"/>
+                  </a:lnTo>
+                  <a:lnTo>
+                    <a:pt x="209960" y="780990"/>
+                  </a:lnTo>
+                  <a:lnTo>
+                    <a:pt x="278727" y="777518"/>
+                  </a:lnTo>
+                  <a:lnTo>
+                    <a:pt x="291686" y="781540"/>
+                  </a:lnTo>
+                  <a:cubicBezTo>
+                    <a:pt x="348205" y="805445"/>
+                    <a:pt x="392077" y="853394"/>
+                    <a:pt x="410481" y="912565"/>
+                  </a:cubicBezTo>
+                  <a:lnTo>
+                    <a:pt x="419920" y="975000"/>
+                  </a:lnTo>
+                  <a:lnTo>
+                    <a:pt x="419920" y="974999"/>
+                  </a:lnTo>
+                  <a:cubicBezTo>
+                    <a:pt x="419920" y="888031"/>
+                    <a:pt x="367044" y="813412"/>
+                    <a:pt x="291686" y="781539"/>
+                  </a:cubicBezTo>
+                  <a:lnTo>
+                    <a:pt x="278727" y="777517"/>
+                  </a:lnTo>
+                  <a:lnTo>
+                    <a:pt x="296360" y="776626"/>
+                  </a:lnTo>
+                  <a:cubicBezTo>
+                    <a:pt x="694070" y="736237"/>
+                    <a:pt x="1010248" y="420058"/>
+                    <a:pt x="1050637" y="22348"/>
+                  </a:cubicBezTo>
+                  <a:lnTo>
+                    <a:pt x="1051261" y="9987"/>
+                  </a:lnTo>
+                  <a:lnTo>
+                    <a:pt x="1053152" y="16078"/>
+                  </a:lnTo>
+                  <a:cubicBezTo>
+                    <a:pt x="1085025" y="91436"/>
+                    <a:pt x="1159644" y="144312"/>
+                    <a:pt x="1246612" y="144312"/>
+                  </a:cubicBezTo>
+                  <a:cubicBezTo>
+                    <a:pt x="1333581" y="144312"/>
+                    <a:pt x="1408199" y="91436"/>
+                    <a:pt x="1440072" y="16078"/>
+                  </a:cubicBezTo>
+                  <a:close/>
+                </a:path>
+              </a:pathLst>
+            </a:custGeom>
+            <a:gradFill>
+              <a:gsLst>
+                <a:gs pos="100000">
+                  <a:schemeClr val="accent5">
+                    <a:lumMod val="60000"/>
+                    <a:lumOff val="40000"/>
+                    <a:tint val="66000"/>
+                    <a:satMod val="160000"/>
+                  </a:schemeClr>
+                </a:gs>
+                <a:gs pos="50000">
+                  <a:schemeClr val="accent5">
+                    <a:lumMod val="60000"/>
+                    <a:lumOff val="40000"/>
+                    <a:tint val="44500"/>
+                    <a:satMod val="160000"/>
+                  </a:schemeClr>
+                </a:gs>
+                <a:gs pos="0">
+                  <a:schemeClr val="accent5">
+                    <a:lumMod val="60000"/>
+                    <a:lumOff val="40000"/>
+                    <a:tint val="23500"/>
+                    <a:satMod val="160000"/>
+                  </a:schemeClr>
+                </a:gs>
+              </a:gsLst>
+              <a:lin ang="5400000" scaled="1"/>
+            </a:gradFill>
+            <a:ln>
+              <a:noFill/>
+            </a:ln>
+          </p:spPr>
+          <p:style>
+            <a:lnRef idx="2">
+              <a:schemeClr val="accent1">
+                <a:shade val="50000"/>
+              </a:schemeClr>
+            </a:lnRef>
+            <a:fillRef idx="1">
+              <a:schemeClr val="accent1"/>
+            </a:fillRef>
+            <a:effectRef idx="0">
+              <a:schemeClr val="accent1"/>
+            </a:effectRef>
+            <a:fontRef idx="minor">
+              <a:schemeClr val="lt1"/>
+            </a:fontRef>
+          </p:style>
+          <p:txBody>
+            <a:bodyPr wrap="square" rtlCol="0" anchor="ctr">
+              <a:noAutofit/>
+            </a:bodyPr>
+            <a:lstStyle/>
+            <a:p>
+              <a:pPr algn="ctr"/>
+              <a:endParaRPr lang="zh-CN" altLang="en-US" dirty="0"/>
+            </a:p>
+          </p:txBody>
+        </p:sp>
+        <p:sp>
+          <p:nvSpPr>
+            <p:cNvPr id="97" name="任意多边形: 形状 96">
+              <a:extLst>
+                <a:ext uri="{FF2B5EF4-FFF2-40B4-BE49-F238E27FC236}">
+                  <a16:creationId xmlns:a16="http://schemas.microsoft.com/office/drawing/2014/main" id="{6ACFAF75-3FE0-4B7D-974A-FE9E91CC1BFF}"/>
+                </a:ext>
+              </a:extLst>
+            </p:cNvPr>
+            <p:cNvSpPr/>
+            <p:nvPr/>
+          </p:nvSpPr>
+          <p:spPr>
+            <a:xfrm>
+              <a:off x="1584542" y="3352551"/>
+              <a:ext cx="1184835" cy="1443974"/>
+            </a:xfrm>
+            <a:custGeom>
+              <a:avLst/>
+              <a:gdLst>
+                <a:gd name="connsiteX0" fmla="*/ 492 w 1184835"/>
+                <a:gd name="connsiteY0" fmla="*/ 0 h 1443974"/>
+                <a:gd name="connsiteX1" fmla="*/ 73112 w 1184835"/>
+                <a:gd name="connsiteY1" fmla="*/ 3667 h 1443974"/>
+                <a:gd name="connsiteX2" fmla="*/ 1178442 w 1184835"/>
+                <a:gd name="connsiteY2" fmla="*/ 1108997 h 1443974"/>
+                <a:gd name="connsiteX3" fmla="*/ 1181409 w 1184835"/>
+                <a:gd name="connsiteY3" fmla="*/ 1167746 h 1443974"/>
+                <a:gd name="connsiteX4" fmla="*/ 1184835 w 1184835"/>
+                <a:gd name="connsiteY4" fmla="*/ 1235610 h 1443974"/>
+                <a:gd name="connsiteX5" fmla="*/ 1181601 w 1184835"/>
+                <a:gd name="connsiteY5" fmla="*/ 1299662 h 1443974"/>
+                <a:gd name="connsiteX6" fmla="*/ 1176610 w 1184835"/>
+                <a:gd name="connsiteY6" fmla="*/ 1315740 h 1443974"/>
+                <a:gd name="connsiteX7" fmla="*/ 983150 w 1184835"/>
+                <a:gd name="connsiteY7" fmla="*/ 1443974 h 1443974"/>
+                <a:gd name="connsiteX8" fmla="*/ 789690 w 1184835"/>
+                <a:gd name="connsiteY8" fmla="*/ 1315740 h 1443974"/>
+                <a:gd name="connsiteX9" fmla="*/ 787799 w 1184835"/>
+                <a:gd name="connsiteY9" fmla="*/ 1309649 h 1443974"/>
+                <a:gd name="connsiteX10" fmla="*/ 791538 w 1184835"/>
+                <a:gd name="connsiteY10" fmla="*/ 1235610 h 1443974"/>
+                <a:gd name="connsiteX11" fmla="*/ 787661 w 1184835"/>
+                <a:gd name="connsiteY11" fmla="*/ 1158826 h 1443974"/>
+                <a:gd name="connsiteX12" fmla="*/ 787175 w 1184835"/>
+                <a:gd name="connsiteY12" fmla="*/ 1149210 h 1443974"/>
+                <a:gd name="connsiteX13" fmla="*/ 32898 w 1184835"/>
+                <a:gd name="connsiteY13" fmla="*/ 394932 h 1443974"/>
+                <a:gd name="connsiteX14" fmla="*/ 0 w 1184835"/>
+                <a:gd name="connsiteY14" fmla="*/ 393271 h 1443974"/>
+                <a:gd name="connsiteX15" fmla="*/ 10475 w 1184835"/>
+                <a:gd name="connsiteY15" fmla="*/ 390019 h 1443974"/>
+                <a:gd name="connsiteX16" fmla="*/ 138709 w 1184835"/>
+                <a:gd name="connsiteY16" fmla="*/ 196559 h 1443974"/>
+                <a:gd name="connsiteX17" fmla="*/ 10475 w 1184835"/>
+                <a:gd name="connsiteY17" fmla="*/ 3099 h 1443974"/>
+              </a:gdLst>
+              <a:ahLst/>
+              <a:cxnLst>
+                <a:cxn ang="0">
+                  <a:pos x="connsiteX0" y="connsiteY0"/>
+                </a:cxn>
+                <a:cxn ang="0">
+                  <a:pos x="connsiteX1" y="connsiteY1"/>
+                </a:cxn>
+                <a:cxn ang="0">
+                  <a:pos x="connsiteX2" y="connsiteY2"/>
+                </a:cxn>
+                <a:cxn ang="0">
+                  <a:pos x="connsiteX3" y="connsiteY3"/>
+                </a:cxn>
+                <a:cxn ang="0">
+                  <a:pos x="connsiteX4" y="connsiteY4"/>
+                </a:cxn>
+                <a:cxn ang="0">
+                  <a:pos x="connsiteX5" y="connsiteY5"/>
+                </a:cxn>
+                <a:cxn ang="0">
+                  <a:pos x="connsiteX6" y="connsiteY6"/>
+                </a:cxn>
+                <a:cxn ang="0">
+                  <a:pos x="connsiteX7" y="connsiteY7"/>
+                </a:cxn>
+                <a:cxn ang="0">
+                  <a:pos x="connsiteX8" y="connsiteY8"/>
+                </a:cxn>
+                <a:cxn ang="0">
+                  <a:pos x="connsiteX9" y="connsiteY9"/>
+                </a:cxn>
+                <a:cxn ang="0">
+                  <a:pos x="connsiteX10" y="connsiteY10"/>
+                </a:cxn>
+                <a:cxn ang="0">
+                  <a:pos x="connsiteX11" y="connsiteY11"/>
+                </a:cxn>
+                <a:cxn ang="0">
+                  <a:pos x="connsiteX12" y="connsiteY12"/>
+                </a:cxn>
+                <a:cxn ang="0">
+                  <a:pos x="connsiteX13" y="connsiteY13"/>
+                </a:cxn>
+                <a:cxn ang="0">
+                  <a:pos x="connsiteX14" y="connsiteY14"/>
+                </a:cxn>
+                <a:cxn ang="0">
+                  <a:pos x="connsiteX15" y="connsiteY15"/>
+                </a:cxn>
+                <a:cxn ang="0">
+                  <a:pos x="connsiteX16" y="connsiteY16"/>
+                </a:cxn>
+                <a:cxn ang="0">
+                  <a:pos x="connsiteX17" y="connsiteY17"/>
+                </a:cxn>
+              </a:cxnLst>
+              <a:rect l="l" t="t" r="r" b="b"/>
+              <a:pathLst>
+                <a:path w="1184835" h="1443974">
+                  <a:moveTo>
+                    <a:pt x="492" y="0"/>
+                  </a:moveTo>
+                  <a:lnTo>
+                    <a:pt x="73112" y="3667"/>
+                  </a:lnTo>
+                  <a:cubicBezTo>
+                    <a:pt x="655921" y="62855"/>
+                    <a:pt x="1119254" y="526188"/>
+                    <a:pt x="1178442" y="1108997"/>
+                  </a:cubicBezTo>
+                  <a:lnTo>
+                    <a:pt x="1181409" y="1167746"/>
+                  </a:lnTo>
+                  <a:lnTo>
+                    <a:pt x="1184835" y="1235610"/>
+                  </a:lnTo>
+                  <a:lnTo>
+                    <a:pt x="1181601" y="1299662"/>
+                  </a:lnTo>
+                  <a:lnTo>
+                    <a:pt x="1176610" y="1315740"/>
+                  </a:lnTo>
+                  <a:cubicBezTo>
+                    <a:pt x="1144737" y="1391098"/>
+                    <a:pt x="1070119" y="1443974"/>
+                    <a:pt x="983150" y="1443974"/>
+                  </a:cubicBezTo>
+                  <a:cubicBezTo>
+                    <a:pt x="896182" y="1443974"/>
+                    <a:pt x="821563" y="1391098"/>
+                    <a:pt x="789690" y="1315740"/>
+                  </a:cubicBezTo>
+                  <a:lnTo>
+                    <a:pt x="787799" y="1309649"/>
+                  </a:lnTo>
+                  <a:lnTo>
+                    <a:pt x="791538" y="1235610"/>
+                  </a:lnTo>
+                  <a:lnTo>
+                    <a:pt x="787661" y="1158826"/>
+                  </a:lnTo>
+                  <a:lnTo>
+                    <a:pt x="787175" y="1149210"/>
+                  </a:lnTo>
+                  <a:cubicBezTo>
+                    <a:pt x="746786" y="751501"/>
+                    <a:pt x="430608" y="435322"/>
+                    <a:pt x="32898" y="394932"/>
+                  </a:cubicBezTo>
+                  <a:lnTo>
+                    <a:pt x="0" y="393271"/>
+                  </a:lnTo>
+                  <a:lnTo>
+                    <a:pt x="10475" y="390019"/>
+                  </a:lnTo>
+                  <a:cubicBezTo>
+                    <a:pt x="85833" y="358146"/>
+                    <a:pt x="138709" y="283528"/>
+                    <a:pt x="138709" y="196559"/>
+                  </a:cubicBezTo>
+                  <a:cubicBezTo>
+                    <a:pt x="138709" y="109591"/>
+                    <a:pt x="85833" y="34972"/>
+                    <a:pt x="10475" y="3099"/>
+                  </a:cubicBezTo>
+                  <a:close/>
+                </a:path>
+              </a:pathLst>
+            </a:custGeom>
+            <a:gradFill>
+              <a:gsLst>
+                <a:gs pos="100000">
+                  <a:schemeClr val="accent5">
+                    <a:lumMod val="60000"/>
+                    <a:lumOff val="40000"/>
+                    <a:tint val="66000"/>
+                    <a:satMod val="160000"/>
+                  </a:schemeClr>
+                </a:gs>
+                <a:gs pos="50000">
+                  <a:schemeClr val="accent5">
+                    <a:lumMod val="60000"/>
+                    <a:lumOff val="40000"/>
+                    <a:tint val="44500"/>
+                    <a:satMod val="160000"/>
+                  </a:schemeClr>
+                </a:gs>
+                <a:gs pos="0">
+                  <a:schemeClr val="accent5">
+                    <a:lumMod val="60000"/>
+                    <a:lumOff val="40000"/>
+                    <a:tint val="23500"/>
+                    <a:satMod val="160000"/>
+                  </a:schemeClr>
+                </a:gs>
+              </a:gsLst>
+              <a:lin ang="5400000" scaled="1"/>
+            </a:gradFill>
+            <a:ln>
+              <a:noFill/>
+            </a:ln>
+          </p:spPr>
+          <p:style>
+            <a:lnRef idx="2">
+              <a:schemeClr val="accent1">
+                <a:shade val="50000"/>
+              </a:schemeClr>
+            </a:lnRef>
+            <a:fillRef idx="1">
+              <a:schemeClr val="accent1"/>
+            </a:fillRef>
+            <a:effectRef idx="0">
+              <a:schemeClr val="accent1"/>
+            </a:effectRef>
+            <a:fontRef idx="minor">
+              <a:schemeClr val="lt1"/>
+            </a:fontRef>
+          </p:style>
+          <p:txBody>
+            <a:bodyPr wrap="square" rtlCol="0" anchor="ctr">
+              <a:noAutofit/>
+            </a:bodyPr>
+            <a:lstStyle/>
+            <a:p>
+              <a:pPr algn="ctr"/>
+              <a:endParaRPr lang="zh-CN" altLang="en-US" dirty="0"/>
+            </a:p>
+          </p:txBody>
+        </p:sp>
+      </p:grpSp>
+      <p:sp>
+        <p:nvSpPr>
+          <p:cNvPr id="98" name="Freeform 148">
+            <a:extLst>
+              <a:ext uri="{FF2B5EF4-FFF2-40B4-BE49-F238E27FC236}">
+                <a16:creationId xmlns:a16="http://schemas.microsoft.com/office/drawing/2014/main" id="{D6106E88-1076-466A-8227-F7F61D924BDC}"/>
+              </a:ext>
+            </a:extLst>
+          </p:cNvPr>
+          <p:cNvSpPr>
+            <a:spLocks noEditPoints="1"/>
+          </p:cNvSpPr>
+          <p:nvPr/>
+        </p:nvSpPr>
+        <p:spPr bwMode="auto">
+          <a:xfrm>
+            <a:off x="2074103" y="3729379"/>
+            <a:ext cx="303737" cy="249177"/>
+          </a:xfrm>
+          <a:custGeom>
+            <a:avLst/>
+            <a:gdLst/>
+            <a:ahLst/>
+            <a:cxnLst>
+              <a:cxn ang="0">
+                <a:pos x="16" y="54"/>
+              </a:cxn>
+              <a:cxn ang="0">
+                <a:pos x="14" y="57"/>
+              </a:cxn>
+              <a:cxn ang="0">
+                <a:pos x="2" y="57"/>
+              </a:cxn>
+              <a:cxn ang="0">
+                <a:pos x="0" y="54"/>
+              </a:cxn>
+              <a:cxn ang="0">
+                <a:pos x="0" y="29"/>
+              </a:cxn>
+              <a:cxn ang="0">
+                <a:pos x="2" y="26"/>
+              </a:cxn>
+              <a:cxn ang="0">
+                <a:pos x="14" y="26"/>
+              </a:cxn>
+              <a:cxn ang="0">
+                <a:pos x="16" y="29"/>
+              </a:cxn>
+              <a:cxn ang="0">
+                <a:pos x="16" y="54"/>
+              </a:cxn>
+              <a:cxn ang="0">
+                <a:pos x="7" y="47"/>
+              </a:cxn>
+              <a:cxn ang="0">
+                <a:pos x="5" y="49"/>
+              </a:cxn>
+              <a:cxn ang="0">
+                <a:pos x="7" y="52"/>
+              </a:cxn>
+              <a:cxn ang="0">
+                <a:pos x="10" y="49"/>
+              </a:cxn>
+              <a:cxn ang="0">
+                <a:pos x="7" y="47"/>
+              </a:cxn>
+              <a:cxn ang="0">
+                <a:pos x="62" y="35"/>
+              </a:cxn>
+              <a:cxn ang="0">
+                <a:pos x="62" y="38"/>
+              </a:cxn>
+              <a:cxn ang="0">
+                <a:pos x="61" y="43"/>
+              </a:cxn>
+              <a:cxn ang="0">
+                <a:pos x="61" y="48"/>
+              </a:cxn>
+              <a:cxn ang="0">
+                <a:pos x="59" y="52"/>
+              </a:cxn>
+              <a:cxn ang="0">
+                <a:pos x="57" y="59"/>
+              </a:cxn>
+              <a:cxn ang="0">
+                <a:pos x="49" y="62"/>
+              </a:cxn>
+              <a:cxn ang="0">
+                <a:pos x="47" y="62"/>
+              </a:cxn>
+              <a:cxn ang="0">
+                <a:pos x="44" y="62"/>
+              </a:cxn>
+              <a:cxn ang="0">
+                <a:pos x="43" y="62"/>
+              </a:cxn>
+              <a:cxn ang="0">
+                <a:pos x="28" y="59"/>
+              </a:cxn>
+              <a:cxn ang="0">
+                <a:pos x="22" y="57"/>
+              </a:cxn>
+              <a:cxn ang="0">
+                <a:pos x="19" y="54"/>
+              </a:cxn>
+              <a:cxn ang="0">
+                <a:pos x="19" y="29"/>
+              </a:cxn>
+              <a:cxn ang="0">
+                <a:pos x="21" y="26"/>
+              </a:cxn>
+              <a:cxn ang="0">
+                <a:pos x="29" y="19"/>
+              </a:cxn>
+              <a:cxn ang="0">
+                <a:pos x="33" y="14"/>
+              </a:cxn>
+              <a:cxn ang="0">
+                <a:pos x="35" y="8"/>
+              </a:cxn>
+              <a:cxn ang="0">
+                <a:pos x="38" y="1"/>
+              </a:cxn>
+              <a:cxn ang="0">
+                <a:pos x="40" y="0"/>
+              </a:cxn>
+              <a:cxn ang="0">
+                <a:pos x="49" y="11"/>
+              </a:cxn>
+              <a:cxn ang="0">
+                <a:pos x="46" y="18"/>
+              </a:cxn>
+              <a:cxn ang="0">
+                <a:pos x="45" y="21"/>
+              </a:cxn>
+              <a:cxn ang="0">
+                <a:pos x="56" y="21"/>
+              </a:cxn>
+              <a:cxn ang="0">
+                <a:pos x="64" y="29"/>
+              </a:cxn>
+              <a:cxn ang="0">
+                <a:pos x="62" y="35"/>
+              </a:cxn>
+            </a:cxnLst>
+            <a:rect l="0" t="0" r="r" b="b"/>
+            <a:pathLst>
+              <a:path w="64" h="62">
+                <a:moveTo>
+                  <a:pt x="16" y="54"/>
+                </a:moveTo>
+                <a:cubicBezTo>
+                  <a:pt x="16" y="56"/>
+                  <a:pt x="15" y="57"/>
+                  <a:pt x="14" y="57"/>
+                </a:cubicBezTo>
+                <a:cubicBezTo>
+                  <a:pt x="2" y="57"/>
+                  <a:pt x="2" y="57"/>
+                  <a:pt x="2" y="57"/>
+                </a:cubicBezTo>
+                <a:cubicBezTo>
+                  <a:pt x="1" y="57"/>
+                  <a:pt x="0" y="56"/>
+                  <a:pt x="0" y="54"/>
+                </a:cubicBezTo>
+                <a:cubicBezTo>
+                  <a:pt x="0" y="29"/>
+                  <a:pt x="0" y="29"/>
+                  <a:pt x="0" y="29"/>
+                </a:cubicBezTo>
+                <a:cubicBezTo>
+                  <a:pt x="0" y="27"/>
+                  <a:pt x="1" y="26"/>
+                  <a:pt x="2" y="26"/>
+                </a:cubicBezTo>
+                <a:cubicBezTo>
+                  <a:pt x="14" y="26"/>
+                  <a:pt x="14" y="26"/>
+                  <a:pt x="14" y="26"/>
+                </a:cubicBezTo>
+                <a:cubicBezTo>
+                  <a:pt x="15" y="26"/>
+                  <a:pt x="16" y="27"/>
+                  <a:pt x="16" y="29"/>
+                </a:cubicBezTo>
+                <a:lnTo>
+                  <a:pt x="16" y="54"/>
+                </a:lnTo>
+                <a:close/>
+                <a:moveTo>
+                  <a:pt x="7" y="47"/>
+                </a:moveTo>
+                <a:cubicBezTo>
+                  <a:pt x="6" y="47"/>
+                  <a:pt x="5" y="48"/>
+                  <a:pt x="5" y="49"/>
+                </a:cubicBezTo>
+                <a:cubicBezTo>
+                  <a:pt x="5" y="51"/>
+                  <a:pt x="6" y="52"/>
+                  <a:pt x="7" y="52"/>
+                </a:cubicBezTo>
+                <a:cubicBezTo>
+                  <a:pt x="9" y="52"/>
+                  <a:pt x="10" y="51"/>
+                  <a:pt x="10" y="49"/>
+                </a:cubicBezTo>
+                <a:cubicBezTo>
+                  <a:pt x="10" y="48"/>
+                  <a:pt x="9" y="47"/>
+                  <a:pt x="7" y="47"/>
+                </a:cubicBezTo>
+                <a:close/>
+                <a:moveTo>
+                  <a:pt x="62" y="35"/>
+                </a:moveTo>
+                <a:cubicBezTo>
+                  <a:pt x="62" y="36"/>
+                  <a:pt x="62" y="37"/>
+                  <a:pt x="62" y="38"/>
+                </a:cubicBezTo>
+                <a:cubicBezTo>
+                  <a:pt x="62" y="40"/>
+                  <a:pt x="62" y="42"/>
+                  <a:pt x="61" y="43"/>
+                </a:cubicBezTo>
+                <a:cubicBezTo>
+                  <a:pt x="61" y="45"/>
+                  <a:pt x="61" y="46"/>
+                  <a:pt x="61" y="48"/>
+                </a:cubicBezTo>
+                <a:cubicBezTo>
+                  <a:pt x="60" y="49"/>
+                  <a:pt x="60" y="51"/>
+                  <a:pt x="59" y="52"/>
+                </a:cubicBezTo>
+                <a:cubicBezTo>
+                  <a:pt x="59" y="55"/>
+                  <a:pt x="58" y="57"/>
+                  <a:pt x="57" y="59"/>
+                </a:cubicBezTo>
+                <a:cubicBezTo>
+                  <a:pt x="55" y="61"/>
+                  <a:pt x="52" y="62"/>
+                  <a:pt x="49" y="62"/>
+                </a:cubicBezTo>
+                <a:cubicBezTo>
+                  <a:pt x="48" y="62"/>
+                  <a:pt x="48" y="62"/>
+                  <a:pt x="47" y="62"/>
+                </a:cubicBezTo>
+                <a:cubicBezTo>
+                  <a:pt x="44" y="62"/>
+                  <a:pt x="44" y="62"/>
+                  <a:pt x="44" y="62"/>
+                </a:cubicBezTo>
+                <a:cubicBezTo>
+                  <a:pt x="43" y="62"/>
+                  <a:pt x="43" y="62"/>
+                  <a:pt x="43" y="62"/>
+                </a:cubicBezTo>
+                <a:cubicBezTo>
+                  <a:pt x="38" y="62"/>
+                  <a:pt x="32" y="60"/>
+                  <a:pt x="28" y="59"/>
+                </a:cubicBezTo>
+                <a:cubicBezTo>
+                  <a:pt x="25" y="58"/>
+                  <a:pt x="23" y="57"/>
+                  <a:pt x="22" y="57"/>
+                </a:cubicBezTo>
+                <a:cubicBezTo>
+                  <a:pt x="20" y="57"/>
+                  <a:pt x="19" y="56"/>
+                  <a:pt x="19" y="54"/>
+                </a:cubicBezTo>
+                <a:cubicBezTo>
+                  <a:pt x="19" y="29"/>
+                  <a:pt x="19" y="29"/>
+                  <a:pt x="19" y="29"/>
+                </a:cubicBezTo>
+                <a:cubicBezTo>
+                  <a:pt x="19" y="27"/>
+                  <a:pt x="20" y="26"/>
+                  <a:pt x="21" y="26"/>
+                </a:cubicBezTo>
+                <a:cubicBezTo>
+                  <a:pt x="23" y="26"/>
+                  <a:pt x="27" y="21"/>
+                  <a:pt x="29" y="19"/>
+                </a:cubicBezTo>
+                <a:cubicBezTo>
+                  <a:pt x="30" y="17"/>
+                  <a:pt x="31" y="15"/>
+                  <a:pt x="33" y="14"/>
+                </a:cubicBezTo>
+                <a:cubicBezTo>
+                  <a:pt x="34" y="13"/>
+                  <a:pt x="35" y="10"/>
+                  <a:pt x="35" y="8"/>
+                </a:cubicBezTo>
+                <a:cubicBezTo>
+                  <a:pt x="36" y="5"/>
+                  <a:pt x="36" y="3"/>
+                  <a:pt x="38" y="1"/>
+                </a:cubicBezTo>
+                <a:cubicBezTo>
+                  <a:pt x="38" y="1"/>
+                  <a:pt x="39" y="0"/>
+                  <a:pt x="40" y="0"/>
+                </a:cubicBezTo>
+                <a:cubicBezTo>
+                  <a:pt x="49" y="0"/>
+                  <a:pt x="49" y="8"/>
+                  <a:pt x="49" y="11"/>
+                </a:cubicBezTo>
+                <a:cubicBezTo>
+                  <a:pt x="49" y="14"/>
+                  <a:pt x="47" y="16"/>
+                  <a:pt x="46" y="18"/>
+                </a:cubicBezTo>
+                <a:cubicBezTo>
+                  <a:pt x="46" y="19"/>
+                  <a:pt x="46" y="20"/>
+                  <a:pt x="45" y="21"/>
+                </a:cubicBezTo>
+                <a:cubicBezTo>
+                  <a:pt x="56" y="21"/>
+                  <a:pt x="56" y="21"/>
+                  <a:pt x="56" y="21"/>
+                </a:cubicBezTo>
+                <a:cubicBezTo>
+                  <a:pt x="60" y="21"/>
+                  <a:pt x="64" y="25"/>
+                  <a:pt x="64" y="29"/>
+                </a:cubicBezTo>
+                <a:cubicBezTo>
+                  <a:pt x="64" y="31"/>
+                  <a:pt x="63" y="33"/>
+                  <a:pt x="62" y="35"/>
+                </a:cubicBezTo>
+                <a:close/>
+              </a:path>
+            </a:pathLst>
+          </a:custGeom>
+          <a:solidFill>
+            <a:schemeClr val="accent5">
+              <a:lumMod val="50000"/>
+            </a:schemeClr>
+          </a:solidFill>
+          <a:ln w="9525">
+            <a:noFill/>
+            <a:round/>
+          </a:ln>
+        </p:spPr>
+        <p:txBody>
+          <a:bodyPr vert="horz" wrap="square" lIns="68580" tIns="34290" rIns="68580" bIns="34290" numCol="1" anchor="t" anchorCtr="0" compatLnSpc="1"/>
+          <a:lstStyle/>
+          <a:p>
+            <a:pPr marL="0" marR="0" lvl="0" indent="0" algn="l" defTabSz="914400" rtl="0" eaLnBrk="1" fontAlgn="auto" latinLnBrk="0" hangingPunct="1">
+              <a:lnSpc>
+                <a:spcPct val="100000"/>
+              </a:lnSpc>
+              <a:spcBef>
+                <a:spcPts val="0"/>
+              </a:spcBef>
+              <a:spcAft>
+                <a:spcPts val="0"/>
+              </a:spcAft>
+              <a:buClrTx/>
+              <a:buSzTx/>
+              <a:buFontTx/>
+              <a:buNone/>
+              <a:defRPr/>
+            </a:pPr>
+            <a:endParaRPr kumimoji="0" lang="en-US" b="0" i="0" u="none" strike="noStrike" kern="0" cap="none" spc="0" normalizeH="0" baseline="0" noProof="0">
+              <a:ln>
+                <a:noFill/>
+              </a:ln>
+              <a:solidFill>
+                <a:sysClr val="windowText" lastClr="000000"/>
+              </a:solidFill>
+              <a:effectLst/>
+              <a:uLnTx/>
+              <a:uFillTx/>
+              <a:latin typeface="Calibri" panose="020F0502020204030204"/>
+              <a:ea typeface="+mn-ea"/>
+              <a:cs typeface="+mn-cs"/>
+            </a:endParaRPr>
+          </a:p>
+        </p:txBody>
+      </p:sp>
+      <p:sp>
+        <p:nvSpPr>
+          <p:cNvPr id="99" name="Freeform 29">
+            <a:extLst>
+              <a:ext uri="{FF2B5EF4-FFF2-40B4-BE49-F238E27FC236}">
+                <a16:creationId xmlns:a16="http://schemas.microsoft.com/office/drawing/2014/main" id="{429A4AEE-4E6D-4721-9818-4AC638D2EB71}"/>
+              </a:ext>
+            </a:extLst>
+          </p:cNvPr>
+          <p:cNvSpPr/>
+          <p:nvPr/>
+        </p:nvSpPr>
+        <p:spPr bwMode="auto">
+          <a:xfrm>
+            <a:off x="2445296" y="699098"/>
+            <a:ext cx="539692" cy="522242"/>
+          </a:xfrm>
+          <a:custGeom>
+            <a:avLst/>
+            <a:gdLst>
+              <a:gd name="T0" fmla="*/ 57 w 64"/>
+              <a:gd name="T1" fmla="*/ 37 h 66"/>
+              <a:gd name="T2" fmla="*/ 43 w 64"/>
+              <a:gd name="T3" fmla="*/ 12 h 66"/>
+              <a:gd name="T4" fmla="*/ 39 w 64"/>
+              <a:gd name="T5" fmla="*/ 6 h 66"/>
+              <a:gd name="T6" fmla="*/ 25 w 64"/>
+              <a:gd name="T7" fmla="*/ 6 h 66"/>
+              <a:gd name="T8" fmla="*/ 22 w 64"/>
+              <a:gd name="T9" fmla="*/ 12 h 66"/>
+              <a:gd name="T10" fmla="*/ 8 w 64"/>
+              <a:gd name="T11" fmla="*/ 37 h 66"/>
+              <a:gd name="T12" fmla="*/ 4 w 64"/>
+              <a:gd name="T13" fmla="*/ 43 h 66"/>
+              <a:gd name="T14" fmla="*/ 11 w 64"/>
+              <a:gd name="T15" fmla="*/ 55 h 66"/>
+              <a:gd name="T16" fmla="*/ 18 w 64"/>
+              <a:gd name="T17" fmla="*/ 55 h 66"/>
+              <a:gd name="T18" fmla="*/ 19 w 64"/>
+              <a:gd name="T19" fmla="*/ 55 h 66"/>
+              <a:gd name="T20" fmla="*/ 19 w 64"/>
+              <a:gd name="T21" fmla="*/ 66 h 66"/>
+              <a:gd name="T22" fmla="*/ 32 w 64"/>
+              <a:gd name="T23" fmla="*/ 62 h 66"/>
+              <a:gd name="T24" fmla="*/ 32 w 64"/>
+              <a:gd name="T25" fmla="*/ 62 h 66"/>
+              <a:gd name="T26" fmla="*/ 46 w 64"/>
+              <a:gd name="T27" fmla="*/ 66 h 66"/>
+              <a:gd name="T28" fmla="*/ 46 w 64"/>
+              <a:gd name="T29" fmla="*/ 55 h 66"/>
+              <a:gd name="T30" fmla="*/ 46 w 64"/>
+              <a:gd name="T31" fmla="*/ 55 h 66"/>
+              <a:gd name="T32" fmla="*/ 53 w 64"/>
+              <a:gd name="T33" fmla="*/ 55 h 66"/>
+              <a:gd name="T34" fmla="*/ 60 w 64"/>
+              <a:gd name="T35" fmla="*/ 43 h 66"/>
+              <a:gd name="T36" fmla="*/ 57 w 64"/>
+              <a:gd name="T37" fmla="*/ 37 h 66"/>
+            </a:gdLst>
+            <a:ahLst/>
+            <a:cxnLst>
+              <a:cxn ang="0">
+                <a:pos x="T0" y="T1"/>
+              </a:cxn>
+              <a:cxn ang="0">
+                <a:pos x="T2" y="T3"/>
+              </a:cxn>
+              <a:cxn ang="0">
+                <a:pos x="T4" y="T5"/>
+              </a:cxn>
+              <a:cxn ang="0">
+                <a:pos x="T6" y="T7"/>
+              </a:cxn>
+              <a:cxn ang="0">
+                <a:pos x="T8" y="T9"/>
+              </a:cxn>
+              <a:cxn ang="0">
+                <a:pos x="T10" y="T11"/>
+              </a:cxn>
+              <a:cxn ang="0">
+                <a:pos x="T12" y="T13"/>
+              </a:cxn>
+              <a:cxn ang="0">
+                <a:pos x="T14" y="T15"/>
+              </a:cxn>
+              <a:cxn ang="0">
+                <a:pos x="T16" y="T17"/>
+              </a:cxn>
+              <a:cxn ang="0">
+                <a:pos x="T18" y="T19"/>
+              </a:cxn>
+              <a:cxn ang="0">
+                <a:pos x="T20" y="T21"/>
+              </a:cxn>
+              <a:cxn ang="0">
+                <a:pos x="T22" y="T23"/>
+              </a:cxn>
+              <a:cxn ang="0">
+                <a:pos x="T24" y="T25"/>
+              </a:cxn>
+              <a:cxn ang="0">
+                <a:pos x="T26" y="T27"/>
+              </a:cxn>
+              <a:cxn ang="0">
+                <a:pos x="T28" y="T29"/>
+              </a:cxn>
+              <a:cxn ang="0">
+                <a:pos x="T30" y="T31"/>
+              </a:cxn>
+              <a:cxn ang="0">
+                <a:pos x="T32" y="T33"/>
+              </a:cxn>
+              <a:cxn ang="0">
+                <a:pos x="T34" y="T35"/>
+              </a:cxn>
+              <a:cxn ang="0">
+                <a:pos x="T36" y="T37"/>
+              </a:cxn>
+            </a:cxnLst>
+            <a:rect l="0" t="0" r="r" b="b"/>
+            <a:pathLst>
+              <a:path w="64" h="66">
+                <a:moveTo>
+                  <a:pt x="57" y="37"/>
+                </a:moveTo>
+                <a:cubicBezTo>
+                  <a:pt x="53" y="30"/>
+                  <a:pt x="47" y="19"/>
+                  <a:pt x="43" y="12"/>
+                </a:cubicBezTo>
+                <a:cubicBezTo>
+                  <a:pt x="39" y="6"/>
+                  <a:pt x="39" y="6"/>
+                  <a:pt x="39" y="6"/>
+                </a:cubicBezTo>
+                <a:cubicBezTo>
+                  <a:pt x="35" y="0"/>
+                  <a:pt x="29" y="0"/>
+                  <a:pt x="25" y="6"/>
+                </a:cubicBezTo>
+                <a:cubicBezTo>
+                  <a:pt x="22" y="12"/>
+                  <a:pt x="22" y="12"/>
+                  <a:pt x="22" y="12"/>
+                </a:cubicBezTo>
+                <a:cubicBezTo>
+                  <a:pt x="18" y="19"/>
+                  <a:pt x="11" y="30"/>
+                  <a:pt x="8" y="37"/>
+                </a:cubicBezTo>
+                <a:cubicBezTo>
+                  <a:pt x="4" y="43"/>
+                  <a:pt x="4" y="43"/>
+                  <a:pt x="4" y="43"/>
+                </a:cubicBezTo>
+                <a:cubicBezTo>
+                  <a:pt x="0" y="50"/>
+                  <a:pt x="3" y="55"/>
+                  <a:pt x="11" y="55"/>
+                </a:cubicBezTo>
+                <a:cubicBezTo>
+                  <a:pt x="18" y="55"/>
+                  <a:pt x="18" y="55"/>
+                  <a:pt x="18" y="55"/>
+                </a:cubicBezTo>
+                <a:cubicBezTo>
+                  <a:pt x="19" y="55"/>
+                  <a:pt x="19" y="55"/>
+                  <a:pt x="19" y="55"/>
+                </a:cubicBezTo>
+                <a:cubicBezTo>
+                  <a:pt x="19" y="66"/>
+                  <a:pt x="19" y="66"/>
+                  <a:pt x="19" y="66"/>
+                </a:cubicBezTo>
+                <a:cubicBezTo>
+                  <a:pt x="23" y="63"/>
+                  <a:pt x="27" y="62"/>
+                  <a:pt x="32" y="62"/>
+                </a:cubicBezTo>
+                <a:cubicBezTo>
+                  <a:pt x="32" y="62"/>
+                  <a:pt x="32" y="62"/>
+                  <a:pt x="32" y="62"/>
+                </a:cubicBezTo>
+                <a:cubicBezTo>
+                  <a:pt x="37" y="62"/>
+                  <a:pt x="42" y="63"/>
+                  <a:pt x="46" y="66"/>
+                </a:cubicBezTo>
+                <a:cubicBezTo>
+                  <a:pt x="46" y="55"/>
+                  <a:pt x="46" y="55"/>
+                  <a:pt x="46" y="55"/>
+                </a:cubicBezTo>
+                <a:cubicBezTo>
+                  <a:pt x="46" y="55"/>
+                  <a:pt x="46" y="55"/>
+                  <a:pt x="46" y="55"/>
+                </a:cubicBezTo>
+                <a:cubicBezTo>
+                  <a:pt x="53" y="55"/>
+                  <a:pt x="53" y="55"/>
+                  <a:pt x="53" y="55"/>
+                </a:cubicBezTo>
+                <a:cubicBezTo>
+                  <a:pt x="61" y="55"/>
+                  <a:pt x="64" y="49"/>
+                  <a:pt x="60" y="43"/>
+                </a:cubicBezTo>
+                <a:lnTo>
+                  <a:pt x="57" y="37"/>
+                </a:lnTo>
+                <a:close/>
+              </a:path>
+            </a:pathLst>
+          </a:custGeom>
+          <a:solidFill>
+            <a:srgbClr val="765036"/>
+          </a:solidFill>
+          <a:ln>
+            <a:noFill/>
+          </a:ln>
+          <a:extLst>
+            <a:ext uri="{91240B29-F687-4F45-9708-019B960494DF}">
+              <a14:hiddenLine xmlns:a14="http://schemas.microsoft.com/office/drawing/2010/main" w="9525">
+                <a:solidFill>
+                  <a:srgbClr val="000000"/>
+                </a:solidFill>
+                <a:round/>
+              </a14:hiddenLine>
+            </a:ext>
+          </a:extLst>
+        </p:spPr>
+        <p:txBody>
+          <a:bodyPr vert="horz" wrap="square" lIns="91440" tIns="45720" rIns="91440" bIns="45720" numCol="1" anchor="t" anchorCtr="0" compatLnSpc="1"/>
+          <a:lstStyle/>
+          <a:p>
+            <a:endParaRPr lang="zh-CN" altLang="en-US" sz="1355"/>
+          </a:p>
+        </p:txBody>
+      </p:sp>
+      <p:sp>
+        <p:nvSpPr>
+          <p:cNvPr id="100" name="Freeform 30">
+            <a:extLst>
+              <a:ext uri="{FF2B5EF4-FFF2-40B4-BE49-F238E27FC236}">
+                <a16:creationId xmlns:a16="http://schemas.microsoft.com/office/drawing/2014/main" id="{0DB4AD75-B078-45BE-A6AC-AFF1A253BD7D}"/>
+              </a:ext>
+            </a:extLst>
+          </p:cNvPr>
+          <p:cNvSpPr/>
+          <p:nvPr/>
+        </p:nvSpPr>
+        <p:spPr bwMode="auto">
+          <a:xfrm>
+            <a:off x="2572091" y="1221340"/>
+            <a:ext cx="294230" cy="277108"/>
+          </a:xfrm>
+          <a:custGeom>
+            <a:avLst/>
+            <a:gdLst>
+              <a:gd name="T0" fmla="*/ 17 w 35"/>
+              <a:gd name="T1" fmla="*/ 0 h 35"/>
+              <a:gd name="T2" fmla="*/ 17 w 35"/>
+              <a:gd name="T3" fmla="*/ 0 h 35"/>
+              <a:gd name="T4" fmla="*/ 17 w 35"/>
+              <a:gd name="T5" fmla="*/ 0 h 35"/>
+              <a:gd name="T6" fmla="*/ 17 w 35"/>
+              <a:gd name="T7" fmla="*/ 0 h 35"/>
+              <a:gd name="T8" fmla="*/ 17 w 35"/>
+              <a:gd name="T9" fmla="*/ 0 h 35"/>
+              <a:gd name="T10" fmla="*/ 4 w 35"/>
+              <a:gd name="T11" fmla="*/ 6 h 35"/>
+              <a:gd name="T12" fmla="*/ 0 w 35"/>
+              <a:gd name="T13" fmla="*/ 17 h 35"/>
+              <a:gd name="T14" fmla="*/ 0 w 35"/>
+              <a:gd name="T15" fmla="*/ 17 h 35"/>
+              <a:gd name="T16" fmla="*/ 17 w 35"/>
+              <a:gd name="T17" fmla="*/ 35 h 35"/>
+              <a:gd name="T18" fmla="*/ 17 w 35"/>
+              <a:gd name="T19" fmla="*/ 35 h 35"/>
+              <a:gd name="T20" fmla="*/ 35 w 35"/>
+              <a:gd name="T21" fmla="*/ 17 h 35"/>
+              <a:gd name="T22" fmla="*/ 35 w 35"/>
+              <a:gd name="T23" fmla="*/ 17 h 35"/>
+              <a:gd name="T24" fmla="*/ 31 w 35"/>
+              <a:gd name="T25" fmla="*/ 6 h 35"/>
+              <a:gd name="T26" fmla="*/ 17 w 35"/>
+              <a:gd name="T27" fmla="*/ 0 h 35"/>
+            </a:gdLst>
+            <a:ahLst/>
+            <a:cxnLst>
+              <a:cxn ang="0">
+                <a:pos x="T0" y="T1"/>
+              </a:cxn>
+              <a:cxn ang="0">
+                <a:pos x="T2" y="T3"/>
+              </a:cxn>
+              <a:cxn ang="0">
+                <a:pos x="T4" y="T5"/>
+              </a:cxn>
+              <a:cxn ang="0">
+                <a:pos x="T6" y="T7"/>
+              </a:cxn>
+              <a:cxn ang="0">
+                <a:pos x="T8" y="T9"/>
+              </a:cxn>
+              <a:cxn ang="0">
+                <a:pos x="T10" y="T11"/>
+              </a:cxn>
+              <a:cxn ang="0">
+                <a:pos x="T12" y="T13"/>
+              </a:cxn>
+              <a:cxn ang="0">
+                <a:pos x="T14" y="T15"/>
+              </a:cxn>
+              <a:cxn ang="0">
+                <a:pos x="T16" y="T17"/>
+              </a:cxn>
+              <a:cxn ang="0">
+                <a:pos x="T18" y="T19"/>
+              </a:cxn>
+              <a:cxn ang="0">
+                <a:pos x="T20" y="T21"/>
+              </a:cxn>
+              <a:cxn ang="0">
+                <a:pos x="T22" y="T23"/>
+              </a:cxn>
+              <a:cxn ang="0">
+                <a:pos x="T24" y="T25"/>
+              </a:cxn>
+              <a:cxn ang="0">
+                <a:pos x="T26" y="T27"/>
+              </a:cxn>
+            </a:cxnLst>
+            <a:rect l="0" t="0" r="r" b="b"/>
+            <a:pathLst>
+              <a:path w="35" h="35">
+                <a:moveTo>
+                  <a:pt x="17" y="0"/>
+                </a:moveTo>
+                <a:cubicBezTo>
+                  <a:pt x="17" y="0"/>
+                  <a:pt x="17" y="0"/>
+                  <a:pt x="17" y="0"/>
+                </a:cubicBezTo>
+                <a:cubicBezTo>
+                  <a:pt x="17" y="0"/>
+                  <a:pt x="17" y="0"/>
+                  <a:pt x="17" y="0"/>
+                </a:cubicBezTo>
+                <a:cubicBezTo>
+                  <a:pt x="17" y="0"/>
+                  <a:pt x="17" y="0"/>
+                  <a:pt x="17" y="0"/>
+                </a:cubicBezTo>
+                <a:cubicBezTo>
+                  <a:pt x="17" y="0"/>
+                  <a:pt x="17" y="0"/>
+                  <a:pt x="17" y="0"/>
+                </a:cubicBezTo>
+                <a:cubicBezTo>
+                  <a:pt x="12" y="0"/>
+                  <a:pt x="7" y="2"/>
+                  <a:pt x="4" y="6"/>
+                </a:cubicBezTo>
+                <a:cubicBezTo>
+                  <a:pt x="1" y="9"/>
+                  <a:pt x="0" y="13"/>
+                  <a:pt x="0" y="17"/>
+                </a:cubicBezTo>
+                <a:cubicBezTo>
+                  <a:pt x="0" y="17"/>
+                  <a:pt x="0" y="17"/>
+                  <a:pt x="0" y="17"/>
+                </a:cubicBezTo>
+                <a:cubicBezTo>
+                  <a:pt x="0" y="27"/>
+                  <a:pt x="8" y="35"/>
+                  <a:pt x="17" y="35"/>
+                </a:cubicBezTo>
+                <a:cubicBezTo>
+                  <a:pt x="17" y="35"/>
+                  <a:pt x="17" y="35"/>
+                  <a:pt x="17" y="35"/>
+                </a:cubicBezTo>
+                <a:cubicBezTo>
+                  <a:pt x="27" y="35"/>
+                  <a:pt x="35" y="27"/>
+                  <a:pt x="35" y="17"/>
+                </a:cubicBezTo>
+                <a:cubicBezTo>
+                  <a:pt x="35" y="17"/>
+                  <a:pt x="35" y="17"/>
+                  <a:pt x="35" y="17"/>
+                </a:cubicBezTo>
+                <a:cubicBezTo>
+                  <a:pt x="35" y="13"/>
+                  <a:pt x="33" y="9"/>
+                  <a:pt x="31" y="6"/>
+                </a:cubicBezTo>
+                <a:cubicBezTo>
+                  <a:pt x="27" y="2"/>
+                  <a:pt x="23" y="0"/>
+                  <a:pt x="17" y="0"/>
+                </a:cubicBezTo>
+                <a:close/>
+              </a:path>
+            </a:pathLst>
+          </a:custGeom>
+          <a:solidFill>
+            <a:srgbClr val="765036"/>
+          </a:solidFill>
+          <a:ln>
+            <a:noFill/>
+          </a:ln>
+          <a:extLst>
+            <a:ext uri="{91240B29-F687-4F45-9708-019B960494DF}">
+              <a14:hiddenLine xmlns:a14="http://schemas.microsoft.com/office/drawing/2010/main" w="9525">
+                <a:solidFill>
+                  <a:srgbClr val="000000"/>
+                </a:solidFill>
+                <a:round/>
+              </a14:hiddenLine>
+            </a:ext>
+          </a:extLst>
+        </p:spPr>
+        <p:txBody>
+          <a:bodyPr vert="horz" wrap="square" lIns="91440" tIns="45720" rIns="91440" bIns="45720" numCol="1" anchor="t" anchorCtr="0" compatLnSpc="1"/>
+          <a:lstStyle/>
+          <a:p>
+            <a:endParaRPr lang="zh-CN" altLang="en-US" sz="1355"/>
+          </a:p>
+        </p:txBody>
+      </p:sp>
+      <p:sp>
+        <p:nvSpPr>
+          <p:cNvPr id="101" name="Freeform 148">
+            <a:extLst>
+              <a:ext uri="{FF2B5EF4-FFF2-40B4-BE49-F238E27FC236}">
+                <a16:creationId xmlns:a16="http://schemas.microsoft.com/office/drawing/2014/main" id="{F0138B74-9451-4B3D-BAF1-47B7822A446D}"/>
+              </a:ext>
+            </a:extLst>
+          </p:cNvPr>
+          <p:cNvSpPr>
+            <a:spLocks noEditPoints="1"/>
+          </p:cNvSpPr>
+          <p:nvPr/>
+        </p:nvSpPr>
+        <p:spPr bwMode="auto">
+          <a:xfrm>
+            <a:off x="568220" y="3737965"/>
+            <a:ext cx="303737" cy="249177"/>
+          </a:xfrm>
+          <a:custGeom>
+            <a:avLst/>
+            <a:gdLst/>
+            <a:ahLst/>
+            <a:cxnLst>
+              <a:cxn ang="0">
+                <a:pos x="16" y="54"/>
+              </a:cxn>
+              <a:cxn ang="0">
+                <a:pos x="14" y="57"/>
+              </a:cxn>
+              <a:cxn ang="0">
+                <a:pos x="2" y="57"/>
+              </a:cxn>
+              <a:cxn ang="0">
+                <a:pos x="0" y="54"/>
+              </a:cxn>
+              <a:cxn ang="0">
+                <a:pos x="0" y="29"/>
+              </a:cxn>
+              <a:cxn ang="0">
+                <a:pos x="2" y="26"/>
+              </a:cxn>
+              <a:cxn ang="0">
+                <a:pos x="14" y="26"/>
+              </a:cxn>
+              <a:cxn ang="0">
+                <a:pos x="16" y="29"/>
+              </a:cxn>
+              <a:cxn ang="0">
+                <a:pos x="16" y="54"/>
+              </a:cxn>
+              <a:cxn ang="0">
+                <a:pos x="7" y="47"/>
+              </a:cxn>
+              <a:cxn ang="0">
+                <a:pos x="5" y="49"/>
+              </a:cxn>
+              <a:cxn ang="0">
+                <a:pos x="7" y="52"/>
+              </a:cxn>
+              <a:cxn ang="0">
+                <a:pos x="10" y="49"/>
+              </a:cxn>
+              <a:cxn ang="0">
+                <a:pos x="7" y="47"/>
+              </a:cxn>
+              <a:cxn ang="0">
+                <a:pos x="62" y="35"/>
+              </a:cxn>
+              <a:cxn ang="0">
+                <a:pos x="62" y="38"/>
+              </a:cxn>
+              <a:cxn ang="0">
+                <a:pos x="61" y="43"/>
+              </a:cxn>
+              <a:cxn ang="0">
+                <a:pos x="61" y="48"/>
+              </a:cxn>
+              <a:cxn ang="0">
+                <a:pos x="59" y="52"/>
+              </a:cxn>
+              <a:cxn ang="0">
+                <a:pos x="57" y="59"/>
+              </a:cxn>
+              <a:cxn ang="0">
+                <a:pos x="49" y="62"/>
+              </a:cxn>
+              <a:cxn ang="0">
+                <a:pos x="47" y="62"/>
+              </a:cxn>
+              <a:cxn ang="0">
+                <a:pos x="44" y="62"/>
+              </a:cxn>
+              <a:cxn ang="0">
+                <a:pos x="43" y="62"/>
+              </a:cxn>
+              <a:cxn ang="0">
+                <a:pos x="28" y="59"/>
+              </a:cxn>
+              <a:cxn ang="0">
+                <a:pos x="22" y="57"/>
+              </a:cxn>
+              <a:cxn ang="0">
+                <a:pos x="19" y="54"/>
+              </a:cxn>
+              <a:cxn ang="0">
+                <a:pos x="19" y="29"/>
+              </a:cxn>
+              <a:cxn ang="0">
+                <a:pos x="21" y="26"/>
+              </a:cxn>
+              <a:cxn ang="0">
+                <a:pos x="29" y="19"/>
+              </a:cxn>
+              <a:cxn ang="0">
+                <a:pos x="33" y="14"/>
+              </a:cxn>
+              <a:cxn ang="0">
+                <a:pos x="35" y="8"/>
+              </a:cxn>
+              <a:cxn ang="0">
+                <a:pos x="38" y="1"/>
+              </a:cxn>
+              <a:cxn ang="0">
+                <a:pos x="40" y="0"/>
+              </a:cxn>
+              <a:cxn ang="0">
+                <a:pos x="49" y="11"/>
+              </a:cxn>
+              <a:cxn ang="0">
+                <a:pos x="46" y="18"/>
+              </a:cxn>
+              <a:cxn ang="0">
+                <a:pos x="45" y="21"/>
+              </a:cxn>
+              <a:cxn ang="0">
+                <a:pos x="56" y="21"/>
+              </a:cxn>
+              <a:cxn ang="0">
+                <a:pos x="64" y="29"/>
+              </a:cxn>
+              <a:cxn ang="0">
+                <a:pos x="62" y="35"/>
+              </a:cxn>
+            </a:cxnLst>
+            <a:rect l="0" t="0" r="r" b="b"/>
+            <a:pathLst>
+              <a:path w="64" h="62">
+                <a:moveTo>
+                  <a:pt x="16" y="54"/>
+                </a:moveTo>
+                <a:cubicBezTo>
+                  <a:pt x="16" y="56"/>
+                  <a:pt x="15" y="57"/>
+                  <a:pt x="14" y="57"/>
+                </a:cubicBezTo>
+                <a:cubicBezTo>
+                  <a:pt x="2" y="57"/>
+                  <a:pt x="2" y="57"/>
+                  <a:pt x="2" y="57"/>
+                </a:cubicBezTo>
+                <a:cubicBezTo>
+                  <a:pt x="1" y="57"/>
+                  <a:pt x="0" y="56"/>
+                  <a:pt x="0" y="54"/>
+                </a:cubicBezTo>
+                <a:cubicBezTo>
+                  <a:pt x="0" y="29"/>
+                  <a:pt x="0" y="29"/>
+                  <a:pt x="0" y="29"/>
+                </a:cubicBezTo>
+                <a:cubicBezTo>
+                  <a:pt x="0" y="27"/>
+                  <a:pt x="1" y="26"/>
+                  <a:pt x="2" y="26"/>
+                </a:cubicBezTo>
+                <a:cubicBezTo>
+                  <a:pt x="14" y="26"/>
+                  <a:pt x="14" y="26"/>
+                  <a:pt x="14" y="26"/>
+                </a:cubicBezTo>
+                <a:cubicBezTo>
+                  <a:pt x="15" y="26"/>
+                  <a:pt x="16" y="27"/>
+                  <a:pt x="16" y="29"/>
+                </a:cubicBezTo>
+                <a:lnTo>
+                  <a:pt x="16" y="54"/>
+                </a:lnTo>
+                <a:close/>
+                <a:moveTo>
+                  <a:pt x="7" y="47"/>
+                </a:moveTo>
+                <a:cubicBezTo>
+                  <a:pt x="6" y="47"/>
+                  <a:pt x="5" y="48"/>
+                  <a:pt x="5" y="49"/>
+                </a:cubicBezTo>
+                <a:cubicBezTo>
+                  <a:pt x="5" y="51"/>
+                  <a:pt x="6" y="52"/>
+                  <a:pt x="7" y="52"/>
+                </a:cubicBezTo>
+                <a:cubicBezTo>
+                  <a:pt x="9" y="52"/>
+                  <a:pt x="10" y="51"/>
+                  <a:pt x="10" y="49"/>
+                </a:cubicBezTo>
+                <a:cubicBezTo>
+                  <a:pt x="10" y="48"/>
+                  <a:pt x="9" y="47"/>
+                  <a:pt x="7" y="47"/>
+                </a:cubicBezTo>
+                <a:close/>
+                <a:moveTo>
+                  <a:pt x="62" y="35"/>
+                </a:moveTo>
+                <a:cubicBezTo>
+                  <a:pt x="62" y="36"/>
+                  <a:pt x="62" y="37"/>
+                  <a:pt x="62" y="38"/>
+                </a:cubicBezTo>
+                <a:cubicBezTo>
+                  <a:pt x="62" y="40"/>
+                  <a:pt x="62" y="42"/>
+                  <a:pt x="61" y="43"/>
+                </a:cubicBezTo>
+                <a:cubicBezTo>
+                  <a:pt x="61" y="45"/>
+                  <a:pt x="61" y="46"/>
+                  <a:pt x="61" y="48"/>
+                </a:cubicBezTo>
+                <a:cubicBezTo>
+                  <a:pt x="60" y="49"/>
+                  <a:pt x="60" y="51"/>
+                  <a:pt x="59" y="52"/>
+                </a:cubicBezTo>
+                <a:cubicBezTo>
+                  <a:pt x="59" y="55"/>
+                  <a:pt x="58" y="57"/>
+                  <a:pt x="57" y="59"/>
+                </a:cubicBezTo>
+                <a:cubicBezTo>
+                  <a:pt x="55" y="61"/>
+                  <a:pt x="52" y="62"/>
+                  <a:pt x="49" y="62"/>
+                </a:cubicBezTo>
+                <a:cubicBezTo>
+                  <a:pt x="48" y="62"/>
+                  <a:pt x="48" y="62"/>
+                  <a:pt x="47" y="62"/>
+                </a:cubicBezTo>
+                <a:cubicBezTo>
+                  <a:pt x="44" y="62"/>
+                  <a:pt x="44" y="62"/>
+                  <a:pt x="44" y="62"/>
+                </a:cubicBezTo>
+                <a:cubicBezTo>
+                  <a:pt x="43" y="62"/>
+                  <a:pt x="43" y="62"/>
+                  <a:pt x="43" y="62"/>
+                </a:cubicBezTo>
+                <a:cubicBezTo>
+                  <a:pt x="38" y="62"/>
+                  <a:pt x="32" y="60"/>
+                  <a:pt x="28" y="59"/>
+                </a:cubicBezTo>
+                <a:cubicBezTo>
+                  <a:pt x="25" y="58"/>
+                  <a:pt x="23" y="57"/>
+                  <a:pt x="22" y="57"/>
+                </a:cubicBezTo>
+                <a:cubicBezTo>
+                  <a:pt x="20" y="57"/>
+                  <a:pt x="19" y="56"/>
+                  <a:pt x="19" y="54"/>
+                </a:cubicBezTo>
+                <a:cubicBezTo>
+                  <a:pt x="19" y="29"/>
+                  <a:pt x="19" y="29"/>
+                  <a:pt x="19" y="29"/>
+                </a:cubicBezTo>
+                <a:cubicBezTo>
+                  <a:pt x="19" y="27"/>
+                  <a:pt x="20" y="26"/>
+                  <a:pt x="21" y="26"/>
+                </a:cubicBezTo>
+                <a:cubicBezTo>
+                  <a:pt x="23" y="26"/>
+                  <a:pt x="27" y="21"/>
+                  <a:pt x="29" y="19"/>
+                </a:cubicBezTo>
+                <a:cubicBezTo>
+                  <a:pt x="30" y="17"/>
+                  <a:pt x="31" y="15"/>
+                  <a:pt x="33" y="14"/>
+                </a:cubicBezTo>
+                <a:cubicBezTo>
+                  <a:pt x="34" y="13"/>
+                  <a:pt x="35" y="10"/>
+                  <a:pt x="35" y="8"/>
+                </a:cubicBezTo>
+                <a:cubicBezTo>
+                  <a:pt x="36" y="5"/>
+                  <a:pt x="36" y="3"/>
+                  <a:pt x="38" y="1"/>
+                </a:cubicBezTo>
+                <a:cubicBezTo>
+                  <a:pt x="38" y="1"/>
+                  <a:pt x="39" y="0"/>
+                  <a:pt x="40" y="0"/>
+                </a:cubicBezTo>
+                <a:cubicBezTo>
+                  <a:pt x="49" y="0"/>
+                  <a:pt x="49" y="8"/>
+                  <a:pt x="49" y="11"/>
+                </a:cubicBezTo>
+                <a:cubicBezTo>
+                  <a:pt x="49" y="14"/>
+                  <a:pt x="47" y="16"/>
+                  <a:pt x="46" y="18"/>
+                </a:cubicBezTo>
+                <a:cubicBezTo>
+                  <a:pt x="46" y="19"/>
+                  <a:pt x="46" y="20"/>
+                  <a:pt x="45" y="21"/>
+                </a:cubicBezTo>
+                <a:cubicBezTo>
+                  <a:pt x="56" y="21"/>
+                  <a:pt x="56" y="21"/>
+                  <a:pt x="56" y="21"/>
+                </a:cubicBezTo>
+                <a:cubicBezTo>
+                  <a:pt x="60" y="21"/>
+                  <a:pt x="64" y="25"/>
+                  <a:pt x="64" y="29"/>
+                </a:cubicBezTo>
+                <a:cubicBezTo>
+                  <a:pt x="64" y="31"/>
+                  <a:pt x="63" y="33"/>
+                  <a:pt x="62" y="35"/>
+                </a:cubicBezTo>
+                <a:close/>
+              </a:path>
+            </a:pathLst>
+          </a:custGeom>
+          <a:solidFill>
+            <a:schemeClr val="accent5">
+              <a:lumMod val="50000"/>
+            </a:schemeClr>
+          </a:solidFill>
+          <a:ln w="9525">
+            <a:noFill/>
+            <a:round/>
+          </a:ln>
+        </p:spPr>
+        <p:txBody>
+          <a:bodyPr vert="horz" wrap="square" lIns="68580" tIns="34290" rIns="68580" bIns="34290" numCol="1" anchor="t" anchorCtr="0" compatLnSpc="1"/>
+          <a:lstStyle/>
+          <a:p>
+            <a:pPr marL="0" marR="0" lvl="0" indent="0" algn="l" defTabSz="914400" rtl="0" eaLnBrk="1" fontAlgn="auto" latinLnBrk="0" hangingPunct="1">
+              <a:lnSpc>
+                <a:spcPct val="100000"/>
+              </a:lnSpc>
+              <a:spcBef>
+                <a:spcPts val="0"/>
+              </a:spcBef>
+              <a:spcAft>
+                <a:spcPts val="0"/>
+              </a:spcAft>
+              <a:buClrTx/>
+              <a:buSzTx/>
+              <a:buFontTx/>
+              <a:buNone/>
+              <a:defRPr/>
+            </a:pPr>
+            <a:endParaRPr kumimoji="0" lang="en-US" b="0" i="0" u="none" strike="noStrike" kern="0" cap="none" spc="0" normalizeH="0" baseline="0" noProof="0">
+              <a:ln>
+                <a:noFill/>
+              </a:ln>
+              <a:solidFill>
+                <a:sysClr val="windowText" lastClr="000000"/>
+              </a:solidFill>
+              <a:effectLst/>
+              <a:uLnTx/>
+              <a:uFillTx/>
+              <a:latin typeface="Calibri" panose="020F0502020204030204"/>
+              <a:ea typeface="+mn-ea"/>
+              <a:cs typeface="+mn-cs"/>
+            </a:endParaRPr>
+          </a:p>
+        </p:txBody>
+      </p:sp>
+      <p:sp>
+        <p:nvSpPr>
+          <p:cNvPr id="102" name="Freeform 148">
+            <a:extLst>
+              <a:ext uri="{FF2B5EF4-FFF2-40B4-BE49-F238E27FC236}">
+                <a16:creationId xmlns:a16="http://schemas.microsoft.com/office/drawing/2014/main" id="{6E8E5A2C-C434-4BDC-A8B2-D1A9B6356A2E}"/>
+              </a:ext>
+            </a:extLst>
+          </p:cNvPr>
+          <p:cNvSpPr>
+            <a:spLocks noEditPoints="1"/>
+          </p:cNvSpPr>
+          <p:nvPr/>
+        </p:nvSpPr>
+        <p:spPr bwMode="auto">
+          <a:xfrm>
+            <a:off x="2132697" y="5191111"/>
+            <a:ext cx="303737" cy="249177"/>
+          </a:xfrm>
+          <a:custGeom>
+            <a:avLst/>
+            <a:gdLst/>
+            <a:ahLst/>
+            <a:cxnLst>
+              <a:cxn ang="0">
+                <a:pos x="16" y="54"/>
+              </a:cxn>
+              <a:cxn ang="0">
+                <a:pos x="14" y="57"/>
+              </a:cxn>
+              <a:cxn ang="0">
+                <a:pos x="2" y="57"/>
+              </a:cxn>
+              <a:cxn ang="0">
+                <a:pos x="0" y="54"/>
+              </a:cxn>
+              <a:cxn ang="0">
+                <a:pos x="0" y="29"/>
+              </a:cxn>
+              <a:cxn ang="0">
+                <a:pos x="2" y="26"/>
+              </a:cxn>
+              <a:cxn ang="0">
+                <a:pos x="14" y="26"/>
+              </a:cxn>
+              <a:cxn ang="0">
+                <a:pos x="16" y="29"/>
+              </a:cxn>
+              <a:cxn ang="0">
+                <a:pos x="16" y="54"/>
+              </a:cxn>
+              <a:cxn ang="0">
+                <a:pos x="7" y="47"/>
+              </a:cxn>
+              <a:cxn ang="0">
+                <a:pos x="5" y="49"/>
+              </a:cxn>
+              <a:cxn ang="0">
+                <a:pos x="7" y="52"/>
+              </a:cxn>
+              <a:cxn ang="0">
+                <a:pos x="10" y="49"/>
+              </a:cxn>
+              <a:cxn ang="0">
+                <a:pos x="7" y="47"/>
+              </a:cxn>
+              <a:cxn ang="0">
+                <a:pos x="62" y="35"/>
+              </a:cxn>
+              <a:cxn ang="0">
+                <a:pos x="62" y="38"/>
+              </a:cxn>
+              <a:cxn ang="0">
+                <a:pos x="61" y="43"/>
+              </a:cxn>
+              <a:cxn ang="0">
+                <a:pos x="61" y="48"/>
+              </a:cxn>
+              <a:cxn ang="0">
+                <a:pos x="59" y="52"/>
+              </a:cxn>
+              <a:cxn ang="0">
+                <a:pos x="57" y="59"/>
+              </a:cxn>
+              <a:cxn ang="0">
+                <a:pos x="49" y="62"/>
+              </a:cxn>
+              <a:cxn ang="0">
+                <a:pos x="47" y="62"/>
+              </a:cxn>
+              <a:cxn ang="0">
+                <a:pos x="44" y="62"/>
+              </a:cxn>
+              <a:cxn ang="0">
+                <a:pos x="43" y="62"/>
+              </a:cxn>
+              <a:cxn ang="0">
+                <a:pos x="28" y="59"/>
+              </a:cxn>
+              <a:cxn ang="0">
+                <a:pos x="22" y="57"/>
+              </a:cxn>
+              <a:cxn ang="0">
+                <a:pos x="19" y="54"/>
+              </a:cxn>
+              <a:cxn ang="0">
+                <a:pos x="19" y="29"/>
+              </a:cxn>
+              <a:cxn ang="0">
+                <a:pos x="21" y="26"/>
+              </a:cxn>
+              <a:cxn ang="0">
+                <a:pos x="29" y="19"/>
+              </a:cxn>
+              <a:cxn ang="0">
+                <a:pos x="33" y="14"/>
+              </a:cxn>
+              <a:cxn ang="0">
+                <a:pos x="35" y="8"/>
+              </a:cxn>
+              <a:cxn ang="0">
+                <a:pos x="38" y="1"/>
+              </a:cxn>
+              <a:cxn ang="0">
+                <a:pos x="40" y="0"/>
+              </a:cxn>
+              <a:cxn ang="0">
+                <a:pos x="49" y="11"/>
+              </a:cxn>
+              <a:cxn ang="0">
+                <a:pos x="46" y="18"/>
+              </a:cxn>
+              <a:cxn ang="0">
+                <a:pos x="45" y="21"/>
+              </a:cxn>
+              <a:cxn ang="0">
+                <a:pos x="56" y="21"/>
+              </a:cxn>
+              <a:cxn ang="0">
+                <a:pos x="64" y="29"/>
+              </a:cxn>
+              <a:cxn ang="0">
+                <a:pos x="62" y="35"/>
+              </a:cxn>
+            </a:cxnLst>
+            <a:rect l="0" t="0" r="r" b="b"/>
+            <a:pathLst>
+              <a:path w="64" h="62">
+                <a:moveTo>
+                  <a:pt x="16" y="54"/>
+                </a:moveTo>
+                <a:cubicBezTo>
+                  <a:pt x="16" y="56"/>
+                  <a:pt x="15" y="57"/>
+                  <a:pt x="14" y="57"/>
+                </a:cubicBezTo>
+                <a:cubicBezTo>
+                  <a:pt x="2" y="57"/>
+                  <a:pt x="2" y="57"/>
+                  <a:pt x="2" y="57"/>
+                </a:cubicBezTo>
+                <a:cubicBezTo>
+                  <a:pt x="1" y="57"/>
+                  <a:pt x="0" y="56"/>
+                  <a:pt x="0" y="54"/>
+                </a:cubicBezTo>
+                <a:cubicBezTo>
+                  <a:pt x="0" y="29"/>
+                  <a:pt x="0" y="29"/>
+                  <a:pt x="0" y="29"/>
+                </a:cubicBezTo>
+                <a:cubicBezTo>
+                  <a:pt x="0" y="27"/>
+                  <a:pt x="1" y="26"/>
+                  <a:pt x="2" y="26"/>
+                </a:cubicBezTo>
+                <a:cubicBezTo>
+                  <a:pt x="14" y="26"/>
+                  <a:pt x="14" y="26"/>
+                  <a:pt x="14" y="26"/>
+                </a:cubicBezTo>
+                <a:cubicBezTo>
+                  <a:pt x="15" y="26"/>
+                  <a:pt x="16" y="27"/>
+                  <a:pt x="16" y="29"/>
+                </a:cubicBezTo>
+                <a:lnTo>
+                  <a:pt x="16" y="54"/>
+                </a:lnTo>
+                <a:close/>
+                <a:moveTo>
+                  <a:pt x="7" y="47"/>
+                </a:moveTo>
+                <a:cubicBezTo>
+                  <a:pt x="6" y="47"/>
+                  <a:pt x="5" y="48"/>
+                  <a:pt x="5" y="49"/>
+                </a:cubicBezTo>
+                <a:cubicBezTo>
+                  <a:pt x="5" y="51"/>
+                  <a:pt x="6" y="52"/>
+                  <a:pt x="7" y="52"/>
+                </a:cubicBezTo>
+                <a:cubicBezTo>
+                  <a:pt x="9" y="52"/>
+                  <a:pt x="10" y="51"/>
+                  <a:pt x="10" y="49"/>
+                </a:cubicBezTo>
+                <a:cubicBezTo>
+                  <a:pt x="10" y="48"/>
+                  <a:pt x="9" y="47"/>
+                  <a:pt x="7" y="47"/>
+                </a:cubicBezTo>
+                <a:close/>
+                <a:moveTo>
+                  <a:pt x="62" y="35"/>
+                </a:moveTo>
+                <a:cubicBezTo>
+                  <a:pt x="62" y="36"/>
+                  <a:pt x="62" y="37"/>
+                  <a:pt x="62" y="38"/>
+                </a:cubicBezTo>
+                <a:cubicBezTo>
+                  <a:pt x="62" y="40"/>
+                  <a:pt x="62" y="42"/>
+                  <a:pt x="61" y="43"/>
+                </a:cubicBezTo>
+                <a:cubicBezTo>
+                  <a:pt x="61" y="45"/>
+                  <a:pt x="61" y="46"/>
+                  <a:pt x="61" y="48"/>
+                </a:cubicBezTo>
+                <a:cubicBezTo>
+                  <a:pt x="60" y="49"/>
+                  <a:pt x="60" y="51"/>
+                  <a:pt x="59" y="52"/>
+                </a:cubicBezTo>
+                <a:cubicBezTo>
+                  <a:pt x="59" y="55"/>
+                  <a:pt x="58" y="57"/>
+                  <a:pt x="57" y="59"/>
+                </a:cubicBezTo>
+                <a:cubicBezTo>
+                  <a:pt x="55" y="61"/>
+                  <a:pt x="52" y="62"/>
+                  <a:pt x="49" y="62"/>
+                </a:cubicBezTo>
+                <a:cubicBezTo>
+                  <a:pt x="48" y="62"/>
+                  <a:pt x="48" y="62"/>
+                  <a:pt x="47" y="62"/>
+                </a:cubicBezTo>
+                <a:cubicBezTo>
+                  <a:pt x="44" y="62"/>
+                  <a:pt x="44" y="62"/>
+                  <a:pt x="44" y="62"/>
+                </a:cubicBezTo>
+                <a:cubicBezTo>
+                  <a:pt x="43" y="62"/>
+                  <a:pt x="43" y="62"/>
+                  <a:pt x="43" y="62"/>
+                </a:cubicBezTo>
+                <a:cubicBezTo>
+                  <a:pt x="38" y="62"/>
+                  <a:pt x="32" y="60"/>
+                  <a:pt x="28" y="59"/>
+                </a:cubicBezTo>
+                <a:cubicBezTo>
+                  <a:pt x="25" y="58"/>
+                  <a:pt x="23" y="57"/>
+                  <a:pt x="22" y="57"/>
+                </a:cubicBezTo>
+                <a:cubicBezTo>
+                  <a:pt x="20" y="57"/>
+                  <a:pt x="19" y="56"/>
+                  <a:pt x="19" y="54"/>
+                </a:cubicBezTo>
+                <a:cubicBezTo>
+                  <a:pt x="19" y="29"/>
+                  <a:pt x="19" y="29"/>
+                  <a:pt x="19" y="29"/>
+                </a:cubicBezTo>
+                <a:cubicBezTo>
+                  <a:pt x="19" y="27"/>
+                  <a:pt x="20" y="26"/>
+                  <a:pt x="21" y="26"/>
+                </a:cubicBezTo>
+                <a:cubicBezTo>
+                  <a:pt x="23" y="26"/>
+                  <a:pt x="27" y="21"/>
+                  <a:pt x="29" y="19"/>
+                </a:cubicBezTo>
+                <a:cubicBezTo>
+                  <a:pt x="30" y="17"/>
+                  <a:pt x="31" y="15"/>
+                  <a:pt x="33" y="14"/>
+                </a:cubicBezTo>
+                <a:cubicBezTo>
+                  <a:pt x="34" y="13"/>
+                  <a:pt x="35" y="10"/>
+                  <a:pt x="35" y="8"/>
+                </a:cubicBezTo>
+                <a:cubicBezTo>
+                  <a:pt x="36" y="5"/>
+                  <a:pt x="36" y="3"/>
+                  <a:pt x="38" y="1"/>
+                </a:cubicBezTo>
+                <a:cubicBezTo>
+                  <a:pt x="38" y="1"/>
+                  <a:pt x="39" y="0"/>
+                  <a:pt x="40" y="0"/>
+                </a:cubicBezTo>
+                <a:cubicBezTo>
+                  <a:pt x="49" y="0"/>
+                  <a:pt x="49" y="8"/>
+                  <a:pt x="49" y="11"/>
+                </a:cubicBezTo>
+                <a:cubicBezTo>
+                  <a:pt x="49" y="14"/>
+                  <a:pt x="47" y="16"/>
+                  <a:pt x="46" y="18"/>
+                </a:cubicBezTo>
+                <a:cubicBezTo>
+                  <a:pt x="46" y="19"/>
+                  <a:pt x="46" y="20"/>
+                  <a:pt x="45" y="21"/>
+                </a:cubicBezTo>
+                <a:cubicBezTo>
+                  <a:pt x="56" y="21"/>
+                  <a:pt x="56" y="21"/>
+                  <a:pt x="56" y="21"/>
+                </a:cubicBezTo>
+                <a:cubicBezTo>
+                  <a:pt x="60" y="21"/>
+                  <a:pt x="64" y="25"/>
+                  <a:pt x="64" y="29"/>
+                </a:cubicBezTo>
+                <a:cubicBezTo>
+                  <a:pt x="64" y="31"/>
+                  <a:pt x="63" y="33"/>
+                  <a:pt x="62" y="35"/>
+                </a:cubicBezTo>
+                <a:close/>
+              </a:path>
+            </a:pathLst>
+          </a:custGeom>
+          <a:solidFill>
+            <a:schemeClr val="accent5">
+              <a:lumMod val="50000"/>
+            </a:schemeClr>
+          </a:solidFill>
+          <a:ln w="9525">
+            <a:noFill/>
+            <a:round/>
+          </a:ln>
+        </p:spPr>
+        <p:txBody>
+          <a:bodyPr vert="horz" wrap="square" lIns="68580" tIns="34290" rIns="68580" bIns="34290" numCol="1" anchor="t" anchorCtr="0" compatLnSpc="1"/>
+          <a:lstStyle/>
+          <a:p>
+            <a:pPr marL="0" marR="0" lvl="0" indent="0" algn="l" defTabSz="914400" rtl="0" eaLnBrk="1" fontAlgn="auto" latinLnBrk="0" hangingPunct="1">
+              <a:lnSpc>
+                <a:spcPct val="100000"/>
+              </a:lnSpc>
+              <a:spcBef>
+                <a:spcPts val="0"/>
+              </a:spcBef>
+              <a:spcAft>
+                <a:spcPts val="0"/>
+              </a:spcAft>
+              <a:buClrTx/>
+              <a:buSzTx/>
+              <a:buFontTx/>
+              <a:buNone/>
+              <a:defRPr/>
+            </a:pPr>
+            <a:endParaRPr kumimoji="0" lang="en-US" b="0" i="0" u="none" strike="noStrike" kern="0" cap="none" spc="0" normalizeH="0" baseline="0" noProof="0">
+              <a:ln>
+                <a:noFill/>
+              </a:ln>
+              <a:solidFill>
+                <a:sysClr val="windowText" lastClr="000000"/>
+              </a:solidFill>
+              <a:effectLst/>
+              <a:uLnTx/>
+              <a:uFillTx/>
+              <a:latin typeface="Calibri" panose="020F0502020204030204"/>
+              <a:ea typeface="+mn-ea"/>
+              <a:cs typeface="+mn-cs"/>
+            </a:endParaRPr>
+          </a:p>
+        </p:txBody>
+      </p:sp>
+      <p:sp>
+        <p:nvSpPr>
+          <p:cNvPr id="103" name="Freeform 148">
+            <a:extLst>
+              <a:ext uri="{FF2B5EF4-FFF2-40B4-BE49-F238E27FC236}">
+                <a16:creationId xmlns:a16="http://schemas.microsoft.com/office/drawing/2014/main" id="{C5C154F1-6598-44E0-B091-7FE4EA7203C0}"/>
+              </a:ext>
+            </a:extLst>
+          </p:cNvPr>
+          <p:cNvSpPr>
+            <a:spLocks noEditPoints="1"/>
+          </p:cNvSpPr>
+          <p:nvPr/>
+        </p:nvSpPr>
+        <p:spPr bwMode="auto">
+          <a:xfrm>
+            <a:off x="660009" y="5191111"/>
+            <a:ext cx="303737" cy="249177"/>
+          </a:xfrm>
+          <a:custGeom>
+            <a:avLst/>
+            <a:gdLst/>
+            <a:ahLst/>
+            <a:cxnLst>
+              <a:cxn ang="0">
+                <a:pos x="16" y="54"/>
+              </a:cxn>
+              <a:cxn ang="0">
+                <a:pos x="14" y="57"/>
+              </a:cxn>
+              <a:cxn ang="0">
+                <a:pos x="2" y="57"/>
+              </a:cxn>
+              <a:cxn ang="0">
+                <a:pos x="0" y="54"/>
+              </a:cxn>
+              <a:cxn ang="0">
+                <a:pos x="0" y="29"/>
+              </a:cxn>
+              <a:cxn ang="0">
+                <a:pos x="2" y="26"/>
+              </a:cxn>
+              <a:cxn ang="0">
+                <a:pos x="14" y="26"/>
+              </a:cxn>
+              <a:cxn ang="0">
+                <a:pos x="16" y="29"/>
+              </a:cxn>
+              <a:cxn ang="0">
+                <a:pos x="16" y="54"/>
+              </a:cxn>
+              <a:cxn ang="0">
+                <a:pos x="7" y="47"/>
+              </a:cxn>
+              <a:cxn ang="0">
+                <a:pos x="5" y="49"/>
+              </a:cxn>
+              <a:cxn ang="0">
+                <a:pos x="7" y="52"/>
+              </a:cxn>
+              <a:cxn ang="0">
+                <a:pos x="10" y="49"/>
+              </a:cxn>
+              <a:cxn ang="0">
+                <a:pos x="7" y="47"/>
+              </a:cxn>
+              <a:cxn ang="0">
+                <a:pos x="62" y="35"/>
+              </a:cxn>
+              <a:cxn ang="0">
+                <a:pos x="62" y="38"/>
+              </a:cxn>
+              <a:cxn ang="0">
+                <a:pos x="61" y="43"/>
+              </a:cxn>
+              <a:cxn ang="0">
+                <a:pos x="61" y="48"/>
+              </a:cxn>
+              <a:cxn ang="0">
+                <a:pos x="59" y="52"/>
+              </a:cxn>
+              <a:cxn ang="0">
+                <a:pos x="57" y="59"/>
+              </a:cxn>
+              <a:cxn ang="0">
+                <a:pos x="49" y="62"/>
+              </a:cxn>
+              <a:cxn ang="0">
+                <a:pos x="47" y="62"/>
+              </a:cxn>
+              <a:cxn ang="0">
+                <a:pos x="44" y="62"/>
+              </a:cxn>
+              <a:cxn ang="0">
+                <a:pos x="43" y="62"/>
+              </a:cxn>
+              <a:cxn ang="0">
+                <a:pos x="28" y="59"/>
+              </a:cxn>
+              <a:cxn ang="0">
+                <a:pos x="22" y="57"/>
+              </a:cxn>
+              <a:cxn ang="0">
+                <a:pos x="19" y="54"/>
+              </a:cxn>
+              <a:cxn ang="0">
+                <a:pos x="19" y="29"/>
+              </a:cxn>
+              <a:cxn ang="0">
+                <a:pos x="21" y="26"/>
+              </a:cxn>
+              <a:cxn ang="0">
+                <a:pos x="29" y="19"/>
+              </a:cxn>
+              <a:cxn ang="0">
+                <a:pos x="33" y="14"/>
+              </a:cxn>
+              <a:cxn ang="0">
+                <a:pos x="35" y="8"/>
+              </a:cxn>
+              <a:cxn ang="0">
+                <a:pos x="38" y="1"/>
+              </a:cxn>
+              <a:cxn ang="0">
+                <a:pos x="40" y="0"/>
+              </a:cxn>
+              <a:cxn ang="0">
+                <a:pos x="49" y="11"/>
+              </a:cxn>
+              <a:cxn ang="0">
+                <a:pos x="46" y="18"/>
+              </a:cxn>
+              <a:cxn ang="0">
+                <a:pos x="45" y="21"/>
+              </a:cxn>
+              <a:cxn ang="0">
+                <a:pos x="56" y="21"/>
+              </a:cxn>
+              <a:cxn ang="0">
+                <a:pos x="64" y="29"/>
+              </a:cxn>
+              <a:cxn ang="0">
+                <a:pos x="62" y="35"/>
+              </a:cxn>
+            </a:cxnLst>
+            <a:rect l="0" t="0" r="r" b="b"/>
+            <a:pathLst>
+              <a:path w="64" h="62">
+                <a:moveTo>
+                  <a:pt x="16" y="54"/>
+                </a:moveTo>
+                <a:cubicBezTo>
+                  <a:pt x="16" y="56"/>
+                  <a:pt x="15" y="57"/>
+                  <a:pt x="14" y="57"/>
+                </a:cubicBezTo>
+                <a:cubicBezTo>
+                  <a:pt x="2" y="57"/>
+                  <a:pt x="2" y="57"/>
+                  <a:pt x="2" y="57"/>
+                </a:cubicBezTo>
+                <a:cubicBezTo>
+                  <a:pt x="1" y="57"/>
+                  <a:pt x="0" y="56"/>
+                  <a:pt x="0" y="54"/>
+                </a:cubicBezTo>
+                <a:cubicBezTo>
+                  <a:pt x="0" y="29"/>
+                  <a:pt x="0" y="29"/>
+                  <a:pt x="0" y="29"/>
+                </a:cubicBezTo>
+                <a:cubicBezTo>
+                  <a:pt x="0" y="27"/>
+                  <a:pt x="1" y="26"/>
+                  <a:pt x="2" y="26"/>
+                </a:cubicBezTo>
+                <a:cubicBezTo>
+                  <a:pt x="14" y="26"/>
+                  <a:pt x="14" y="26"/>
+                  <a:pt x="14" y="26"/>
+                </a:cubicBezTo>
+                <a:cubicBezTo>
+                  <a:pt x="15" y="26"/>
+                  <a:pt x="16" y="27"/>
+                  <a:pt x="16" y="29"/>
+                </a:cubicBezTo>
+                <a:lnTo>
+                  <a:pt x="16" y="54"/>
+                </a:lnTo>
+                <a:close/>
+                <a:moveTo>
+                  <a:pt x="7" y="47"/>
+                </a:moveTo>
+                <a:cubicBezTo>
+                  <a:pt x="6" y="47"/>
+                  <a:pt x="5" y="48"/>
+                  <a:pt x="5" y="49"/>
+                </a:cubicBezTo>
+                <a:cubicBezTo>
+                  <a:pt x="5" y="51"/>
+                  <a:pt x="6" y="52"/>
+                  <a:pt x="7" y="52"/>
+                </a:cubicBezTo>
+                <a:cubicBezTo>
+                  <a:pt x="9" y="52"/>
+                  <a:pt x="10" y="51"/>
+                  <a:pt x="10" y="49"/>
+                </a:cubicBezTo>
+                <a:cubicBezTo>
+                  <a:pt x="10" y="48"/>
+                  <a:pt x="9" y="47"/>
+                  <a:pt x="7" y="47"/>
+                </a:cubicBezTo>
+                <a:close/>
+                <a:moveTo>
+                  <a:pt x="62" y="35"/>
+                </a:moveTo>
+                <a:cubicBezTo>
+                  <a:pt x="62" y="36"/>
+                  <a:pt x="62" y="37"/>
+                  <a:pt x="62" y="38"/>
+                </a:cubicBezTo>
+                <a:cubicBezTo>
+                  <a:pt x="62" y="40"/>
+                  <a:pt x="62" y="42"/>
+                  <a:pt x="61" y="43"/>
+                </a:cubicBezTo>
+                <a:cubicBezTo>
+                  <a:pt x="61" y="45"/>
+                  <a:pt x="61" y="46"/>
+                  <a:pt x="61" y="48"/>
+                </a:cubicBezTo>
+                <a:cubicBezTo>
+                  <a:pt x="60" y="49"/>
+                  <a:pt x="60" y="51"/>
+                  <a:pt x="59" y="52"/>
+                </a:cubicBezTo>
+                <a:cubicBezTo>
+                  <a:pt x="59" y="55"/>
+                  <a:pt x="58" y="57"/>
+                  <a:pt x="57" y="59"/>
+                </a:cubicBezTo>
+                <a:cubicBezTo>
+                  <a:pt x="55" y="61"/>
+                  <a:pt x="52" y="62"/>
+                  <a:pt x="49" y="62"/>
+                </a:cubicBezTo>
+                <a:cubicBezTo>
+                  <a:pt x="48" y="62"/>
+                  <a:pt x="48" y="62"/>
+                  <a:pt x="47" y="62"/>
+                </a:cubicBezTo>
+                <a:cubicBezTo>
+                  <a:pt x="44" y="62"/>
+                  <a:pt x="44" y="62"/>
+                  <a:pt x="44" y="62"/>
+                </a:cubicBezTo>
+                <a:cubicBezTo>
+                  <a:pt x="43" y="62"/>
+                  <a:pt x="43" y="62"/>
+                  <a:pt x="43" y="62"/>
+                </a:cubicBezTo>
+                <a:cubicBezTo>
+                  <a:pt x="38" y="62"/>
+                  <a:pt x="32" y="60"/>
+                  <a:pt x="28" y="59"/>
+                </a:cubicBezTo>
+                <a:cubicBezTo>
+                  <a:pt x="25" y="58"/>
+                  <a:pt x="23" y="57"/>
+                  <a:pt x="22" y="57"/>
+                </a:cubicBezTo>
+                <a:cubicBezTo>
+                  <a:pt x="20" y="57"/>
+                  <a:pt x="19" y="56"/>
+                  <a:pt x="19" y="54"/>
+                </a:cubicBezTo>
+                <a:cubicBezTo>
+                  <a:pt x="19" y="29"/>
+                  <a:pt x="19" y="29"/>
+                  <a:pt x="19" y="29"/>
+                </a:cubicBezTo>
+                <a:cubicBezTo>
+                  <a:pt x="19" y="27"/>
+                  <a:pt x="20" y="26"/>
+                  <a:pt x="21" y="26"/>
+                </a:cubicBezTo>
+                <a:cubicBezTo>
+                  <a:pt x="23" y="26"/>
+                  <a:pt x="27" y="21"/>
+                  <a:pt x="29" y="19"/>
+                </a:cubicBezTo>
+                <a:cubicBezTo>
+                  <a:pt x="30" y="17"/>
+                  <a:pt x="31" y="15"/>
+                  <a:pt x="33" y="14"/>
+                </a:cubicBezTo>
+                <a:cubicBezTo>
+                  <a:pt x="34" y="13"/>
+                  <a:pt x="35" y="10"/>
+                  <a:pt x="35" y="8"/>
+                </a:cubicBezTo>
+                <a:cubicBezTo>
+                  <a:pt x="36" y="5"/>
+                  <a:pt x="36" y="3"/>
+                  <a:pt x="38" y="1"/>
+                </a:cubicBezTo>
+                <a:cubicBezTo>
+                  <a:pt x="38" y="1"/>
+                  <a:pt x="39" y="0"/>
+                  <a:pt x="40" y="0"/>
+                </a:cubicBezTo>
+                <a:cubicBezTo>
+                  <a:pt x="49" y="0"/>
+                  <a:pt x="49" y="8"/>
+                  <a:pt x="49" y="11"/>
+                </a:cubicBezTo>
+                <a:cubicBezTo>
+                  <a:pt x="49" y="14"/>
+                  <a:pt x="47" y="16"/>
+                  <a:pt x="46" y="18"/>
+                </a:cubicBezTo>
+                <a:cubicBezTo>
+                  <a:pt x="46" y="19"/>
+                  <a:pt x="46" y="20"/>
+                  <a:pt x="45" y="21"/>
+                </a:cubicBezTo>
+                <a:cubicBezTo>
+                  <a:pt x="56" y="21"/>
+                  <a:pt x="56" y="21"/>
+                  <a:pt x="56" y="21"/>
+                </a:cubicBezTo>
+                <a:cubicBezTo>
+                  <a:pt x="60" y="21"/>
+                  <a:pt x="64" y="25"/>
+                  <a:pt x="64" y="29"/>
+                </a:cubicBezTo>
+                <a:cubicBezTo>
+                  <a:pt x="64" y="31"/>
+                  <a:pt x="63" y="33"/>
+                  <a:pt x="62" y="35"/>
+                </a:cubicBezTo>
+                <a:close/>
+              </a:path>
+            </a:pathLst>
+          </a:custGeom>
+          <a:solidFill>
+            <a:schemeClr val="accent5">
+              <a:lumMod val="50000"/>
+            </a:schemeClr>
+          </a:solidFill>
+          <a:ln w="9525">
+            <a:noFill/>
+            <a:round/>
+          </a:ln>
+        </p:spPr>
+        <p:txBody>
+          <a:bodyPr vert="horz" wrap="square" lIns="68580" tIns="34290" rIns="68580" bIns="34290" numCol="1" anchor="t" anchorCtr="0" compatLnSpc="1"/>
+          <a:lstStyle/>
+          <a:p>
+            <a:pPr marL="0" marR="0" lvl="0" indent="0" algn="l" defTabSz="914400" rtl="0" eaLnBrk="1" fontAlgn="auto" latinLnBrk="0" hangingPunct="1">
+              <a:lnSpc>
+                <a:spcPct val="100000"/>
+              </a:lnSpc>
+              <a:spcBef>
+                <a:spcPts val="0"/>
+              </a:spcBef>
+              <a:spcAft>
+                <a:spcPts val="0"/>
+              </a:spcAft>
+              <a:buClrTx/>
+              <a:buSzTx/>
+              <a:buFontTx/>
+              <a:buNone/>
+              <a:defRPr/>
+            </a:pPr>
+            <a:endParaRPr kumimoji="0" lang="en-US" b="0" i="0" u="none" strike="noStrike" kern="0" cap="none" spc="0" normalizeH="0" baseline="0" noProof="0">
+              <a:ln>
+                <a:noFill/>
+              </a:ln>
+              <a:solidFill>
+                <a:sysClr val="windowText" lastClr="000000"/>
+              </a:solidFill>
+              <a:effectLst/>
+              <a:uLnTx/>
+              <a:uFillTx/>
+              <a:latin typeface="Calibri" panose="020F0502020204030204"/>
+              <a:ea typeface="+mn-ea"/>
+              <a:cs typeface="+mn-cs"/>
+            </a:endParaRPr>
+          </a:p>
+        </p:txBody>
+      </p:sp>
+    </p:spTree>
+    <p:extLst>
+      <p:ext uri="{BB962C8B-B14F-4D97-AF65-F5344CB8AC3E}">
+        <p14:creationId xmlns:p14="http://schemas.microsoft.com/office/powerpoint/2010/main" val="521958683"/>
+      </p:ext>
+    </p:extLst>
+  </p:cSld>
+  <p:clrMapOvr>
+    <a:masterClrMapping/>
+  </p:clrMapOvr>
+  <mc:AlternateContent xmlns:mc="http://schemas.openxmlformats.org/markup-compatibility/2006" xmlns:p14="http://schemas.microsoft.com/office/powerpoint/2010/main">
+    <mc:Choice Requires="p14">
+      <p:transition spd="slow" p14:dur="1500">
+        <p:random/>
+      </p:transition>
+    </mc:Choice>
+    <mc:Fallback xmlns="">
+      <p:transition spd="slow">
+        <p:random/>
+      </p:transition>
+    </mc:Fallback>
+  </mc:AlternateContent>
+</p:sld>
+</file>
+
+<file path=ppt/slides/slide27.xml><?xml version="1.0" encoding="utf-8"?>
+<p:sld xmlns:a="http://schemas.openxmlformats.org/drawingml/2006/main" xmlns:r="http://schemas.openxmlformats.org/officeDocument/2006/relationships" xmlns:p="http://schemas.openxmlformats.org/presentationml/2006/main">
+  <p:cSld>
+    <p:spTree>
+      <p:nvGrpSpPr>
+        <p:cNvPr id="1" name=""/>
+        <p:cNvGrpSpPr/>
+        <p:nvPr/>
+      </p:nvGrpSpPr>
+      <p:grpSpPr>
+        <a:xfrm>
+          <a:off x="0" y="0"/>
+          <a:ext cx="0" cy="0"/>
+          <a:chOff x="0" y="0"/>
+          <a:chExt cx="0" cy="0"/>
+        </a:xfrm>
+      </p:grpSpPr>
+      <p:sp>
+        <p:nvSpPr>
+          <p:cNvPr id="2" name="文本框 2">
+            <a:extLst>
+              <a:ext uri="{FF2B5EF4-FFF2-40B4-BE49-F238E27FC236}">
+                <a16:creationId xmlns:a16="http://schemas.microsoft.com/office/drawing/2014/main" id="{FEB73166-69C7-468F-9843-18CB35D2C8D8}"/>
+              </a:ext>
+            </a:extLst>
+          </p:cNvPr>
+          <p:cNvSpPr txBox="1">
+            <a:spLocks noChangeArrowheads="1"/>
+          </p:cNvSpPr>
+          <p:nvPr/>
+        </p:nvSpPr>
+        <p:spPr bwMode="auto">
+          <a:xfrm>
+            <a:off x="5589270" y="3147377"/>
+            <a:ext cx="1565910" cy="570230"/>
+          </a:xfrm>
+          <a:prstGeom prst="rect">
+            <a:avLst/>
+          </a:prstGeom>
+          <a:noFill/>
+          <a:ln w="9525">
+            <a:noFill/>
+            <a:miter lim="800000"/>
+            <a:headEnd/>
+            <a:tailEnd/>
+          </a:ln>
+        </p:spPr>
+        <p:txBody>
+          <a:bodyPr rot="0" vert="horz" wrap="square" lIns="91440" tIns="45720" rIns="91440" bIns="45720" anchor="t" anchorCtr="0">
+            <a:noAutofit/>
+          </a:bodyPr>
+          <a:lstStyle/>
+          <a:p>
+            <a:pPr algn="just"/>
+            <a:r>
+              <a:rPr lang="zh-CN" sz="1800" b="1" kern="100">
+                <a:solidFill>
+                  <a:srgbClr val="000000"/>
+                </a:solidFill>
+                <a:effectLst/>
+                <a:latin typeface="等线" panose="02010600030101010101" pitchFamily="2" charset="-122"/>
+                <a:ea typeface="思源黑体 CN Regular" panose="020B0500000000000000" pitchFamily="34" charset="-122"/>
+                <a:cs typeface="Times New Roman" panose="02020603050405020304" pitchFamily="18" charset="0"/>
+              </a:rPr>
+              <a:t>产品规格</a:t>
+            </a:r>
+            <a:endParaRPr lang="zh-CN" sz="1050" kern="100">
+              <a:effectLst/>
+              <a:latin typeface="等线" panose="02010600030101010101" pitchFamily="2" charset="-122"/>
+              <a:ea typeface="等线" panose="02010600030101010101" pitchFamily="2" charset="-122"/>
+              <a:cs typeface="Times New Roman" panose="02020603050405020304" pitchFamily="18" charset="0"/>
+            </a:endParaRPr>
+          </a:p>
+        </p:txBody>
+      </p:sp>
+      <p:sp>
+        <p:nvSpPr>
+          <p:cNvPr id="5" name="任意多边形: 形状 4">
+            <a:extLst>
+              <a:ext uri="{FF2B5EF4-FFF2-40B4-BE49-F238E27FC236}">
+                <a16:creationId xmlns:a16="http://schemas.microsoft.com/office/drawing/2014/main" id="{9AFE05D4-4E85-4920-8953-9389CA940835}"/>
+              </a:ext>
+            </a:extLst>
+          </p:cNvPr>
+          <p:cNvSpPr/>
+          <p:nvPr/>
+        </p:nvSpPr>
+        <p:spPr>
+          <a:xfrm>
+            <a:off x="4547870" y="3140392"/>
+            <a:ext cx="3096260" cy="532130"/>
+          </a:xfrm>
+          <a:custGeom>
+            <a:avLst/>
+            <a:gdLst>
+              <a:gd name="connsiteX0" fmla="*/ 266065 w 3096260"/>
+              <a:gd name="connsiteY0" fmla="*/ 0 h 532130"/>
+              <a:gd name="connsiteX1" fmla="*/ 319687 w 3096260"/>
+              <a:gd name="connsiteY1" fmla="*/ 5406 h 532130"/>
+              <a:gd name="connsiteX2" fmla="*/ 324775 w 3096260"/>
+              <a:gd name="connsiteY2" fmla="*/ 6985 h 532130"/>
+              <a:gd name="connsiteX3" fmla="*/ 3008840 w 3096260"/>
+              <a:gd name="connsiteY3" fmla="*/ 6985 h 532130"/>
+              <a:gd name="connsiteX4" fmla="*/ 3096260 w 3096260"/>
+              <a:gd name="connsiteY4" fmla="*/ 94405 h 532130"/>
+              <a:gd name="connsiteX5" fmla="*/ 3096260 w 3096260"/>
+              <a:gd name="connsiteY5" fmla="*/ 444075 h 532130"/>
+              <a:gd name="connsiteX6" fmla="*/ 3008840 w 3096260"/>
+              <a:gd name="connsiteY6" fmla="*/ 531495 h 532130"/>
+              <a:gd name="connsiteX7" fmla="*/ 310305 w 3096260"/>
+              <a:gd name="connsiteY7" fmla="*/ 531495 h 532130"/>
+              <a:gd name="connsiteX8" fmla="*/ 297670 w 3096260"/>
+              <a:gd name="connsiteY8" fmla="*/ 528944 h 532130"/>
+              <a:gd name="connsiteX9" fmla="*/ 266065 w 3096260"/>
+              <a:gd name="connsiteY9" fmla="*/ 532130 h 532130"/>
+              <a:gd name="connsiteX10" fmla="*/ 0 w 3096260"/>
+              <a:gd name="connsiteY10" fmla="*/ 266065 h 532130"/>
+              <a:gd name="connsiteX11" fmla="*/ 266065 w 3096260"/>
+              <a:gd name="connsiteY11" fmla="*/ 0 h 532130"/>
+            </a:gdLst>
+            <a:ahLst/>
+            <a:cxnLst>
+              <a:cxn ang="0">
+                <a:pos x="connsiteX0" y="connsiteY0"/>
+              </a:cxn>
+              <a:cxn ang="0">
+                <a:pos x="connsiteX1" y="connsiteY1"/>
+              </a:cxn>
+              <a:cxn ang="0">
+                <a:pos x="connsiteX2" y="connsiteY2"/>
+              </a:cxn>
+              <a:cxn ang="0">
+                <a:pos x="connsiteX3" y="connsiteY3"/>
+              </a:cxn>
+              <a:cxn ang="0">
+                <a:pos x="connsiteX4" y="connsiteY4"/>
+              </a:cxn>
+              <a:cxn ang="0">
+                <a:pos x="connsiteX5" y="connsiteY5"/>
+              </a:cxn>
+              <a:cxn ang="0">
+                <a:pos x="connsiteX6" y="connsiteY6"/>
+              </a:cxn>
+              <a:cxn ang="0">
+                <a:pos x="connsiteX7" y="connsiteY7"/>
+              </a:cxn>
+              <a:cxn ang="0">
+                <a:pos x="connsiteX8" y="connsiteY8"/>
+              </a:cxn>
+              <a:cxn ang="0">
+                <a:pos x="connsiteX9" y="connsiteY9"/>
+              </a:cxn>
+              <a:cxn ang="0">
+                <a:pos x="connsiteX10" y="connsiteY10"/>
+              </a:cxn>
+              <a:cxn ang="0">
+                <a:pos x="connsiteX11" y="connsiteY11"/>
+              </a:cxn>
+            </a:cxnLst>
+            <a:rect l="l" t="t" r="r" b="b"/>
+            <a:pathLst>
+              <a:path w="3096260" h="532130">
+                <a:moveTo>
+                  <a:pt x="266065" y="0"/>
+                </a:moveTo>
+                <a:cubicBezTo>
+                  <a:pt x="284433" y="0"/>
+                  <a:pt x="302367" y="1861"/>
+                  <a:pt x="319687" y="5406"/>
+                </a:cubicBezTo>
+                <a:lnTo>
+                  <a:pt x="324775" y="6985"/>
+                </a:lnTo>
+                <a:lnTo>
+                  <a:pt x="3008840" y="6985"/>
+                </a:lnTo>
+                <a:cubicBezTo>
+                  <a:pt x="3057121" y="6985"/>
+                  <a:pt x="3096260" y="46124"/>
+                  <a:pt x="3096260" y="94405"/>
+                </a:cubicBezTo>
+                <a:lnTo>
+                  <a:pt x="3096260" y="444075"/>
+                </a:lnTo>
+                <a:cubicBezTo>
+                  <a:pt x="3096260" y="492356"/>
+                  <a:pt x="3057121" y="531495"/>
+                  <a:pt x="3008840" y="531495"/>
+                </a:cubicBezTo>
+                <a:lnTo>
+                  <a:pt x="310305" y="531495"/>
+                </a:lnTo>
+                <a:lnTo>
+                  <a:pt x="297670" y="528944"/>
+                </a:lnTo>
+                <a:lnTo>
+                  <a:pt x="266065" y="532130"/>
+                </a:lnTo>
+                <a:cubicBezTo>
+                  <a:pt x="119121" y="532130"/>
+                  <a:pt x="0" y="413009"/>
+                  <a:pt x="0" y="266065"/>
+                </a:cubicBezTo>
+                <a:cubicBezTo>
+                  <a:pt x="0" y="119121"/>
+                  <a:pt x="119121" y="0"/>
+                  <a:pt x="266065" y="0"/>
+                </a:cubicBezTo>
+                <a:close/>
+              </a:path>
+            </a:pathLst>
+          </a:custGeom>
+          <a:gradFill>
+            <a:gsLst>
+              <a:gs pos="100000">
+                <a:schemeClr val="accent1">
+                  <a:lumMod val="5000"/>
+                  <a:lumOff val="95000"/>
+                  <a:alpha val="14000"/>
+                </a:schemeClr>
+              </a:gs>
+              <a:gs pos="61000">
+                <a:srgbClr val="D3E7FC"/>
+              </a:gs>
+              <a:gs pos="0">
+                <a:srgbClr val="3A97F4"/>
+              </a:gs>
+            </a:gsLst>
+            <a:lin ang="0" scaled="0"/>
+          </a:gradFill>
+          <a:ln>
+            <a:noFill/>
+          </a:ln>
+        </p:spPr>
+        <p:style>
+          <a:lnRef idx="2">
+            <a:schemeClr val="accent1">
+              <a:shade val="50000"/>
+            </a:schemeClr>
+          </a:lnRef>
+          <a:fillRef idx="1">
+            <a:schemeClr val="accent1"/>
+          </a:fillRef>
+          <a:effectRef idx="0">
+            <a:schemeClr val="accent1"/>
+          </a:effectRef>
+          <a:fontRef idx="minor">
+            <a:schemeClr val="lt1"/>
+          </a:fontRef>
+        </p:style>
+        <p:txBody>
+          <a:bodyPr rot="0" spcFirstLastPara="0" vert="horz" wrap="square" lIns="91440" tIns="45720" rIns="91440" bIns="45720" numCol="1" spcCol="0" rtlCol="0" fromWordArt="0" anchor="ctr" anchorCtr="0" forceAA="0" compatLnSpc="1">
+            <a:prstTxWarp prst="textNoShape">
+              <a:avLst/>
+            </a:prstTxWarp>
+            <a:noAutofit/>
+          </a:bodyPr>
+          <a:lstStyle/>
+          <a:p>
+            <a:endParaRPr lang="zh-CN" altLang="en-US"/>
+          </a:p>
+        </p:txBody>
+      </p:sp>
+    </p:spTree>
+    <p:extLst>
+      <p:ext uri="{BB962C8B-B14F-4D97-AF65-F5344CB8AC3E}">
+        <p14:creationId xmlns:p14="http://schemas.microsoft.com/office/powerpoint/2010/main" val="1339051797"/>
       </p:ext>
     </p:extLst>
   </p:cSld>
